--- a/Course work/defense.pptx
+++ b/Course work/defense.pptx
@@ -19,7 +19,7 @@
     <p:sldId id="260" r:id="rId13"/>
     <p:sldId id="266" r:id="rId14"/>
     <p:sldId id="270" r:id="rId15"/>
-    <p:sldId id="265" r:id="rId16"/>
+    <p:sldId id="271" r:id="rId16"/>
   </p:sldIdLst>
   <p:sldSz cx="12192000" cy="6858000"/>
   <p:notesSz cx="6858000" cy="9144000"/>
@@ -118,6 +118,11 @@
       </a:defRPr>
     </a:lvl9pPr>
   </p:defaultTextStyle>
+  <p:extLst>
+    <p:ext uri="{EFAFB233-063F-42B5-8137-9DF3F51BA10A}">
+      <p15:sldGuideLst xmlns:p15="http://schemas.microsoft.com/office/powerpoint/2012/main"/>
+    </p:ext>
+  </p:extLst>
 </p:presentation>
 </file>
 
@@ -268,7 +273,7 @@
           <a:p>
             <a:fld id="{1C139416-5144-4F35-A470-458272D7C95D}" type="datetimeFigureOut">
               <a:rPr lang="en-US" smtClean="0"/>
-              <a:t>12/27/2021</a:t>
+              <a:t>12/28/2021</a:t>
             </a:fld>
             <a:endParaRPr lang="en-US"/>
           </a:p>
@@ -466,7 +471,7 @@
           <a:p>
             <a:fld id="{1C139416-5144-4F35-A470-458272D7C95D}" type="datetimeFigureOut">
               <a:rPr lang="en-US" smtClean="0"/>
-              <a:t>12/27/2021</a:t>
+              <a:t>12/28/2021</a:t>
             </a:fld>
             <a:endParaRPr lang="en-US"/>
           </a:p>
@@ -674,7 +679,7 @@
           <a:p>
             <a:fld id="{1C139416-5144-4F35-A470-458272D7C95D}" type="datetimeFigureOut">
               <a:rPr lang="en-US" smtClean="0"/>
-              <a:t>12/27/2021</a:t>
+              <a:t>12/28/2021</a:t>
             </a:fld>
             <a:endParaRPr lang="en-US"/>
           </a:p>
@@ -872,7 +877,7 @@
           <a:p>
             <a:fld id="{1C139416-5144-4F35-A470-458272D7C95D}" type="datetimeFigureOut">
               <a:rPr lang="en-US" smtClean="0"/>
-              <a:t>12/27/2021</a:t>
+              <a:t>12/28/2021</a:t>
             </a:fld>
             <a:endParaRPr lang="en-US"/>
           </a:p>
@@ -1147,7 +1152,7 @@
           <a:p>
             <a:fld id="{1C139416-5144-4F35-A470-458272D7C95D}" type="datetimeFigureOut">
               <a:rPr lang="en-US" smtClean="0"/>
-              <a:t>12/27/2021</a:t>
+              <a:t>12/28/2021</a:t>
             </a:fld>
             <a:endParaRPr lang="en-US"/>
           </a:p>
@@ -1412,7 +1417,7 @@
           <a:p>
             <a:fld id="{1C139416-5144-4F35-A470-458272D7C95D}" type="datetimeFigureOut">
               <a:rPr lang="en-US" smtClean="0"/>
-              <a:t>12/27/2021</a:t>
+              <a:t>12/28/2021</a:t>
             </a:fld>
             <a:endParaRPr lang="en-US"/>
           </a:p>
@@ -1824,7 +1829,7 @@
           <a:p>
             <a:fld id="{1C139416-5144-4F35-A470-458272D7C95D}" type="datetimeFigureOut">
               <a:rPr lang="en-US" smtClean="0"/>
-              <a:t>12/27/2021</a:t>
+              <a:t>12/28/2021</a:t>
             </a:fld>
             <a:endParaRPr lang="en-US"/>
           </a:p>
@@ -1965,7 +1970,7 @@
           <a:p>
             <a:fld id="{1C139416-5144-4F35-A470-458272D7C95D}" type="datetimeFigureOut">
               <a:rPr lang="en-US" smtClean="0"/>
-              <a:t>12/27/2021</a:t>
+              <a:t>12/28/2021</a:t>
             </a:fld>
             <a:endParaRPr lang="en-US"/>
           </a:p>
@@ -2078,7 +2083,7 @@
           <a:p>
             <a:fld id="{1C139416-5144-4F35-A470-458272D7C95D}" type="datetimeFigureOut">
               <a:rPr lang="en-US" smtClean="0"/>
-              <a:t>12/27/2021</a:t>
+              <a:t>12/28/2021</a:t>
             </a:fld>
             <a:endParaRPr lang="en-US"/>
           </a:p>
@@ -2389,7 +2394,7 @@
           <a:p>
             <a:fld id="{1C139416-5144-4F35-A470-458272D7C95D}" type="datetimeFigureOut">
               <a:rPr lang="en-US" smtClean="0"/>
-              <a:t>12/27/2021</a:t>
+              <a:t>12/28/2021</a:t>
             </a:fld>
             <a:endParaRPr lang="en-US"/>
           </a:p>
@@ -2677,7 +2682,7 @@
           <a:p>
             <a:fld id="{1C139416-5144-4F35-A470-458272D7C95D}" type="datetimeFigureOut">
               <a:rPr lang="en-US" smtClean="0"/>
-              <a:t>12/27/2021</a:t>
+              <a:t>12/28/2021</a:t>
             </a:fld>
             <a:endParaRPr lang="en-US"/>
           </a:p>
@@ -2918,7 +2923,7 @@
           <a:p>
             <a:fld id="{1C139416-5144-4F35-A470-458272D7C95D}" type="datetimeFigureOut">
               <a:rPr lang="en-US" smtClean="0"/>
-              <a:t>12/27/2021</a:t>
+              <a:t>12/28/2021</a:t>
             </a:fld>
             <a:endParaRPr lang="en-US"/>
           </a:p>
@@ -3428,6 +3433,14 @@
 <file path=ppt/slides/slide10.xml><?xml version="1.0" encoding="utf-8"?>
 <p:sld xmlns:a="http://schemas.openxmlformats.org/drawingml/2006/main" xmlns:r="http://schemas.openxmlformats.org/officeDocument/2006/relationships" xmlns:p="http://schemas.openxmlformats.org/presentationml/2006/main">
   <p:cSld>
+    <p:bg>
+      <p:bgPr>
+        <a:solidFill>
+          <a:schemeClr val="bg1"/>
+        </a:solidFill>
+        <a:effectLst/>
+      </p:bgPr>
+    </p:bg>
     <p:spTree>
       <p:nvGrpSpPr>
         <p:cNvPr id="1" name=""/>
@@ -3442,6 +3455,66 @@
           <a:chExt cx="0" cy="0"/>
         </a:xfrm>
       </p:grpSpPr>
+      <p:sp useBgFill="1">
+        <p:nvSpPr>
+          <p:cNvPr id="18" name="Rectangle 17">
+            <a:extLst>
+              <a:ext uri="{FF2B5EF4-FFF2-40B4-BE49-F238E27FC236}">
+                <a16:creationId xmlns:a16="http://schemas.microsoft.com/office/drawing/2014/main" id="{AB902CB9-C7DC-4673-B7D5-F22DCF0EC54E}"/>
+              </a:ext>
+              <a:ext uri="{C183D7F6-B498-43B3-948B-1728B52AA6E4}">
+                <adec:decorative xmlns:adec="http://schemas.microsoft.com/office/drawing/2017/decorative" val="1"/>
+              </a:ext>
+            </a:extLst>
+          </p:cNvPr>
+          <p:cNvSpPr>
+            <a:spLocks noGrp="1" noRot="1" noChangeAspect="1" noMove="1" noResize="1" noEditPoints="1" noAdjustHandles="1" noChangeArrowheads="1" noChangeShapeType="1" noTextEdit="1"/>
+          </p:cNvSpPr>
+          <p:nvPr>
+            <p:extLst>
+              <p:ext uri="{386F3935-93C4-4BCD-93E2-E3B085C9AB24}">
+                <p16:designElem xmlns:p16="http://schemas.microsoft.com/office/powerpoint/2015/main" val="1"/>
+              </p:ext>
+            </p:extLst>
+          </p:nvPr>
+        </p:nvSpPr>
+        <p:spPr>
+          <a:xfrm>
+            <a:off x="-1" y="0"/>
+            <a:ext cx="12188952" cy="6858000"/>
+          </a:xfrm>
+          <a:prstGeom prst="rect">
+            <a:avLst/>
+          </a:prstGeom>
+          <a:ln>
+            <a:noFill/>
+          </a:ln>
+        </p:spPr>
+        <p:style>
+          <a:lnRef idx="2">
+            <a:schemeClr val="accent1">
+              <a:shade val="50000"/>
+            </a:schemeClr>
+          </a:lnRef>
+          <a:fillRef idx="1">
+            <a:schemeClr val="accent1"/>
+          </a:fillRef>
+          <a:effectRef idx="0">
+            <a:schemeClr val="accent1"/>
+          </a:effectRef>
+          <a:fontRef idx="minor">
+            <a:schemeClr val="lt1"/>
+          </a:fontRef>
+        </p:style>
+        <p:txBody>
+          <a:bodyPr rtlCol="0" anchor="ctr"/>
+          <a:lstStyle/>
+          <a:p>
+            <a:pPr algn="ctr"/>
+            <a:endParaRPr lang="en-US"/>
+          </a:p>
+        </p:txBody>
+      </p:sp>
       <p:sp>
         <p:nvSpPr>
           <p:cNvPr id="2" name="Title 1">
@@ -3458,23 +3531,221 @@
             <p:ph type="title"/>
           </p:nvPr>
         </p:nvSpPr>
-        <p:spPr/>
-        <p:txBody>
-          <a:bodyPr/>
+        <p:spPr>
+          <a:xfrm>
+            <a:off x="8280854" y="442471"/>
+            <a:ext cx="3999971" cy="1689029"/>
+          </a:xfrm>
+        </p:spPr>
+        <p:txBody>
+          <a:bodyPr anchor="b">
+            <a:normAutofit/>
+          </a:bodyPr>
           <a:lstStyle/>
           <a:p>
-            <a:pPr algn="ctr"/>
+            <a:r>
+              <a:rPr lang="ru-RU" sz="3700" dirty="0"/>
+              <a:t>Роли</a:t>
+            </a:r>
+            <a:r>
+              <a:rPr lang="en-US" sz="3700" dirty="0"/>
+              <a:t> </a:t>
+            </a:r>
+            <a:r>
+              <a:rPr lang="ru-RU" sz="3700" dirty="0"/>
+              <a:t>пользователей в приложении</a:t>
+            </a:r>
+            <a:endParaRPr lang="en-US" sz="3700" dirty="0"/>
+          </a:p>
+        </p:txBody>
+      </p:sp>
+      <p:pic>
+        <p:nvPicPr>
+          <p:cNvPr id="5" name="Picture 4">
+            <a:extLst>
+              <a:ext uri="{FF2B5EF4-FFF2-40B4-BE49-F238E27FC236}">
+                <a16:creationId xmlns:a16="http://schemas.microsoft.com/office/drawing/2014/main" id="{75CBB127-D0DE-4DC5-9011-C38AAF26AA7D}"/>
+              </a:ext>
+            </a:extLst>
+          </p:cNvPr>
+          <p:cNvPicPr>
+            <a:picLocks noChangeAspect="1"/>
+          </p:cNvPicPr>
+          <p:nvPr/>
+        </p:nvPicPr>
+        <p:blipFill>
+          <a:blip r:embed="rId2"/>
+          <a:stretch>
+            <a:fillRect/>
+          </a:stretch>
+        </p:blipFill>
+        <p:spPr>
+          <a:xfrm>
+            <a:off x="124492" y="664525"/>
+            <a:ext cx="2405190" cy="1486845"/>
+          </a:xfrm>
+          <a:prstGeom prst="rect">
+            <a:avLst/>
+          </a:prstGeom>
+        </p:spPr>
+      </p:pic>
+      <p:pic>
+        <p:nvPicPr>
+          <p:cNvPr id="7" name="Content Placeholder 6">
+            <a:extLst>
+              <a:ext uri="{FF2B5EF4-FFF2-40B4-BE49-F238E27FC236}">
+                <a16:creationId xmlns:a16="http://schemas.microsoft.com/office/drawing/2014/main" id="{3FB625FE-6FB4-4AA9-9646-A42ECCEB9AEE}"/>
+              </a:ext>
+            </a:extLst>
+          </p:cNvPr>
+          <p:cNvPicPr>
+            <a:picLocks noChangeAspect="1"/>
+          </p:cNvPicPr>
+          <p:nvPr/>
+        </p:nvPicPr>
+        <p:blipFill>
+          <a:blip r:embed="rId3"/>
+          <a:stretch>
+            <a:fillRect/>
+          </a:stretch>
+        </p:blipFill>
+        <p:spPr>
+          <a:xfrm>
+            <a:off x="3831523" y="506058"/>
+            <a:ext cx="4294719" cy="1803781"/>
+          </a:xfrm>
+          <a:prstGeom prst="rect">
+            <a:avLst/>
+          </a:prstGeom>
+        </p:spPr>
+      </p:pic>
+      <p:pic>
+        <p:nvPicPr>
+          <p:cNvPr id="9" name="Picture 8">
+            <a:extLst>
+              <a:ext uri="{FF2B5EF4-FFF2-40B4-BE49-F238E27FC236}">
+                <a16:creationId xmlns:a16="http://schemas.microsoft.com/office/drawing/2014/main" id="{5BAAC50A-0BFA-4DFD-A952-8B04C438F51C}"/>
+              </a:ext>
+            </a:extLst>
+          </p:cNvPr>
+          <p:cNvPicPr>
+            <a:picLocks noChangeAspect="1"/>
+          </p:cNvPicPr>
+          <p:nvPr/>
+        </p:nvPicPr>
+        <p:blipFill>
+          <a:blip r:embed="rId4"/>
+          <a:stretch>
+            <a:fillRect/>
+          </a:stretch>
+        </p:blipFill>
+        <p:spPr>
+          <a:xfrm>
+            <a:off x="2915031" y="2589601"/>
+            <a:ext cx="5997951" cy="1994318"/>
+          </a:xfrm>
+          <a:prstGeom prst="rect">
+            <a:avLst/>
+          </a:prstGeom>
+        </p:spPr>
+      </p:pic>
+      <p:pic>
+        <p:nvPicPr>
+          <p:cNvPr id="11" name="Picture 10">
+            <a:extLst>
+              <a:ext uri="{FF2B5EF4-FFF2-40B4-BE49-F238E27FC236}">
+                <a16:creationId xmlns:a16="http://schemas.microsoft.com/office/drawing/2014/main" id="{D0ACCCF2-0A8A-494B-8C64-99810AC790A9}"/>
+              </a:ext>
+            </a:extLst>
+          </p:cNvPr>
+          <p:cNvPicPr>
+            <a:picLocks noChangeAspect="1"/>
+          </p:cNvPicPr>
+          <p:nvPr/>
+        </p:nvPicPr>
+        <p:blipFill>
+          <a:blip r:embed="rId5"/>
+          <a:stretch>
+            <a:fillRect/>
+          </a:stretch>
+        </p:blipFill>
+        <p:spPr>
+          <a:xfrm>
+            <a:off x="1878209" y="4863681"/>
+            <a:ext cx="7855960" cy="1689029"/>
+          </a:xfrm>
+          <a:prstGeom prst="rect">
+            <a:avLst/>
+          </a:prstGeom>
+        </p:spPr>
+      </p:pic>
+      <p:sp>
+        <p:nvSpPr>
+          <p:cNvPr id="12" name="TextBox 11">
+            <a:extLst>
+              <a:ext uri="{FF2B5EF4-FFF2-40B4-BE49-F238E27FC236}">
+                <a16:creationId xmlns:a16="http://schemas.microsoft.com/office/drawing/2014/main" id="{5713E05E-8B26-43E1-83E1-2BE68A88EA02}"/>
+              </a:ext>
+            </a:extLst>
+          </p:cNvPr>
+          <p:cNvSpPr txBox="1"/>
+          <p:nvPr/>
+        </p:nvSpPr>
+        <p:spPr>
+          <a:xfrm>
+            <a:off x="1682885" y="3290723"/>
+            <a:ext cx="1067838" cy="366877"/>
+          </a:xfrm>
+          <a:prstGeom prst="rect">
+            <a:avLst/>
+          </a:prstGeom>
+          <a:noFill/>
+        </p:spPr>
+        <p:txBody>
+          <a:bodyPr wrap="square" rtlCol="0">
+            <a:spAutoFit/>
+          </a:bodyPr>
+          <a:lstStyle/>
+          <a:p>
             <a:r>
               <a:rPr lang="ru-RU" dirty="0"/>
-              <a:t>Роли</a:t>
-            </a:r>
-            <a:r>
-              <a:rPr lang="en-US" dirty="0"/>
-              <a:t> </a:t>
-            </a:r>
+              <a:t>Заказчик</a:t>
+            </a:r>
+            <a:endParaRPr lang="en-US" dirty="0"/>
+          </a:p>
+        </p:txBody>
+      </p:sp>
+      <p:sp>
+        <p:nvSpPr>
+          <p:cNvPr id="27" name="TextBox 26">
+            <a:extLst>
+              <a:ext uri="{FF2B5EF4-FFF2-40B4-BE49-F238E27FC236}">
+                <a16:creationId xmlns:a16="http://schemas.microsoft.com/office/drawing/2014/main" id="{857C8E8C-59B3-4793-BF57-962611A6AD2A}"/>
+              </a:ext>
+            </a:extLst>
+          </p:cNvPr>
+          <p:cNvSpPr txBox="1"/>
+          <p:nvPr/>
+        </p:nvSpPr>
+        <p:spPr>
+          <a:xfrm>
+            <a:off x="505838" y="5341318"/>
+            <a:ext cx="1372371" cy="369332"/>
+          </a:xfrm>
+          <a:prstGeom prst="rect">
+            <a:avLst/>
+          </a:prstGeom>
+          <a:noFill/>
+        </p:spPr>
+        <p:txBody>
+          <a:bodyPr wrap="square" rtlCol="0">
+            <a:spAutoFit/>
+          </a:bodyPr>
+          <a:lstStyle/>
+          <a:p>
             <a:r>
               <a:rPr lang="ru-RU" dirty="0"/>
-              <a:t>пользователей в приложении</a:t>
+              <a:t>Водитель</a:t>
             </a:r>
             <a:endParaRPr lang="en-US" dirty="0"/>
           </a:p>
@@ -3482,26 +3753,37 @@
       </p:sp>
       <p:sp>
         <p:nvSpPr>
-          <p:cNvPr id="3" name="Content Placeholder 2">
-            <a:extLst>
-              <a:ext uri="{FF2B5EF4-FFF2-40B4-BE49-F238E27FC236}">
-                <a16:creationId xmlns:a16="http://schemas.microsoft.com/office/drawing/2014/main" id="{4E6FD8B8-9B02-4048-BA50-D8781BE0395A}"/>
-              </a:ext>
-            </a:extLst>
-          </p:cNvPr>
-          <p:cNvSpPr>
-            <a:spLocks noGrp="1"/>
-          </p:cNvSpPr>
-          <p:nvPr>
-            <p:ph idx="1"/>
-          </p:nvPr>
-        </p:nvSpPr>
-        <p:spPr/>
-        <p:txBody>
-          <a:bodyPr/>
+          <p:cNvPr id="29" name="TextBox 28">
+            <a:extLst>
+              <a:ext uri="{FF2B5EF4-FFF2-40B4-BE49-F238E27FC236}">
+                <a16:creationId xmlns:a16="http://schemas.microsoft.com/office/drawing/2014/main" id="{B2D9AD66-0745-4A8E-93FA-277DD6D14BF1}"/>
+              </a:ext>
+            </a:extLst>
+          </p:cNvPr>
+          <p:cNvSpPr txBox="1"/>
+          <p:nvPr/>
+        </p:nvSpPr>
+        <p:spPr>
+          <a:xfrm>
+            <a:off x="3142992" y="1041071"/>
+            <a:ext cx="1067838" cy="366877"/>
+          </a:xfrm>
+          <a:prstGeom prst="rect">
+            <a:avLst/>
+          </a:prstGeom>
+          <a:noFill/>
+        </p:spPr>
+        <p:txBody>
+          <a:bodyPr wrap="square" rtlCol="0">
+            <a:spAutoFit/>
+          </a:bodyPr>
           <a:lstStyle/>
           <a:p>
-            <a:endParaRPr lang="en-US"/>
+            <a:r>
+              <a:rPr lang="ru-RU" dirty="0"/>
+              <a:t>Админ</a:t>
+            </a:r>
+            <a:endParaRPr lang="en-US" dirty="0"/>
           </a:p>
         </p:txBody>
       </p:sp>
@@ -3521,6 +3803,14 @@
 <file path=ppt/slides/slide11.xml><?xml version="1.0" encoding="utf-8"?>
 <p:sld xmlns:a="http://schemas.openxmlformats.org/drawingml/2006/main" xmlns:r="http://schemas.openxmlformats.org/officeDocument/2006/relationships" xmlns:p="http://schemas.openxmlformats.org/presentationml/2006/main">
   <p:cSld>
+    <p:bg>
+      <p:bgPr>
+        <a:solidFill>
+          <a:schemeClr val="bg1"/>
+        </a:solidFill>
+        <a:effectLst/>
+      </p:bgPr>
+    </p:bg>
     <p:spTree>
       <p:nvGrpSpPr>
         <p:cNvPr id="1" name=""/>
@@ -3535,6 +3825,472 @@
           <a:chExt cx="0" cy="0"/>
         </a:xfrm>
       </p:grpSpPr>
+      <p:sp useBgFill="1">
+        <p:nvSpPr>
+          <p:cNvPr id="17" name="Rectangle 11">
+            <a:extLst>
+              <a:ext uri="{FF2B5EF4-FFF2-40B4-BE49-F238E27FC236}">
+                <a16:creationId xmlns:a16="http://schemas.microsoft.com/office/drawing/2014/main" id="{A93898FF-D987-4B0E-BFB4-85F5EB356D4D}"/>
+              </a:ext>
+              <a:ext uri="{C183D7F6-B498-43B3-948B-1728B52AA6E4}">
+                <adec:decorative xmlns:adec="http://schemas.microsoft.com/office/drawing/2017/decorative" val="1"/>
+              </a:ext>
+            </a:extLst>
+          </p:cNvPr>
+          <p:cNvSpPr>
+            <a:spLocks noGrp="1" noRot="1" noChangeAspect="1" noMove="1" noResize="1" noEditPoints="1" noAdjustHandles="1" noChangeArrowheads="1" noChangeShapeType="1" noTextEdit="1"/>
+          </p:cNvSpPr>
+          <p:nvPr>
+            <p:extLst>
+              <p:ext uri="{386F3935-93C4-4BCD-93E2-E3B085C9AB24}">
+                <p16:designElem xmlns:p16="http://schemas.microsoft.com/office/powerpoint/2015/main" val="1"/>
+              </p:ext>
+            </p:extLst>
+          </p:nvPr>
+        </p:nvSpPr>
+        <p:spPr>
+          <a:xfrm>
+            <a:off x="0" y="-1"/>
+            <a:ext cx="12188952" cy="6858000"/>
+          </a:xfrm>
+          <a:prstGeom prst="rect">
+            <a:avLst/>
+          </a:prstGeom>
+          <a:ln>
+            <a:noFill/>
+          </a:ln>
+        </p:spPr>
+        <p:style>
+          <a:lnRef idx="2">
+            <a:schemeClr val="accent1">
+              <a:shade val="50000"/>
+            </a:schemeClr>
+          </a:lnRef>
+          <a:fillRef idx="1">
+            <a:schemeClr val="accent1"/>
+          </a:fillRef>
+          <a:effectRef idx="0">
+            <a:schemeClr val="accent1"/>
+          </a:effectRef>
+          <a:fontRef idx="minor">
+            <a:schemeClr val="lt1"/>
+          </a:fontRef>
+        </p:style>
+        <p:txBody>
+          <a:bodyPr rtlCol="0" anchor="ctr"/>
+          <a:lstStyle/>
+          <a:p>
+            <a:pPr algn="ctr"/>
+            <a:endParaRPr lang="en-US"/>
+          </a:p>
+        </p:txBody>
+      </p:sp>
+      <p:sp>
+        <p:nvSpPr>
+          <p:cNvPr id="19" name="Rectangle 13">
+            <a:extLst>
+              <a:ext uri="{FF2B5EF4-FFF2-40B4-BE49-F238E27FC236}">
+                <a16:creationId xmlns:a16="http://schemas.microsoft.com/office/drawing/2014/main" id="{C31A4873-64D0-418B-BA9D-D99C52A5FB8A}"/>
+              </a:ext>
+              <a:ext uri="{C183D7F6-B498-43B3-948B-1728B52AA6E4}">
+                <adec:decorative xmlns:adec="http://schemas.microsoft.com/office/drawing/2017/decorative" val="1"/>
+              </a:ext>
+            </a:extLst>
+          </p:cNvPr>
+          <p:cNvSpPr>
+            <a:spLocks noGrp="1" noRot="1" noChangeAspect="1" noMove="1" noResize="1" noEditPoints="1" noAdjustHandles="1" noChangeArrowheads="1" noChangeShapeType="1" noTextEdit="1"/>
+          </p:cNvSpPr>
+          <p:nvPr>
+            <p:extLst>
+              <p:ext uri="{386F3935-93C4-4BCD-93E2-E3B085C9AB24}">
+                <p16:designElem xmlns:p16="http://schemas.microsoft.com/office/powerpoint/2015/main" val="1"/>
+              </p:ext>
+            </p:extLst>
+          </p:nvPr>
+        </p:nvSpPr>
+        <p:spPr>
+          <a:xfrm>
+            <a:off x="0" y="0"/>
+            <a:ext cx="12188952" cy="6858000"/>
+          </a:xfrm>
+          <a:prstGeom prst="rect">
+            <a:avLst/>
+          </a:prstGeom>
+          <a:solidFill>
+            <a:schemeClr val="bg2">
+              <a:alpha val="50000"/>
+            </a:schemeClr>
+          </a:solidFill>
+          <a:ln>
+            <a:noFill/>
+          </a:ln>
+        </p:spPr>
+        <p:style>
+          <a:lnRef idx="2">
+            <a:schemeClr val="accent1">
+              <a:shade val="50000"/>
+            </a:schemeClr>
+          </a:lnRef>
+          <a:fillRef idx="1">
+            <a:schemeClr val="accent1"/>
+          </a:fillRef>
+          <a:effectRef idx="0">
+            <a:schemeClr val="accent1"/>
+          </a:effectRef>
+          <a:fontRef idx="minor">
+            <a:schemeClr val="lt1"/>
+          </a:fontRef>
+        </p:style>
+        <p:txBody>
+          <a:bodyPr rtlCol="0" anchor="ctr"/>
+          <a:lstStyle/>
+          <a:p>
+            <a:pPr algn="ctr"/>
+            <a:endParaRPr lang="en-US" dirty="0"/>
+          </a:p>
+        </p:txBody>
+      </p:sp>
+      <p:pic>
+        <p:nvPicPr>
+          <p:cNvPr id="16" name="Picture 15">
+            <a:extLst>
+              <a:ext uri="{FF2B5EF4-FFF2-40B4-BE49-F238E27FC236}">
+                <a16:creationId xmlns:a16="http://schemas.microsoft.com/office/drawing/2014/main" id="{5516C1EB-8D62-4BF0-92B5-02E6AE43B1F3}"/>
+              </a:ext>
+              <a:ext uri="{C183D7F6-B498-43B3-948B-1728B52AA6E4}">
+                <adec:decorative xmlns:adec="http://schemas.microsoft.com/office/drawing/2017/decorative" val="1"/>
+              </a:ext>
+            </a:extLst>
+          </p:cNvPr>
+          <p:cNvPicPr>
+            <a:picLocks noGrp="1" noRot="1" noChangeAspect="1" noMove="1" noResize="1" noEditPoints="1" noAdjustHandles="1" noChangeArrowheads="1" noChangeShapeType="1" noCrop="1"/>
+          </p:cNvPicPr>
+          <p:nvPr>
+            <p:extLst>
+              <p:ext uri="{386F3935-93C4-4BCD-93E2-E3B085C9AB24}">
+                <p16:designElem xmlns:p16="http://schemas.microsoft.com/office/powerpoint/2015/main" val="1"/>
+              </p:ext>
+            </p:extLst>
+          </p:nvPr>
+        </p:nvPicPr>
+        <p:blipFill>
+          <a:blip r:embed="rId2">
+            <a:extLst>
+              <a:ext uri="{28A0092B-C50C-407E-A947-70E740481C1C}">
+                <a14:useLocalDpi xmlns:a14="http://schemas.microsoft.com/office/drawing/2010/main" val="0"/>
+              </a:ext>
+            </a:extLst>
+          </a:blip>
+          <a:stretch>
+            <a:fillRect/>
+          </a:stretch>
+        </p:blipFill>
+        <p:spPr>
+          <a:xfrm>
+            <a:off x="0" y="0"/>
+            <a:ext cx="12188952" cy="6862380"/>
+          </a:xfrm>
+          <a:prstGeom prst="rect">
+            <a:avLst/>
+          </a:prstGeom>
+        </p:spPr>
+      </p:pic>
+      <p:sp>
+        <p:nvSpPr>
+          <p:cNvPr id="18" name="Rectangle 17">
+            <a:extLst>
+              <a:ext uri="{FF2B5EF4-FFF2-40B4-BE49-F238E27FC236}">
+                <a16:creationId xmlns:a16="http://schemas.microsoft.com/office/drawing/2014/main" id="{A737E5B8-8F31-4942-B159-B213C4D6D830}"/>
+              </a:ext>
+              <a:ext uri="{C183D7F6-B498-43B3-948B-1728B52AA6E4}">
+                <adec:decorative xmlns:adec="http://schemas.microsoft.com/office/drawing/2017/decorative" val="1"/>
+              </a:ext>
+            </a:extLst>
+          </p:cNvPr>
+          <p:cNvSpPr>
+            <a:spLocks noGrp="1" noRot="1" noChangeAspect="1" noMove="1" noResize="1" noEditPoints="1" noAdjustHandles="1" noChangeArrowheads="1" noChangeShapeType="1" noTextEdit="1"/>
+          </p:cNvSpPr>
+          <p:nvPr>
+            <p:extLst>
+              <p:ext uri="{386F3935-93C4-4BCD-93E2-E3B085C9AB24}">
+                <p16:designElem xmlns:p16="http://schemas.microsoft.com/office/powerpoint/2015/main" val="1"/>
+              </p:ext>
+            </p:extLst>
+          </p:nvPr>
+        </p:nvSpPr>
+        <p:spPr>
+          <a:xfrm>
+            <a:off x="0" y="0"/>
+            <a:ext cx="12188952" cy="6858000"/>
+          </a:xfrm>
+          <a:prstGeom prst="rect">
+            <a:avLst/>
+          </a:prstGeom>
+          <a:solidFill>
+            <a:schemeClr val="accent1">
+              <a:alpha val="20000"/>
+            </a:schemeClr>
+          </a:solidFill>
+          <a:ln>
+            <a:noFill/>
+          </a:ln>
+        </p:spPr>
+        <p:style>
+          <a:lnRef idx="2">
+            <a:schemeClr val="accent1">
+              <a:shade val="50000"/>
+            </a:schemeClr>
+          </a:lnRef>
+          <a:fillRef idx="1">
+            <a:schemeClr val="accent1"/>
+          </a:fillRef>
+          <a:effectRef idx="0">
+            <a:schemeClr val="accent1"/>
+          </a:effectRef>
+          <a:fontRef idx="minor">
+            <a:schemeClr val="lt1"/>
+          </a:fontRef>
+        </p:style>
+        <p:txBody>
+          <a:bodyPr rtlCol="0" anchor="ctr"/>
+          <a:lstStyle/>
+          <a:p>
+            <a:pPr algn="ctr"/>
+            <a:endParaRPr lang="en-US" dirty="0"/>
+          </a:p>
+        </p:txBody>
+      </p:sp>
+      <p:sp>
+        <p:nvSpPr>
+          <p:cNvPr id="20" name="Rectangle 19">
+            <a:extLst>
+              <a:ext uri="{FF2B5EF4-FFF2-40B4-BE49-F238E27FC236}">
+                <a16:creationId xmlns:a16="http://schemas.microsoft.com/office/drawing/2014/main" id="{42A4FC2C-047E-45A5-965D-8E1E3BF09BC6}"/>
+              </a:ext>
+              <a:ext uri="{C183D7F6-B498-43B3-948B-1728B52AA6E4}">
+                <adec:decorative xmlns:adec="http://schemas.microsoft.com/office/drawing/2017/decorative" val="1"/>
+              </a:ext>
+            </a:extLst>
+          </p:cNvPr>
+          <p:cNvSpPr>
+            <a:spLocks noGrp="1" noRot="1" noChangeAspect="1" noMove="1" noResize="1" noEditPoints="1" noAdjustHandles="1" noChangeArrowheads="1" noChangeShapeType="1" noTextEdit="1"/>
+          </p:cNvSpPr>
+          <p:nvPr>
+            <p:extLst>
+              <p:ext uri="{386F3935-93C4-4BCD-93E2-E3B085C9AB24}">
+                <p16:designElem xmlns:p16="http://schemas.microsoft.com/office/powerpoint/2015/main" val="1"/>
+              </p:ext>
+            </p:extLst>
+          </p:nvPr>
+        </p:nvSpPr>
+        <p:spPr bwMode="white">
+          <a:xfrm>
+            <a:off x="1524" y="0"/>
+            <a:ext cx="12188952" cy="6858000"/>
+          </a:xfrm>
+          <a:prstGeom prst="rect">
+            <a:avLst/>
+          </a:prstGeom>
+          <a:noFill/>
+          <a:ln>
+            <a:noFill/>
+          </a:ln>
+        </p:spPr>
+        <p:style>
+          <a:lnRef idx="2">
+            <a:schemeClr val="accent1">
+              <a:shade val="50000"/>
+            </a:schemeClr>
+          </a:lnRef>
+          <a:fillRef idx="1">
+            <a:schemeClr val="accent1"/>
+          </a:fillRef>
+          <a:effectRef idx="0">
+            <a:schemeClr val="accent1"/>
+          </a:effectRef>
+          <a:fontRef idx="minor">
+            <a:schemeClr val="lt1"/>
+          </a:fontRef>
+        </p:style>
+        <p:txBody>
+          <a:bodyPr rtlCol="0" anchor="ctr"/>
+          <a:lstStyle>
+            <a:defPPr>
+              <a:defRPr lang="en-US"/>
+            </a:defPPr>
+            <a:lvl1pPr marL="0" algn="l" defTabSz="914400" rtl="0" eaLnBrk="1" latinLnBrk="0" hangingPunct="1">
+              <a:defRPr sz="1800" kern="1200">
+                <a:solidFill>
+                  <a:schemeClr val="lt1"/>
+                </a:solidFill>
+                <a:latin typeface="+mn-lt"/>
+                <a:ea typeface="+mn-ea"/>
+                <a:cs typeface="+mn-cs"/>
+              </a:defRPr>
+            </a:lvl1pPr>
+            <a:lvl2pPr marL="457200" algn="l" defTabSz="914400" rtl="0" eaLnBrk="1" latinLnBrk="0" hangingPunct="1">
+              <a:defRPr sz="1800" kern="1200">
+                <a:solidFill>
+                  <a:schemeClr val="lt1"/>
+                </a:solidFill>
+                <a:latin typeface="+mn-lt"/>
+                <a:ea typeface="+mn-ea"/>
+                <a:cs typeface="+mn-cs"/>
+              </a:defRPr>
+            </a:lvl2pPr>
+            <a:lvl3pPr marL="914400" algn="l" defTabSz="914400" rtl="0" eaLnBrk="1" latinLnBrk="0" hangingPunct="1">
+              <a:defRPr sz="1800" kern="1200">
+                <a:solidFill>
+                  <a:schemeClr val="lt1"/>
+                </a:solidFill>
+                <a:latin typeface="+mn-lt"/>
+                <a:ea typeface="+mn-ea"/>
+                <a:cs typeface="+mn-cs"/>
+              </a:defRPr>
+            </a:lvl3pPr>
+            <a:lvl4pPr marL="1371600" algn="l" defTabSz="914400" rtl="0" eaLnBrk="1" latinLnBrk="0" hangingPunct="1">
+              <a:defRPr sz="1800" kern="1200">
+                <a:solidFill>
+                  <a:schemeClr val="lt1"/>
+                </a:solidFill>
+                <a:latin typeface="+mn-lt"/>
+                <a:ea typeface="+mn-ea"/>
+                <a:cs typeface="+mn-cs"/>
+              </a:defRPr>
+            </a:lvl4pPr>
+            <a:lvl5pPr marL="1828800" algn="l" defTabSz="914400" rtl="0" eaLnBrk="1" latinLnBrk="0" hangingPunct="1">
+              <a:defRPr sz="1800" kern="1200">
+                <a:solidFill>
+                  <a:schemeClr val="lt1"/>
+                </a:solidFill>
+                <a:latin typeface="+mn-lt"/>
+                <a:ea typeface="+mn-ea"/>
+                <a:cs typeface="+mn-cs"/>
+              </a:defRPr>
+            </a:lvl5pPr>
+            <a:lvl6pPr marL="2286000" algn="l" defTabSz="914400" rtl="0" eaLnBrk="1" latinLnBrk="0" hangingPunct="1">
+              <a:defRPr sz="1800" kern="1200">
+                <a:solidFill>
+                  <a:schemeClr val="lt1"/>
+                </a:solidFill>
+                <a:latin typeface="+mn-lt"/>
+                <a:ea typeface="+mn-ea"/>
+                <a:cs typeface="+mn-cs"/>
+              </a:defRPr>
+            </a:lvl6pPr>
+            <a:lvl7pPr marL="2743200" algn="l" defTabSz="914400" rtl="0" eaLnBrk="1" latinLnBrk="0" hangingPunct="1">
+              <a:defRPr sz="1800" kern="1200">
+                <a:solidFill>
+                  <a:schemeClr val="lt1"/>
+                </a:solidFill>
+                <a:latin typeface="+mn-lt"/>
+                <a:ea typeface="+mn-ea"/>
+                <a:cs typeface="+mn-cs"/>
+              </a:defRPr>
+            </a:lvl7pPr>
+            <a:lvl8pPr marL="3200400" algn="l" defTabSz="914400" rtl="0" eaLnBrk="1" latinLnBrk="0" hangingPunct="1">
+              <a:defRPr sz="1800" kern="1200">
+                <a:solidFill>
+                  <a:schemeClr val="lt1"/>
+                </a:solidFill>
+                <a:latin typeface="+mn-lt"/>
+                <a:ea typeface="+mn-ea"/>
+                <a:cs typeface="+mn-cs"/>
+              </a:defRPr>
+            </a:lvl8pPr>
+            <a:lvl9pPr marL="3657600" algn="l" defTabSz="914400" rtl="0" eaLnBrk="1" latinLnBrk="0" hangingPunct="1">
+              <a:defRPr sz="1800" kern="1200">
+                <a:solidFill>
+                  <a:schemeClr val="lt1"/>
+                </a:solidFill>
+                <a:latin typeface="+mn-lt"/>
+                <a:ea typeface="+mn-ea"/>
+                <a:cs typeface="+mn-cs"/>
+              </a:defRPr>
+            </a:lvl9pPr>
+          </a:lstStyle>
+          <a:p>
+            <a:pPr algn="ctr"/>
+            <a:endParaRPr lang="en-US"/>
+          </a:p>
+        </p:txBody>
+      </p:sp>
+      <p:sp>
+        <p:nvSpPr>
+          <p:cNvPr id="22" name="Rectangle 21">
+            <a:extLst>
+              <a:ext uri="{FF2B5EF4-FFF2-40B4-BE49-F238E27FC236}">
+                <a16:creationId xmlns:a16="http://schemas.microsoft.com/office/drawing/2014/main" id="{D12128B6-ED88-4712-866F-66C86EE34618}"/>
+              </a:ext>
+              <a:ext uri="{C183D7F6-B498-43B3-948B-1728B52AA6E4}">
+                <adec:decorative xmlns:adec="http://schemas.microsoft.com/office/drawing/2017/decorative" val="1"/>
+              </a:ext>
+            </a:extLst>
+          </p:cNvPr>
+          <p:cNvSpPr>
+            <a:spLocks noGrp="1" noRot="1" noChangeAspect="1" noMove="1" noResize="1" noEditPoints="1" noAdjustHandles="1" noChangeArrowheads="1" noChangeShapeType="1" noTextEdit="1"/>
+          </p:cNvSpPr>
+          <p:nvPr>
+            <p:extLst>
+              <p:ext uri="{386F3935-93C4-4BCD-93E2-E3B085C9AB24}">
+                <p16:designElem xmlns:p16="http://schemas.microsoft.com/office/powerpoint/2015/main" val="1"/>
+              </p:ext>
+            </p:extLst>
+          </p:nvPr>
+        </p:nvSpPr>
+        <p:spPr>
+          <a:xfrm>
+            <a:off x="536678" y="0"/>
+            <a:ext cx="11145980" cy="6870723"/>
+          </a:xfrm>
+          <a:prstGeom prst="rect">
+            <a:avLst/>
+          </a:prstGeom>
+          <a:solidFill>
+            <a:schemeClr val="bg1"/>
+          </a:solidFill>
+          <a:ln w="34925">
+            <a:noFill/>
+          </a:ln>
+        </p:spPr>
+        <p:style>
+          <a:lnRef idx="2">
+            <a:schemeClr val="accent1">
+              <a:shade val="50000"/>
+            </a:schemeClr>
+          </a:lnRef>
+          <a:fillRef idx="1">
+            <a:schemeClr val="accent1"/>
+          </a:fillRef>
+          <a:effectRef idx="0">
+            <a:schemeClr val="accent1"/>
+          </a:effectRef>
+          <a:fontRef idx="minor">
+            <a:schemeClr val="lt1"/>
+          </a:fontRef>
+        </p:style>
+        <p:txBody>
+          <a:bodyPr rtlCol="0" anchor="ctr"/>
+          <a:lstStyle/>
+          <a:p>
+            <a:pPr algn="ctr"/>
+            <a:endParaRPr lang="en-US" b="1">
+              <a:ln w="22225">
+                <a:solidFill>
+                  <a:schemeClr val="accent2"/>
+                </a:solidFill>
+                <a:prstDash val="solid"/>
+              </a:ln>
+              <a:solidFill>
+                <a:schemeClr val="accent2">
+                  <a:lumMod val="40000"/>
+                  <a:lumOff val="60000"/>
+                </a:schemeClr>
+              </a:solidFill>
+            </a:endParaRPr>
+          </a:p>
+        </p:txBody>
+      </p:sp>
       <p:sp>
         <p:nvSpPr>
           <p:cNvPr id="2" name="Title 1">
@@ -3551,45 +4307,85 @@
             <p:ph type="title"/>
           </p:nvPr>
         </p:nvSpPr>
-        <p:spPr/>
-        <p:txBody>
-          <a:bodyPr/>
+        <p:spPr>
+          <a:xfrm>
+            <a:off x="1198182" y="2395630"/>
+            <a:ext cx="3795840" cy="3733460"/>
+          </a:xfrm>
+        </p:spPr>
+        <p:txBody>
+          <a:bodyPr vert="horz" lIns="91440" tIns="45720" rIns="91440" bIns="45720" rtlCol="0" anchor="t">
+            <a:normAutofit/>
+          </a:bodyPr>
           <a:lstStyle/>
           <a:p>
-            <a:pPr algn="ctr"/>
-            <a:r>
-              <a:rPr lang="ru-RU" dirty="0"/>
+            <a:r>
+              <a:rPr lang="en-US" sz="4100"/>
               <a:t>Авторизация и аутентификация</a:t>
             </a:r>
-            <a:endParaRPr lang="en-US" dirty="0"/>
-          </a:p>
-        </p:txBody>
-      </p:sp>
-      <p:sp>
-        <p:nvSpPr>
-          <p:cNvPr id="3" name="Content Placeholder 2">
-            <a:extLst>
-              <a:ext uri="{FF2B5EF4-FFF2-40B4-BE49-F238E27FC236}">
-                <a16:creationId xmlns:a16="http://schemas.microsoft.com/office/drawing/2014/main" id="{B87402DC-21D1-4643-9D7F-623555B31C9A}"/>
-              </a:ext>
-            </a:extLst>
-          </p:cNvPr>
-          <p:cNvSpPr>
-            <a:spLocks noGrp="1"/>
-          </p:cNvSpPr>
-          <p:nvPr>
-            <p:ph idx="1"/>
-          </p:nvPr>
-        </p:nvSpPr>
-        <p:spPr/>
-        <p:txBody>
-          <a:bodyPr/>
-          <a:lstStyle/>
-          <a:p>
-            <a:endParaRPr lang="en-US"/>
-          </a:p>
-        </p:txBody>
-      </p:sp>
+          </a:p>
+        </p:txBody>
+      </p:sp>
+      <p:pic>
+        <p:nvPicPr>
+          <p:cNvPr id="7" name="Picture 6">
+            <a:extLst>
+              <a:ext uri="{FF2B5EF4-FFF2-40B4-BE49-F238E27FC236}">
+                <a16:creationId xmlns:a16="http://schemas.microsoft.com/office/drawing/2014/main" id="{54F91CCF-BE51-464C-9BCC-02E546DAF374}"/>
+              </a:ext>
+            </a:extLst>
+          </p:cNvPr>
+          <p:cNvPicPr>
+            <a:picLocks noChangeAspect="1"/>
+          </p:cNvPicPr>
+          <p:nvPr/>
+        </p:nvPicPr>
+        <p:blipFill>
+          <a:blip r:embed="rId3"/>
+          <a:stretch>
+            <a:fillRect/>
+          </a:stretch>
+        </p:blipFill>
+        <p:spPr>
+          <a:xfrm>
+            <a:off x="5529176" y="772573"/>
+            <a:ext cx="4872376" cy="3167045"/>
+          </a:xfrm>
+          <a:prstGeom prst="rect">
+            <a:avLst/>
+          </a:prstGeom>
+        </p:spPr>
+      </p:pic>
+      <p:pic>
+        <p:nvPicPr>
+          <p:cNvPr id="5" name="Picture 4">
+            <a:extLst>
+              <a:ext uri="{FF2B5EF4-FFF2-40B4-BE49-F238E27FC236}">
+                <a16:creationId xmlns:a16="http://schemas.microsoft.com/office/drawing/2014/main" id="{F509D826-ADC3-407B-9D14-A7B9D62AB553}"/>
+              </a:ext>
+            </a:extLst>
+          </p:cNvPr>
+          <p:cNvPicPr>
+            <a:picLocks noChangeAspect="1"/>
+          </p:cNvPicPr>
+          <p:nvPr/>
+        </p:nvPicPr>
+        <p:blipFill>
+          <a:blip r:embed="rId4"/>
+          <a:stretch>
+            <a:fillRect/>
+          </a:stretch>
+        </p:blipFill>
+        <p:spPr>
+          <a:xfrm>
+            <a:off x="4301331" y="4501904"/>
+            <a:ext cx="6320441" cy="1232486"/>
+          </a:xfrm>
+          <a:prstGeom prst="rect">
+            <a:avLst/>
+          </a:prstGeom>
+        </p:spPr>
+      </p:pic>
     </p:spTree>
     <p:extLst>
       <p:ext uri="{BB962C8B-B14F-4D97-AF65-F5344CB8AC3E}">
@@ -3606,6 +4402,14 @@
 <file path=ppt/slides/slide12.xml><?xml version="1.0" encoding="utf-8"?>
 <p:sld xmlns:a="http://schemas.openxmlformats.org/drawingml/2006/main" xmlns:r="http://schemas.openxmlformats.org/officeDocument/2006/relationships" xmlns:p="http://schemas.openxmlformats.org/presentationml/2006/main">
   <p:cSld>
+    <p:bg>
+      <p:bgPr>
+        <a:solidFill>
+          <a:schemeClr val="bg1"/>
+        </a:solidFill>
+        <a:effectLst/>
+      </p:bgPr>
+    </p:bg>
     <p:spTree>
       <p:nvGrpSpPr>
         <p:cNvPr id="1" name=""/>
@@ -3620,6 +4424,66 @@
           <a:chExt cx="0" cy="0"/>
         </a:xfrm>
       </p:grpSpPr>
+      <p:sp useBgFill="1">
+        <p:nvSpPr>
+          <p:cNvPr id="39" name="Rectangle 13">
+            <a:extLst>
+              <a:ext uri="{FF2B5EF4-FFF2-40B4-BE49-F238E27FC236}">
+                <a16:creationId xmlns:a16="http://schemas.microsoft.com/office/drawing/2014/main" id="{7316481C-0A49-4796-812B-0D64F063B720}"/>
+              </a:ext>
+              <a:ext uri="{C183D7F6-B498-43B3-948B-1728B52AA6E4}">
+                <adec:decorative xmlns:adec="http://schemas.microsoft.com/office/drawing/2017/decorative" val="1"/>
+              </a:ext>
+            </a:extLst>
+          </p:cNvPr>
+          <p:cNvSpPr>
+            <a:spLocks noGrp="1" noRot="1" noChangeAspect="1" noMove="1" noResize="1" noEditPoints="1" noAdjustHandles="1" noChangeArrowheads="1" noChangeShapeType="1" noTextEdit="1"/>
+          </p:cNvSpPr>
+          <p:nvPr>
+            <p:extLst>
+              <p:ext uri="{386F3935-93C4-4BCD-93E2-E3B085C9AB24}">
+                <p16:designElem xmlns:p16="http://schemas.microsoft.com/office/powerpoint/2015/main" val="1"/>
+              </p:ext>
+            </p:extLst>
+          </p:nvPr>
+        </p:nvSpPr>
+        <p:spPr>
+          <a:xfrm>
+            <a:off x="0" y="0"/>
+            <a:ext cx="12192000" cy="6858000"/>
+          </a:xfrm>
+          <a:prstGeom prst="rect">
+            <a:avLst/>
+          </a:prstGeom>
+          <a:ln>
+            <a:noFill/>
+          </a:ln>
+        </p:spPr>
+        <p:style>
+          <a:lnRef idx="2">
+            <a:schemeClr val="accent1">
+              <a:shade val="50000"/>
+            </a:schemeClr>
+          </a:lnRef>
+          <a:fillRef idx="1">
+            <a:schemeClr val="accent1"/>
+          </a:fillRef>
+          <a:effectRef idx="0">
+            <a:schemeClr val="accent1"/>
+          </a:effectRef>
+          <a:fontRef idx="minor">
+            <a:schemeClr val="lt1"/>
+          </a:fontRef>
+        </p:style>
+        <p:txBody>
+          <a:bodyPr rtlCol="0" anchor="ctr"/>
+          <a:lstStyle/>
+          <a:p>
+            <a:pPr algn="ctr"/>
+            <a:endParaRPr lang="en-US"/>
+          </a:p>
+        </p:txBody>
+      </p:sp>
       <p:sp>
         <p:nvSpPr>
           <p:cNvPr id="2" name="Title 1">
@@ -3636,45 +4500,1505 @@
             <p:ph type="title"/>
           </p:nvPr>
         </p:nvSpPr>
-        <p:spPr/>
-        <p:txBody>
-          <a:bodyPr/>
+        <p:spPr>
+          <a:xfrm>
+            <a:off x="1116498" y="655128"/>
+            <a:ext cx="4613919" cy="1499616"/>
+          </a:xfrm>
+        </p:spPr>
+        <p:txBody>
+          <a:bodyPr vert="horz" lIns="91440" tIns="45720" rIns="91440" bIns="45720" rtlCol="0" anchor="b">
+            <a:normAutofit/>
+          </a:bodyPr>
           <a:lstStyle/>
           <a:p>
+            <a:r>
+              <a:rPr lang="en-US" sz="4200" dirty="0" err="1"/>
+              <a:t>Формы</a:t>
+            </a:r>
+            <a:r>
+              <a:rPr lang="en-US" sz="4200" dirty="0"/>
+              <a:t> </a:t>
+            </a:r>
+            <a:r>
+              <a:rPr lang="en-US" sz="4200" dirty="0" err="1"/>
+              <a:t>заказчика</a:t>
+            </a:r>
+            <a:endParaRPr lang="en-US" sz="4200" dirty="0"/>
+          </a:p>
+        </p:txBody>
+      </p:sp>
+      <p:sp>
+        <p:nvSpPr>
+          <p:cNvPr id="41" name="Rectangle 15">
+            <a:extLst>
+              <a:ext uri="{FF2B5EF4-FFF2-40B4-BE49-F238E27FC236}">
+                <a16:creationId xmlns:a16="http://schemas.microsoft.com/office/drawing/2014/main" id="{A5271697-90F1-4A23-8EF2-0179F2EAFACB}"/>
+              </a:ext>
+              <a:ext uri="{C183D7F6-B498-43B3-948B-1728B52AA6E4}">
+                <adec:decorative xmlns:adec="http://schemas.microsoft.com/office/drawing/2017/decorative" val="1"/>
+              </a:ext>
+            </a:extLst>
+          </p:cNvPr>
+          <p:cNvSpPr>
+            <a:spLocks noGrp="1" noRot="1" noChangeAspect="1" noMove="1" noResize="1" noEditPoints="1" noAdjustHandles="1" noChangeArrowheads="1" noChangeShapeType="1" noTextEdit="1"/>
+          </p:cNvSpPr>
+          <p:nvPr>
+            <p:extLst>
+              <p:ext uri="{386F3935-93C4-4BCD-93E2-E3B085C9AB24}">
+                <p16:designElem xmlns:p16="http://schemas.microsoft.com/office/powerpoint/2015/main" val="1"/>
+              </p:ext>
+            </p:extLst>
+          </p:nvPr>
+        </p:nvSpPr>
+        <p:spPr>
+          <a:xfrm>
+            <a:off x="-1" y="1"/>
+            <a:ext cx="606972" cy="3233984"/>
+          </a:xfrm>
+          <a:prstGeom prst="rect">
+            <a:avLst/>
+          </a:prstGeom>
+          <a:solidFill>
+            <a:schemeClr val="tx1">
+              <a:lumMod val="85000"/>
+              <a:lumOff val="15000"/>
+            </a:schemeClr>
+          </a:solidFill>
+          <a:ln>
+            <a:noFill/>
+          </a:ln>
+        </p:spPr>
+        <p:style>
+          <a:lnRef idx="2">
+            <a:schemeClr val="accent1">
+              <a:shade val="50000"/>
+            </a:schemeClr>
+          </a:lnRef>
+          <a:fillRef idx="1">
+            <a:schemeClr val="accent1"/>
+          </a:fillRef>
+          <a:effectRef idx="0">
+            <a:schemeClr val="accent1"/>
+          </a:effectRef>
+          <a:fontRef idx="minor">
+            <a:schemeClr val="lt1"/>
+          </a:fontRef>
+        </p:style>
+        <p:txBody>
+          <a:bodyPr rtlCol="0" anchor="ctr"/>
+          <a:lstStyle/>
+          <a:p>
             <a:pPr algn="ctr"/>
-            <a:r>
-              <a:rPr lang="ru-RU" dirty="0"/>
-              <a:t>Формы</a:t>
-            </a:r>
-            <a:endParaRPr lang="en-US" dirty="0"/>
-          </a:p>
-        </p:txBody>
-      </p:sp>
+            <a:endParaRPr lang="en-US"/>
+          </a:p>
+        </p:txBody>
+      </p:sp>
+      <p:grpSp>
+        <p:nvGrpSpPr>
+          <p:cNvPr id="18" name="Group 17">
+            <a:extLst>
+              <a:ext uri="{FF2B5EF4-FFF2-40B4-BE49-F238E27FC236}">
+                <a16:creationId xmlns:a16="http://schemas.microsoft.com/office/drawing/2014/main" id="{1F49CE81-B2F4-47B2-9D4A-886DCE0A8404}"/>
+              </a:ext>
+              <a:ext uri="{C183D7F6-B498-43B3-948B-1728B52AA6E4}">
+                <adec:decorative xmlns:adec="http://schemas.microsoft.com/office/drawing/2017/decorative" val="1"/>
+              </a:ext>
+            </a:extLst>
+          </p:cNvPr>
+          <p:cNvGrpSpPr>
+            <a:grpSpLocks noGrp="1" noUngrp="1" noRot="1" noChangeAspect="1" noMove="1" noResize="1"/>
+          </p:cNvGrpSpPr>
+          <p:nvPr>
+            <p:extLst>
+              <p:ext uri="{386F3935-93C4-4BCD-93E2-E3B085C9AB24}">
+                <p16:designElem xmlns:p16="http://schemas.microsoft.com/office/powerpoint/2015/main" val="1"/>
+              </p:ext>
+            </p:extLst>
+          </p:nvPr>
+        </p:nvGrpSpPr>
+        <p:grpSpPr>
+          <a:xfrm>
+            <a:off x="1188720" y="73152"/>
+            <a:ext cx="1178966" cy="232963"/>
+            <a:chOff x="7763256" y="73152"/>
+            <a:chExt cx="1178966" cy="232963"/>
+          </a:xfrm>
+        </p:grpSpPr>
+        <p:sp>
+          <p:nvSpPr>
+            <p:cNvPr id="19" name="Rectangle 64">
+              <a:extLst>
+                <a:ext uri="{FF2B5EF4-FFF2-40B4-BE49-F238E27FC236}">
+                  <a16:creationId xmlns:a16="http://schemas.microsoft.com/office/drawing/2014/main" id="{4BE32177-3EAD-42DA-997C-8DAE1BFEE58F}"/>
+                </a:ext>
+                <a:ext uri="{C183D7F6-B498-43B3-948B-1728B52AA6E4}">
+                  <adec:decorative xmlns:adec="http://schemas.microsoft.com/office/drawing/2017/decorative" val="1"/>
+                </a:ext>
+              </a:extLst>
+            </p:cNvPr>
+            <p:cNvSpPr/>
+            <p:nvPr>
+              <p:extLst>
+                <p:ext uri="{386F3935-93C4-4BCD-93E2-E3B085C9AB24}">
+                  <p16:designElem xmlns:p16="http://schemas.microsoft.com/office/powerpoint/2015/main" val="1"/>
+                </p:ext>
+              </p:extLst>
+            </p:nvPr>
+          </p:nvSpPr>
+          <p:spPr>
+            <a:xfrm>
+              <a:off x="8263077" y="73152"/>
+              <a:ext cx="54368" cy="59227"/>
+            </a:xfrm>
+            <a:prstGeom prst="ellipse">
+              <a:avLst/>
+            </a:prstGeom>
+            <a:solidFill>
+              <a:schemeClr val="accent1"/>
+            </a:solidFill>
+            <a:ln>
+              <a:noFill/>
+            </a:ln>
+          </p:spPr>
+          <p:style>
+            <a:lnRef idx="2">
+              <a:schemeClr val="accent1">
+                <a:shade val="50000"/>
+              </a:schemeClr>
+            </a:lnRef>
+            <a:fillRef idx="1">
+              <a:schemeClr val="accent1"/>
+            </a:fillRef>
+            <a:effectRef idx="0">
+              <a:schemeClr val="accent1"/>
+            </a:effectRef>
+            <a:fontRef idx="minor">
+              <a:schemeClr val="lt1"/>
+            </a:fontRef>
+          </p:style>
+          <p:txBody>
+            <a:bodyPr rtlCol="0" anchor="ctr"/>
+            <a:lstStyle/>
+            <a:p>
+              <a:pPr algn="ctr"/>
+              <a:endParaRPr lang="en-US"/>
+            </a:p>
+          </p:txBody>
+        </p:sp>
+        <p:sp>
+          <p:nvSpPr>
+            <p:cNvPr id="20" name="Rectangle 66">
+              <a:extLst>
+                <a:ext uri="{FF2B5EF4-FFF2-40B4-BE49-F238E27FC236}">
+                  <a16:creationId xmlns:a16="http://schemas.microsoft.com/office/drawing/2014/main" id="{A0DEE160-9825-4DB5-8188-911AC13EA761}"/>
+                </a:ext>
+                <a:ext uri="{C183D7F6-B498-43B3-948B-1728B52AA6E4}">
+                  <adec:decorative xmlns:adec="http://schemas.microsoft.com/office/drawing/2017/decorative" val="1"/>
+                </a:ext>
+              </a:extLst>
+            </p:cNvPr>
+            <p:cNvSpPr/>
+            <p:nvPr>
+              <p:extLst>
+                <p:ext uri="{386F3935-93C4-4BCD-93E2-E3B085C9AB24}">
+                  <p16:designElem xmlns:p16="http://schemas.microsoft.com/office/powerpoint/2015/main" val="1"/>
+                </p:ext>
+              </p:extLst>
+            </p:nvPr>
+          </p:nvSpPr>
+          <p:spPr>
+            <a:xfrm>
+              <a:off x="8263077" y="246888"/>
+              <a:ext cx="54368" cy="59227"/>
+            </a:xfrm>
+            <a:prstGeom prst="ellipse">
+              <a:avLst/>
+            </a:prstGeom>
+            <a:solidFill>
+              <a:schemeClr val="accent1"/>
+            </a:solidFill>
+            <a:ln>
+              <a:noFill/>
+            </a:ln>
+          </p:spPr>
+          <p:style>
+            <a:lnRef idx="2">
+              <a:schemeClr val="accent1">
+                <a:shade val="50000"/>
+              </a:schemeClr>
+            </a:lnRef>
+            <a:fillRef idx="1">
+              <a:schemeClr val="accent1"/>
+            </a:fillRef>
+            <a:effectRef idx="0">
+              <a:schemeClr val="accent1"/>
+            </a:effectRef>
+            <a:fontRef idx="minor">
+              <a:schemeClr val="lt1"/>
+            </a:fontRef>
+          </p:style>
+          <p:txBody>
+            <a:bodyPr rtlCol="0" anchor="ctr"/>
+            <a:lstStyle/>
+            <a:p>
+              <a:pPr algn="ctr"/>
+              <a:endParaRPr lang="en-US"/>
+            </a:p>
+          </p:txBody>
+        </p:sp>
+        <p:sp>
+          <p:nvSpPr>
+            <p:cNvPr id="21" name="Rectangle 64">
+              <a:extLst>
+                <a:ext uri="{FF2B5EF4-FFF2-40B4-BE49-F238E27FC236}">
+                  <a16:creationId xmlns:a16="http://schemas.microsoft.com/office/drawing/2014/main" id="{9C5FEDB5-0AEE-40E4-9CA6-6718B956D932}"/>
+                </a:ext>
+                <a:ext uri="{C183D7F6-B498-43B3-948B-1728B52AA6E4}">
+                  <adec:decorative xmlns:adec="http://schemas.microsoft.com/office/drawing/2017/decorative" val="1"/>
+                </a:ext>
+              </a:extLst>
+            </p:cNvPr>
+            <p:cNvSpPr/>
+            <p:nvPr>
+              <p:extLst>
+                <p:ext uri="{386F3935-93C4-4BCD-93E2-E3B085C9AB24}">
+                  <p16:designElem xmlns:p16="http://schemas.microsoft.com/office/powerpoint/2015/main" val="1"/>
+                </p:ext>
+              </p:extLst>
+            </p:nvPr>
+          </p:nvSpPr>
+          <p:spPr>
+            <a:xfrm>
+              <a:off x="8138122" y="73152"/>
+              <a:ext cx="54368" cy="59227"/>
+            </a:xfrm>
+            <a:prstGeom prst="ellipse">
+              <a:avLst/>
+            </a:prstGeom>
+            <a:solidFill>
+              <a:schemeClr val="accent1"/>
+            </a:solidFill>
+            <a:ln>
+              <a:noFill/>
+            </a:ln>
+          </p:spPr>
+          <p:style>
+            <a:lnRef idx="2">
+              <a:schemeClr val="accent1">
+                <a:shade val="50000"/>
+              </a:schemeClr>
+            </a:lnRef>
+            <a:fillRef idx="1">
+              <a:schemeClr val="accent1"/>
+            </a:fillRef>
+            <a:effectRef idx="0">
+              <a:schemeClr val="accent1"/>
+            </a:effectRef>
+            <a:fontRef idx="minor">
+              <a:schemeClr val="lt1"/>
+            </a:fontRef>
+          </p:style>
+          <p:txBody>
+            <a:bodyPr rtlCol="0" anchor="ctr"/>
+            <a:lstStyle/>
+            <a:p>
+              <a:pPr algn="ctr"/>
+              <a:endParaRPr lang="en-US"/>
+            </a:p>
+          </p:txBody>
+        </p:sp>
+        <p:sp>
+          <p:nvSpPr>
+            <p:cNvPr id="22" name="Rectangle 66">
+              <a:extLst>
+                <a:ext uri="{FF2B5EF4-FFF2-40B4-BE49-F238E27FC236}">
+                  <a16:creationId xmlns:a16="http://schemas.microsoft.com/office/drawing/2014/main" id="{1A11DF2D-1D4B-45DA-906B-2A1F84C99647}"/>
+                </a:ext>
+                <a:ext uri="{C183D7F6-B498-43B3-948B-1728B52AA6E4}">
+                  <adec:decorative xmlns:adec="http://schemas.microsoft.com/office/drawing/2017/decorative" val="1"/>
+                </a:ext>
+              </a:extLst>
+            </p:cNvPr>
+            <p:cNvSpPr/>
+            <p:nvPr>
+              <p:extLst>
+                <p:ext uri="{386F3935-93C4-4BCD-93E2-E3B085C9AB24}">
+                  <p16:designElem xmlns:p16="http://schemas.microsoft.com/office/powerpoint/2015/main" val="1"/>
+                </p:ext>
+              </p:extLst>
+            </p:nvPr>
+          </p:nvSpPr>
+          <p:spPr>
+            <a:xfrm>
+              <a:off x="8138122" y="246888"/>
+              <a:ext cx="54368" cy="59227"/>
+            </a:xfrm>
+            <a:prstGeom prst="ellipse">
+              <a:avLst/>
+            </a:prstGeom>
+            <a:solidFill>
+              <a:schemeClr val="accent1"/>
+            </a:solidFill>
+            <a:ln>
+              <a:noFill/>
+            </a:ln>
+          </p:spPr>
+          <p:style>
+            <a:lnRef idx="2">
+              <a:schemeClr val="accent1">
+                <a:shade val="50000"/>
+              </a:schemeClr>
+            </a:lnRef>
+            <a:fillRef idx="1">
+              <a:schemeClr val="accent1"/>
+            </a:fillRef>
+            <a:effectRef idx="0">
+              <a:schemeClr val="accent1"/>
+            </a:effectRef>
+            <a:fontRef idx="minor">
+              <a:schemeClr val="lt1"/>
+            </a:fontRef>
+          </p:style>
+          <p:txBody>
+            <a:bodyPr rtlCol="0" anchor="ctr"/>
+            <a:lstStyle/>
+            <a:p>
+              <a:pPr algn="ctr"/>
+              <a:endParaRPr lang="en-US"/>
+            </a:p>
+          </p:txBody>
+        </p:sp>
+        <p:sp>
+          <p:nvSpPr>
+            <p:cNvPr id="23" name="Rectangle 64">
+              <a:extLst>
+                <a:ext uri="{FF2B5EF4-FFF2-40B4-BE49-F238E27FC236}">
+                  <a16:creationId xmlns:a16="http://schemas.microsoft.com/office/drawing/2014/main" id="{B6A5BAC0-9806-4124-A584-7F924A6589C8}"/>
+                </a:ext>
+                <a:ext uri="{C183D7F6-B498-43B3-948B-1728B52AA6E4}">
+                  <adec:decorative xmlns:adec="http://schemas.microsoft.com/office/drawing/2017/decorative" val="1"/>
+                </a:ext>
+              </a:extLst>
+            </p:cNvPr>
+            <p:cNvSpPr/>
+            <p:nvPr>
+              <p:extLst>
+                <p:ext uri="{386F3935-93C4-4BCD-93E2-E3B085C9AB24}">
+                  <p16:designElem xmlns:p16="http://schemas.microsoft.com/office/powerpoint/2015/main" val="1"/>
+                </p:ext>
+              </p:extLst>
+            </p:nvPr>
+          </p:nvSpPr>
+          <p:spPr>
+            <a:xfrm>
+              <a:off x="8013167" y="73152"/>
+              <a:ext cx="54368" cy="59227"/>
+            </a:xfrm>
+            <a:prstGeom prst="ellipse">
+              <a:avLst/>
+            </a:prstGeom>
+            <a:solidFill>
+              <a:schemeClr val="accent1"/>
+            </a:solidFill>
+            <a:ln>
+              <a:noFill/>
+            </a:ln>
+          </p:spPr>
+          <p:style>
+            <a:lnRef idx="2">
+              <a:schemeClr val="accent1">
+                <a:shade val="50000"/>
+              </a:schemeClr>
+            </a:lnRef>
+            <a:fillRef idx="1">
+              <a:schemeClr val="accent1"/>
+            </a:fillRef>
+            <a:effectRef idx="0">
+              <a:schemeClr val="accent1"/>
+            </a:effectRef>
+            <a:fontRef idx="minor">
+              <a:schemeClr val="lt1"/>
+            </a:fontRef>
+          </p:style>
+          <p:txBody>
+            <a:bodyPr rtlCol="0" anchor="ctr"/>
+            <a:lstStyle/>
+            <a:p>
+              <a:pPr algn="ctr"/>
+              <a:endParaRPr lang="en-US"/>
+            </a:p>
+          </p:txBody>
+        </p:sp>
+        <p:sp>
+          <p:nvSpPr>
+            <p:cNvPr id="24" name="Rectangle 66">
+              <a:extLst>
+                <a:ext uri="{FF2B5EF4-FFF2-40B4-BE49-F238E27FC236}">
+                  <a16:creationId xmlns:a16="http://schemas.microsoft.com/office/drawing/2014/main" id="{A8F6BFA3-38BE-4F0A-94D9-EF0E6EA01A0B}"/>
+                </a:ext>
+                <a:ext uri="{C183D7F6-B498-43B3-948B-1728B52AA6E4}">
+                  <adec:decorative xmlns:adec="http://schemas.microsoft.com/office/drawing/2017/decorative" val="1"/>
+                </a:ext>
+              </a:extLst>
+            </p:cNvPr>
+            <p:cNvSpPr/>
+            <p:nvPr>
+              <p:extLst>
+                <p:ext uri="{386F3935-93C4-4BCD-93E2-E3B085C9AB24}">
+                  <p16:designElem xmlns:p16="http://schemas.microsoft.com/office/powerpoint/2015/main" val="1"/>
+                </p:ext>
+              </p:extLst>
+            </p:nvPr>
+          </p:nvSpPr>
+          <p:spPr>
+            <a:xfrm>
+              <a:off x="8013167" y="246888"/>
+              <a:ext cx="54368" cy="59227"/>
+            </a:xfrm>
+            <a:prstGeom prst="ellipse">
+              <a:avLst/>
+            </a:prstGeom>
+            <a:solidFill>
+              <a:schemeClr val="accent1"/>
+            </a:solidFill>
+            <a:ln>
+              <a:noFill/>
+            </a:ln>
+          </p:spPr>
+          <p:style>
+            <a:lnRef idx="2">
+              <a:schemeClr val="accent1">
+                <a:shade val="50000"/>
+              </a:schemeClr>
+            </a:lnRef>
+            <a:fillRef idx="1">
+              <a:schemeClr val="accent1"/>
+            </a:fillRef>
+            <a:effectRef idx="0">
+              <a:schemeClr val="accent1"/>
+            </a:effectRef>
+            <a:fontRef idx="minor">
+              <a:schemeClr val="lt1"/>
+            </a:fontRef>
+          </p:style>
+          <p:txBody>
+            <a:bodyPr rtlCol="0" anchor="ctr"/>
+            <a:lstStyle/>
+            <a:p>
+              <a:pPr algn="ctr"/>
+              <a:endParaRPr lang="en-US"/>
+            </a:p>
+          </p:txBody>
+        </p:sp>
+        <p:sp>
+          <p:nvSpPr>
+            <p:cNvPr id="25" name="Rectangle 64">
+              <a:extLst>
+                <a:ext uri="{FF2B5EF4-FFF2-40B4-BE49-F238E27FC236}">
+                  <a16:creationId xmlns:a16="http://schemas.microsoft.com/office/drawing/2014/main" id="{BE6BCF21-959F-419E-BCA4-B20AF92EF4F3}"/>
+                </a:ext>
+                <a:ext uri="{C183D7F6-B498-43B3-948B-1728B52AA6E4}">
+                  <adec:decorative xmlns:adec="http://schemas.microsoft.com/office/drawing/2017/decorative" val="1"/>
+                </a:ext>
+              </a:extLst>
+            </p:cNvPr>
+            <p:cNvSpPr/>
+            <p:nvPr>
+              <p:extLst>
+                <p:ext uri="{386F3935-93C4-4BCD-93E2-E3B085C9AB24}">
+                  <p16:designElem xmlns:p16="http://schemas.microsoft.com/office/powerpoint/2015/main" val="1"/>
+                </p:ext>
+              </p:extLst>
+            </p:nvPr>
+          </p:nvSpPr>
+          <p:spPr>
+            <a:xfrm>
+              <a:off x="7888211" y="73152"/>
+              <a:ext cx="54368" cy="59227"/>
+            </a:xfrm>
+            <a:prstGeom prst="ellipse">
+              <a:avLst/>
+            </a:prstGeom>
+            <a:solidFill>
+              <a:schemeClr val="accent1"/>
+            </a:solidFill>
+            <a:ln>
+              <a:noFill/>
+            </a:ln>
+          </p:spPr>
+          <p:style>
+            <a:lnRef idx="2">
+              <a:schemeClr val="accent1">
+                <a:shade val="50000"/>
+              </a:schemeClr>
+            </a:lnRef>
+            <a:fillRef idx="1">
+              <a:schemeClr val="accent1"/>
+            </a:fillRef>
+            <a:effectRef idx="0">
+              <a:schemeClr val="accent1"/>
+            </a:effectRef>
+            <a:fontRef idx="minor">
+              <a:schemeClr val="lt1"/>
+            </a:fontRef>
+          </p:style>
+          <p:txBody>
+            <a:bodyPr rtlCol="0" anchor="ctr"/>
+            <a:lstStyle/>
+            <a:p>
+              <a:pPr algn="ctr"/>
+              <a:endParaRPr lang="en-US"/>
+            </a:p>
+          </p:txBody>
+        </p:sp>
+        <p:sp>
+          <p:nvSpPr>
+            <p:cNvPr id="26" name="Rectangle 66">
+              <a:extLst>
+                <a:ext uri="{FF2B5EF4-FFF2-40B4-BE49-F238E27FC236}">
+                  <a16:creationId xmlns:a16="http://schemas.microsoft.com/office/drawing/2014/main" id="{54B6E037-E222-42EB-9AEB-C45EF2090AF6}"/>
+                </a:ext>
+                <a:ext uri="{C183D7F6-B498-43B3-948B-1728B52AA6E4}">
+                  <adec:decorative xmlns:adec="http://schemas.microsoft.com/office/drawing/2017/decorative" val="1"/>
+                </a:ext>
+              </a:extLst>
+            </p:cNvPr>
+            <p:cNvSpPr/>
+            <p:nvPr>
+              <p:extLst>
+                <p:ext uri="{386F3935-93C4-4BCD-93E2-E3B085C9AB24}">
+                  <p16:designElem xmlns:p16="http://schemas.microsoft.com/office/powerpoint/2015/main" val="1"/>
+                </p:ext>
+              </p:extLst>
+            </p:nvPr>
+          </p:nvSpPr>
+          <p:spPr>
+            <a:xfrm>
+              <a:off x="7888211" y="246888"/>
+              <a:ext cx="54368" cy="59227"/>
+            </a:xfrm>
+            <a:prstGeom prst="ellipse">
+              <a:avLst/>
+            </a:prstGeom>
+            <a:solidFill>
+              <a:schemeClr val="accent1"/>
+            </a:solidFill>
+            <a:ln>
+              <a:noFill/>
+            </a:ln>
+          </p:spPr>
+          <p:style>
+            <a:lnRef idx="2">
+              <a:schemeClr val="accent1">
+                <a:shade val="50000"/>
+              </a:schemeClr>
+            </a:lnRef>
+            <a:fillRef idx="1">
+              <a:schemeClr val="accent1"/>
+            </a:fillRef>
+            <a:effectRef idx="0">
+              <a:schemeClr val="accent1"/>
+            </a:effectRef>
+            <a:fontRef idx="minor">
+              <a:schemeClr val="lt1"/>
+            </a:fontRef>
+          </p:style>
+          <p:txBody>
+            <a:bodyPr rtlCol="0" anchor="ctr"/>
+            <a:lstStyle/>
+            <a:p>
+              <a:pPr algn="ctr"/>
+              <a:endParaRPr lang="en-US"/>
+            </a:p>
+          </p:txBody>
+        </p:sp>
+        <p:sp>
+          <p:nvSpPr>
+            <p:cNvPr id="27" name="Rectangle 64">
+              <a:extLst>
+                <a:ext uri="{FF2B5EF4-FFF2-40B4-BE49-F238E27FC236}">
+                  <a16:creationId xmlns:a16="http://schemas.microsoft.com/office/drawing/2014/main" id="{A0494426-372E-42B8-87E1-170F1B5969DF}"/>
+                </a:ext>
+                <a:ext uri="{C183D7F6-B498-43B3-948B-1728B52AA6E4}">
+                  <adec:decorative xmlns:adec="http://schemas.microsoft.com/office/drawing/2017/decorative" val="1"/>
+                </a:ext>
+              </a:extLst>
+            </p:cNvPr>
+            <p:cNvSpPr/>
+            <p:nvPr>
+              <p:extLst>
+                <p:ext uri="{386F3935-93C4-4BCD-93E2-E3B085C9AB24}">
+                  <p16:designElem xmlns:p16="http://schemas.microsoft.com/office/powerpoint/2015/main" val="1"/>
+                </p:ext>
+              </p:extLst>
+            </p:nvPr>
+          </p:nvSpPr>
+          <p:spPr>
+            <a:xfrm>
+              <a:off x="7763256" y="73152"/>
+              <a:ext cx="54368" cy="59227"/>
+            </a:xfrm>
+            <a:prstGeom prst="ellipse">
+              <a:avLst/>
+            </a:prstGeom>
+            <a:solidFill>
+              <a:schemeClr val="accent1"/>
+            </a:solidFill>
+            <a:ln>
+              <a:noFill/>
+            </a:ln>
+          </p:spPr>
+          <p:style>
+            <a:lnRef idx="2">
+              <a:schemeClr val="accent1">
+                <a:shade val="50000"/>
+              </a:schemeClr>
+            </a:lnRef>
+            <a:fillRef idx="1">
+              <a:schemeClr val="accent1"/>
+            </a:fillRef>
+            <a:effectRef idx="0">
+              <a:schemeClr val="accent1"/>
+            </a:effectRef>
+            <a:fontRef idx="minor">
+              <a:schemeClr val="lt1"/>
+            </a:fontRef>
+          </p:style>
+          <p:txBody>
+            <a:bodyPr rtlCol="0" anchor="ctr"/>
+            <a:lstStyle/>
+            <a:p>
+              <a:pPr algn="ctr"/>
+              <a:endParaRPr lang="en-US"/>
+            </a:p>
+          </p:txBody>
+        </p:sp>
+        <p:sp>
+          <p:nvSpPr>
+            <p:cNvPr id="28" name="Rectangle 66">
+              <a:extLst>
+                <a:ext uri="{FF2B5EF4-FFF2-40B4-BE49-F238E27FC236}">
+                  <a16:creationId xmlns:a16="http://schemas.microsoft.com/office/drawing/2014/main" id="{14DB5AB5-5D73-4375-8CF4-DF4B7A5D7F24}"/>
+                </a:ext>
+                <a:ext uri="{C183D7F6-B498-43B3-948B-1728B52AA6E4}">
+                  <adec:decorative xmlns:adec="http://schemas.microsoft.com/office/drawing/2017/decorative" val="1"/>
+                </a:ext>
+              </a:extLst>
+            </p:cNvPr>
+            <p:cNvSpPr/>
+            <p:nvPr>
+              <p:extLst>
+                <p:ext uri="{386F3935-93C4-4BCD-93E2-E3B085C9AB24}">
+                  <p16:designElem xmlns:p16="http://schemas.microsoft.com/office/powerpoint/2015/main" val="1"/>
+                </p:ext>
+              </p:extLst>
+            </p:nvPr>
+          </p:nvSpPr>
+          <p:spPr>
+            <a:xfrm>
+              <a:off x="7763256" y="246888"/>
+              <a:ext cx="54368" cy="59227"/>
+            </a:xfrm>
+            <a:prstGeom prst="ellipse">
+              <a:avLst/>
+            </a:prstGeom>
+            <a:solidFill>
+              <a:schemeClr val="accent1"/>
+            </a:solidFill>
+            <a:ln>
+              <a:noFill/>
+            </a:ln>
+          </p:spPr>
+          <p:style>
+            <a:lnRef idx="2">
+              <a:schemeClr val="accent1">
+                <a:shade val="50000"/>
+              </a:schemeClr>
+            </a:lnRef>
+            <a:fillRef idx="1">
+              <a:schemeClr val="accent1"/>
+            </a:fillRef>
+            <a:effectRef idx="0">
+              <a:schemeClr val="accent1"/>
+            </a:effectRef>
+            <a:fontRef idx="minor">
+              <a:schemeClr val="lt1"/>
+            </a:fontRef>
+          </p:style>
+          <p:txBody>
+            <a:bodyPr rtlCol="0" anchor="ctr"/>
+            <a:lstStyle/>
+            <a:p>
+              <a:pPr algn="ctr"/>
+              <a:endParaRPr lang="en-US"/>
+            </a:p>
+          </p:txBody>
+        </p:sp>
+        <p:sp>
+          <p:nvSpPr>
+            <p:cNvPr id="29" name="Rectangle 64">
+              <a:extLst>
+                <a:ext uri="{FF2B5EF4-FFF2-40B4-BE49-F238E27FC236}">
+                  <a16:creationId xmlns:a16="http://schemas.microsoft.com/office/drawing/2014/main" id="{009B2A6E-6D36-4A9A-AFAA-CF4D8591470D}"/>
+                </a:ext>
+                <a:ext uri="{C183D7F6-B498-43B3-948B-1728B52AA6E4}">
+                  <adec:decorative xmlns:adec="http://schemas.microsoft.com/office/drawing/2017/decorative" val="1"/>
+                </a:ext>
+              </a:extLst>
+            </p:cNvPr>
+            <p:cNvSpPr/>
+            <p:nvPr>
+              <p:extLst>
+                <p:ext uri="{386F3935-93C4-4BCD-93E2-E3B085C9AB24}">
+                  <p16:designElem xmlns:p16="http://schemas.microsoft.com/office/powerpoint/2015/main" val="1"/>
+                </p:ext>
+              </p:extLst>
+            </p:nvPr>
+          </p:nvSpPr>
+          <p:spPr>
+            <a:xfrm>
+              <a:off x="8887854" y="73152"/>
+              <a:ext cx="54368" cy="59227"/>
+            </a:xfrm>
+            <a:prstGeom prst="ellipse">
+              <a:avLst/>
+            </a:prstGeom>
+            <a:solidFill>
+              <a:schemeClr val="accent1"/>
+            </a:solidFill>
+            <a:ln>
+              <a:noFill/>
+            </a:ln>
+          </p:spPr>
+          <p:style>
+            <a:lnRef idx="2">
+              <a:schemeClr val="accent1">
+                <a:shade val="50000"/>
+              </a:schemeClr>
+            </a:lnRef>
+            <a:fillRef idx="1">
+              <a:schemeClr val="accent1"/>
+            </a:fillRef>
+            <a:effectRef idx="0">
+              <a:schemeClr val="accent1"/>
+            </a:effectRef>
+            <a:fontRef idx="minor">
+              <a:schemeClr val="lt1"/>
+            </a:fontRef>
+          </p:style>
+          <p:txBody>
+            <a:bodyPr rtlCol="0" anchor="ctr"/>
+            <a:lstStyle/>
+            <a:p>
+              <a:pPr algn="ctr"/>
+              <a:endParaRPr lang="en-US"/>
+            </a:p>
+          </p:txBody>
+        </p:sp>
+        <p:sp>
+          <p:nvSpPr>
+            <p:cNvPr id="30" name="Rectangle 66">
+              <a:extLst>
+                <a:ext uri="{FF2B5EF4-FFF2-40B4-BE49-F238E27FC236}">
+                  <a16:creationId xmlns:a16="http://schemas.microsoft.com/office/drawing/2014/main" id="{85DC0718-B29F-47A6-931F-F0EF9FA995D9}"/>
+                </a:ext>
+                <a:ext uri="{C183D7F6-B498-43B3-948B-1728B52AA6E4}">
+                  <adec:decorative xmlns:adec="http://schemas.microsoft.com/office/drawing/2017/decorative" val="1"/>
+                </a:ext>
+              </a:extLst>
+            </p:cNvPr>
+            <p:cNvSpPr/>
+            <p:nvPr>
+              <p:extLst>
+                <p:ext uri="{386F3935-93C4-4BCD-93E2-E3B085C9AB24}">
+                  <p16:designElem xmlns:p16="http://schemas.microsoft.com/office/powerpoint/2015/main" val="1"/>
+                </p:ext>
+              </p:extLst>
+            </p:nvPr>
+          </p:nvSpPr>
+          <p:spPr>
+            <a:xfrm>
+              <a:off x="8887854" y="246888"/>
+              <a:ext cx="54368" cy="59227"/>
+            </a:xfrm>
+            <a:prstGeom prst="ellipse">
+              <a:avLst/>
+            </a:prstGeom>
+            <a:solidFill>
+              <a:schemeClr val="accent1"/>
+            </a:solidFill>
+            <a:ln>
+              <a:noFill/>
+            </a:ln>
+          </p:spPr>
+          <p:style>
+            <a:lnRef idx="2">
+              <a:schemeClr val="accent1">
+                <a:shade val="50000"/>
+              </a:schemeClr>
+            </a:lnRef>
+            <a:fillRef idx="1">
+              <a:schemeClr val="accent1"/>
+            </a:fillRef>
+            <a:effectRef idx="0">
+              <a:schemeClr val="accent1"/>
+            </a:effectRef>
+            <a:fontRef idx="minor">
+              <a:schemeClr val="lt1"/>
+            </a:fontRef>
+          </p:style>
+          <p:txBody>
+            <a:bodyPr rtlCol="0" anchor="ctr"/>
+            <a:lstStyle/>
+            <a:p>
+              <a:pPr algn="ctr"/>
+              <a:endParaRPr lang="en-US"/>
+            </a:p>
+          </p:txBody>
+        </p:sp>
+        <p:sp>
+          <p:nvSpPr>
+            <p:cNvPr id="31" name="Rectangle 64">
+              <a:extLst>
+                <a:ext uri="{FF2B5EF4-FFF2-40B4-BE49-F238E27FC236}">
+                  <a16:creationId xmlns:a16="http://schemas.microsoft.com/office/drawing/2014/main" id="{AAED958D-AFCC-4BEF-818A-EFF7E41D1752}"/>
+                </a:ext>
+                <a:ext uri="{C183D7F6-B498-43B3-948B-1728B52AA6E4}">
+                  <adec:decorative xmlns:adec="http://schemas.microsoft.com/office/drawing/2017/decorative" val="1"/>
+                </a:ext>
+              </a:extLst>
+            </p:cNvPr>
+            <p:cNvSpPr/>
+            <p:nvPr>
+              <p:extLst>
+                <p:ext uri="{386F3935-93C4-4BCD-93E2-E3B085C9AB24}">
+                  <p16:designElem xmlns:p16="http://schemas.microsoft.com/office/powerpoint/2015/main" val="1"/>
+                </p:ext>
+              </p:extLst>
+            </p:nvPr>
+          </p:nvSpPr>
+          <p:spPr>
+            <a:xfrm>
+              <a:off x="8762899" y="73152"/>
+              <a:ext cx="54368" cy="59227"/>
+            </a:xfrm>
+            <a:prstGeom prst="ellipse">
+              <a:avLst/>
+            </a:prstGeom>
+            <a:solidFill>
+              <a:schemeClr val="accent1"/>
+            </a:solidFill>
+            <a:ln>
+              <a:noFill/>
+            </a:ln>
+          </p:spPr>
+          <p:style>
+            <a:lnRef idx="2">
+              <a:schemeClr val="accent1">
+                <a:shade val="50000"/>
+              </a:schemeClr>
+            </a:lnRef>
+            <a:fillRef idx="1">
+              <a:schemeClr val="accent1"/>
+            </a:fillRef>
+            <a:effectRef idx="0">
+              <a:schemeClr val="accent1"/>
+            </a:effectRef>
+            <a:fontRef idx="minor">
+              <a:schemeClr val="lt1"/>
+            </a:fontRef>
+          </p:style>
+          <p:txBody>
+            <a:bodyPr rtlCol="0" anchor="ctr"/>
+            <a:lstStyle/>
+            <a:p>
+              <a:pPr algn="ctr"/>
+              <a:endParaRPr lang="en-US"/>
+            </a:p>
+          </p:txBody>
+        </p:sp>
+        <p:sp>
+          <p:nvSpPr>
+            <p:cNvPr id="32" name="Rectangle 66">
+              <a:extLst>
+                <a:ext uri="{FF2B5EF4-FFF2-40B4-BE49-F238E27FC236}">
+                  <a16:creationId xmlns:a16="http://schemas.microsoft.com/office/drawing/2014/main" id="{C216DD5A-D1AE-429E-937E-456A50345E2F}"/>
+                </a:ext>
+                <a:ext uri="{C183D7F6-B498-43B3-948B-1728B52AA6E4}">
+                  <adec:decorative xmlns:adec="http://schemas.microsoft.com/office/drawing/2017/decorative" val="1"/>
+                </a:ext>
+              </a:extLst>
+            </p:cNvPr>
+            <p:cNvSpPr/>
+            <p:nvPr>
+              <p:extLst>
+                <p:ext uri="{386F3935-93C4-4BCD-93E2-E3B085C9AB24}">
+                  <p16:designElem xmlns:p16="http://schemas.microsoft.com/office/powerpoint/2015/main" val="1"/>
+                </p:ext>
+              </p:extLst>
+            </p:nvPr>
+          </p:nvSpPr>
+          <p:spPr>
+            <a:xfrm>
+              <a:off x="8762899" y="246888"/>
+              <a:ext cx="54368" cy="59227"/>
+            </a:xfrm>
+            <a:prstGeom prst="ellipse">
+              <a:avLst/>
+            </a:prstGeom>
+            <a:solidFill>
+              <a:schemeClr val="accent1"/>
+            </a:solidFill>
+            <a:ln>
+              <a:noFill/>
+            </a:ln>
+          </p:spPr>
+          <p:style>
+            <a:lnRef idx="2">
+              <a:schemeClr val="accent1">
+                <a:shade val="50000"/>
+              </a:schemeClr>
+            </a:lnRef>
+            <a:fillRef idx="1">
+              <a:schemeClr val="accent1"/>
+            </a:fillRef>
+            <a:effectRef idx="0">
+              <a:schemeClr val="accent1"/>
+            </a:effectRef>
+            <a:fontRef idx="minor">
+              <a:schemeClr val="lt1"/>
+            </a:fontRef>
+          </p:style>
+          <p:txBody>
+            <a:bodyPr rtlCol="0" anchor="ctr"/>
+            <a:lstStyle/>
+            <a:p>
+              <a:pPr algn="ctr"/>
+              <a:endParaRPr lang="en-US"/>
+            </a:p>
+          </p:txBody>
+        </p:sp>
+        <p:sp>
+          <p:nvSpPr>
+            <p:cNvPr id="33" name="Rectangle 64">
+              <a:extLst>
+                <a:ext uri="{FF2B5EF4-FFF2-40B4-BE49-F238E27FC236}">
+                  <a16:creationId xmlns:a16="http://schemas.microsoft.com/office/drawing/2014/main" id="{A845B253-9DEE-45AC-AADA-FAA6812C3968}"/>
+                </a:ext>
+                <a:ext uri="{C183D7F6-B498-43B3-948B-1728B52AA6E4}">
+                  <adec:decorative xmlns:adec="http://schemas.microsoft.com/office/drawing/2017/decorative" val="1"/>
+                </a:ext>
+              </a:extLst>
+            </p:cNvPr>
+            <p:cNvSpPr/>
+            <p:nvPr>
+              <p:extLst>
+                <p:ext uri="{386F3935-93C4-4BCD-93E2-E3B085C9AB24}">
+                  <p16:designElem xmlns:p16="http://schemas.microsoft.com/office/powerpoint/2015/main" val="1"/>
+                </p:ext>
+              </p:extLst>
+            </p:nvPr>
+          </p:nvSpPr>
+          <p:spPr>
+            <a:xfrm>
+              <a:off x="8637944" y="73152"/>
+              <a:ext cx="54368" cy="59227"/>
+            </a:xfrm>
+            <a:prstGeom prst="ellipse">
+              <a:avLst/>
+            </a:prstGeom>
+            <a:solidFill>
+              <a:schemeClr val="accent1"/>
+            </a:solidFill>
+            <a:ln>
+              <a:noFill/>
+            </a:ln>
+          </p:spPr>
+          <p:style>
+            <a:lnRef idx="2">
+              <a:schemeClr val="accent1">
+                <a:shade val="50000"/>
+              </a:schemeClr>
+            </a:lnRef>
+            <a:fillRef idx="1">
+              <a:schemeClr val="accent1"/>
+            </a:fillRef>
+            <a:effectRef idx="0">
+              <a:schemeClr val="accent1"/>
+            </a:effectRef>
+            <a:fontRef idx="minor">
+              <a:schemeClr val="lt1"/>
+            </a:fontRef>
+          </p:style>
+          <p:txBody>
+            <a:bodyPr rtlCol="0" anchor="ctr"/>
+            <a:lstStyle/>
+            <a:p>
+              <a:pPr algn="ctr"/>
+              <a:endParaRPr lang="en-US"/>
+            </a:p>
+          </p:txBody>
+        </p:sp>
+        <p:sp>
+          <p:nvSpPr>
+            <p:cNvPr id="34" name="Rectangle 66">
+              <a:extLst>
+                <a:ext uri="{FF2B5EF4-FFF2-40B4-BE49-F238E27FC236}">
+                  <a16:creationId xmlns:a16="http://schemas.microsoft.com/office/drawing/2014/main" id="{CE7B6CBF-757B-4B55-84CB-062B712D38EE}"/>
+                </a:ext>
+                <a:ext uri="{C183D7F6-B498-43B3-948B-1728B52AA6E4}">
+                  <adec:decorative xmlns:adec="http://schemas.microsoft.com/office/drawing/2017/decorative" val="1"/>
+                </a:ext>
+              </a:extLst>
+            </p:cNvPr>
+            <p:cNvSpPr/>
+            <p:nvPr>
+              <p:extLst>
+                <p:ext uri="{386F3935-93C4-4BCD-93E2-E3B085C9AB24}">
+                  <p16:designElem xmlns:p16="http://schemas.microsoft.com/office/powerpoint/2015/main" val="1"/>
+                </p:ext>
+              </p:extLst>
+            </p:nvPr>
+          </p:nvSpPr>
+          <p:spPr>
+            <a:xfrm>
+              <a:off x="8637944" y="246888"/>
+              <a:ext cx="54368" cy="59227"/>
+            </a:xfrm>
+            <a:prstGeom prst="ellipse">
+              <a:avLst/>
+            </a:prstGeom>
+            <a:solidFill>
+              <a:schemeClr val="accent1"/>
+            </a:solidFill>
+            <a:ln>
+              <a:noFill/>
+            </a:ln>
+          </p:spPr>
+          <p:style>
+            <a:lnRef idx="2">
+              <a:schemeClr val="accent1">
+                <a:shade val="50000"/>
+              </a:schemeClr>
+            </a:lnRef>
+            <a:fillRef idx="1">
+              <a:schemeClr val="accent1"/>
+            </a:fillRef>
+            <a:effectRef idx="0">
+              <a:schemeClr val="accent1"/>
+            </a:effectRef>
+            <a:fontRef idx="minor">
+              <a:schemeClr val="lt1"/>
+            </a:fontRef>
+          </p:style>
+          <p:txBody>
+            <a:bodyPr rtlCol="0" anchor="ctr"/>
+            <a:lstStyle/>
+            <a:p>
+              <a:pPr algn="ctr"/>
+              <a:endParaRPr lang="en-US"/>
+            </a:p>
+          </p:txBody>
+        </p:sp>
+        <p:sp>
+          <p:nvSpPr>
+            <p:cNvPr id="35" name="Rectangle 64">
+              <a:extLst>
+                <a:ext uri="{FF2B5EF4-FFF2-40B4-BE49-F238E27FC236}">
+                  <a16:creationId xmlns:a16="http://schemas.microsoft.com/office/drawing/2014/main" id="{2CC28C7A-EF33-43D3-90CD-DCAC92546A11}"/>
+                </a:ext>
+                <a:ext uri="{C183D7F6-B498-43B3-948B-1728B52AA6E4}">
+                  <adec:decorative xmlns:adec="http://schemas.microsoft.com/office/drawing/2017/decorative" val="1"/>
+                </a:ext>
+              </a:extLst>
+            </p:cNvPr>
+            <p:cNvSpPr/>
+            <p:nvPr>
+              <p:extLst>
+                <p:ext uri="{386F3935-93C4-4BCD-93E2-E3B085C9AB24}">
+                  <p16:designElem xmlns:p16="http://schemas.microsoft.com/office/powerpoint/2015/main" val="1"/>
+                </p:ext>
+              </p:extLst>
+            </p:nvPr>
+          </p:nvSpPr>
+          <p:spPr>
+            <a:xfrm>
+              <a:off x="8512988" y="73152"/>
+              <a:ext cx="54368" cy="59227"/>
+            </a:xfrm>
+            <a:prstGeom prst="ellipse">
+              <a:avLst/>
+            </a:prstGeom>
+            <a:solidFill>
+              <a:schemeClr val="accent1"/>
+            </a:solidFill>
+            <a:ln>
+              <a:noFill/>
+            </a:ln>
+          </p:spPr>
+          <p:style>
+            <a:lnRef idx="2">
+              <a:schemeClr val="accent1">
+                <a:shade val="50000"/>
+              </a:schemeClr>
+            </a:lnRef>
+            <a:fillRef idx="1">
+              <a:schemeClr val="accent1"/>
+            </a:fillRef>
+            <a:effectRef idx="0">
+              <a:schemeClr val="accent1"/>
+            </a:effectRef>
+            <a:fontRef idx="minor">
+              <a:schemeClr val="lt1"/>
+            </a:fontRef>
+          </p:style>
+          <p:txBody>
+            <a:bodyPr rtlCol="0" anchor="ctr"/>
+            <a:lstStyle/>
+            <a:p>
+              <a:pPr algn="ctr"/>
+              <a:endParaRPr lang="en-US"/>
+            </a:p>
+          </p:txBody>
+        </p:sp>
+        <p:sp>
+          <p:nvSpPr>
+            <p:cNvPr id="36" name="Rectangle 66">
+              <a:extLst>
+                <a:ext uri="{FF2B5EF4-FFF2-40B4-BE49-F238E27FC236}">
+                  <a16:creationId xmlns:a16="http://schemas.microsoft.com/office/drawing/2014/main" id="{BC0C9DCF-F15B-4B7A-A16B-37B4335E6BD2}"/>
+                </a:ext>
+                <a:ext uri="{C183D7F6-B498-43B3-948B-1728B52AA6E4}">
+                  <adec:decorative xmlns:adec="http://schemas.microsoft.com/office/drawing/2017/decorative" val="1"/>
+                </a:ext>
+              </a:extLst>
+            </p:cNvPr>
+            <p:cNvSpPr/>
+            <p:nvPr>
+              <p:extLst>
+                <p:ext uri="{386F3935-93C4-4BCD-93E2-E3B085C9AB24}">
+                  <p16:designElem xmlns:p16="http://schemas.microsoft.com/office/powerpoint/2015/main" val="1"/>
+                </p:ext>
+              </p:extLst>
+            </p:nvPr>
+          </p:nvSpPr>
+          <p:spPr>
+            <a:xfrm>
+              <a:off x="8512988" y="246888"/>
+              <a:ext cx="54368" cy="59227"/>
+            </a:xfrm>
+            <a:prstGeom prst="ellipse">
+              <a:avLst/>
+            </a:prstGeom>
+            <a:solidFill>
+              <a:schemeClr val="accent1"/>
+            </a:solidFill>
+            <a:ln>
+              <a:noFill/>
+            </a:ln>
+          </p:spPr>
+          <p:style>
+            <a:lnRef idx="2">
+              <a:schemeClr val="accent1">
+                <a:shade val="50000"/>
+              </a:schemeClr>
+            </a:lnRef>
+            <a:fillRef idx="1">
+              <a:schemeClr val="accent1"/>
+            </a:fillRef>
+            <a:effectRef idx="0">
+              <a:schemeClr val="accent1"/>
+            </a:effectRef>
+            <a:fontRef idx="minor">
+              <a:schemeClr val="lt1"/>
+            </a:fontRef>
+          </p:style>
+          <p:txBody>
+            <a:bodyPr rtlCol="0" anchor="ctr"/>
+            <a:lstStyle/>
+            <a:p>
+              <a:pPr algn="ctr"/>
+              <a:endParaRPr lang="en-US"/>
+            </a:p>
+          </p:txBody>
+        </p:sp>
+        <p:sp>
+          <p:nvSpPr>
+            <p:cNvPr id="37" name="Rectangle 64">
+              <a:extLst>
+                <a:ext uri="{FF2B5EF4-FFF2-40B4-BE49-F238E27FC236}">
+                  <a16:creationId xmlns:a16="http://schemas.microsoft.com/office/drawing/2014/main" id="{94991FD1-406A-4958-87D4-8DFA9FEA4C01}"/>
+                </a:ext>
+                <a:ext uri="{C183D7F6-B498-43B3-948B-1728B52AA6E4}">
+                  <adec:decorative xmlns:adec="http://schemas.microsoft.com/office/drawing/2017/decorative" val="1"/>
+                </a:ext>
+              </a:extLst>
+            </p:cNvPr>
+            <p:cNvSpPr/>
+            <p:nvPr>
+              <p:extLst>
+                <p:ext uri="{386F3935-93C4-4BCD-93E2-E3B085C9AB24}">
+                  <p16:designElem xmlns:p16="http://schemas.microsoft.com/office/powerpoint/2015/main" val="1"/>
+                </p:ext>
+              </p:extLst>
+            </p:nvPr>
+          </p:nvSpPr>
+          <p:spPr>
+            <a:xfrm>
+              <a:off x="8388033" y="73152"/>
+              <a:ext cx="54368" cy="59227"/>
+            </a:xfrm>
+            <a:prstGeom prst="ellipse">
+              <a:avLst/>
+            </a:prstGeom>
+            <a:solidFill>
+              <a:schemeClr val="accent1"/>
+            </a:solidFill>
+            <a:ln>
+              <a:noFill/>
+            </a:ln>
+          </p:spPr>
+          <p:style>
+            <a:lnRef idx="2">
+              <a:schemeClr val="accent1">
+                <a:shade val="50000"/>
+              </a:schemeClr>
+            </a:lnRef>
+            <a:fillRef idx="1">
+              <a:schemeClr val="accent1"/>
+            </a:fillRef>
+            <a:effectRef idx="0">
+              <a:schemeClr val="accent1"/>
+            </a:effectRef>
+            <a:fontRef idx="minor">
+              <a:schemeClr val="lt1"/>
+            </a:fontRef>
+          </p:style>
+          <p:txBody>
+            <a:bodyPr rtlCol="0" anchor="ctr"/>
+            <a:lstStyle/>
+            <a:p>
+              <a:pPr algn="ctr"/>
+              <a:endParaRPr lang="en-US"/>
+            </a:p>
+          </p:txBody>
+        </p:sp>
+        <p:sp>
+          <p:nvSpPr>
+            <p:cNvPr id="38" name="Rectangle 66">
+              <a:extLst>
+                <a:ext uri="{FF2B5EF4-FFF2-40B4-BE49-F238E27FC236}">
+                  <a16:creationId xmlns:a16="http://schemas.microsoft.com/office/drawing/2014/main" id="{5CD32F69-27AD-4088-877C-E2A40F8B0733}"/>
+                </a:ext>
+                <a:ext uri="{C183D7F6-B498-43B3-948B-1728B52AA6E4}">
+                  <adec:decorative xmlns:adec="http://schemas.microsoft.com/office/drawing/2017/decorative" val="1"/>
+                </a:ext>
+              </a:extLst>
+            </p:cNvPr>
+            <p:cNvSpPr/>
+            <p:nvPr>
+              <p:extLst>
+                <p:ext uri="{386F3935-93C4-4BCD-93E2-E3B085C9AB24}">
+                  <p16:designElem xmlns:p16="http://schemas.microsoft.com/office/powerpoint/2015/main" val="1"/>
+                </p:ext>
+              </p:extLst>
+            </p:nvPr>
+          </p:nvSpPr>
+          <p:spPr>
+            <a:xfrm>
+              <a:off x="8388033" y="246888"/>
+              <a:ext cx="54368" cy="59227"/>
+            </a:xfrm>
+            <a:prstGeom prst="ellipse">
+              <a:avLst/>
+            </a:prstGeom>
+            <a:solidFill>
+              <a:schemeClr val="accent1"/>
+            </a:solidFill>
+            <a:ln>
+              <a:noFill/>
+            </a:ln>
+          </p:spPr>
+          <p:style>
+            <a:lnRef idx="2">
+              <a:schemeClr val="accent1">
+                <a:shade val="50000"/>
+              </a:schemeClr>
+            </a:lnRef>
+            <a:fillRef idx="1">
+              <a:schemeClr val="accent1"/>
+            </a:fillRef>
+            <a:effectRef idx="0">
+              <a:schemeClr val="accent1"/>
+            </a:effectRef>
+            <a:fontRef idx="minor">
+              <a:schemeClr val="lt1"/>
+            </a:fontRef>
+          </p:style>
+          <p:txBody>
+            <a:bodyPr rtlCol="0" anchor="ctr"/>
+            <a:lstStyle/>
+            <a:p>
+              <a:pPr algn="ctr"/>
+              <a:endParaRPr lang="en-US"/>
+            </a:p>
+          </p:txBody>
+        </p:sp>
+      </p:grpSp>
+      <p:pic>
+        <p:nvPicPr>
+          <p:cNvPr id="9" name="Picture 8">
+            <a:extLst>
+              <a:ext uri="{FF2B5EF4-FFF2-40B4-BE49-F238E27FC236}">
+                <a16:creationId xmlns:a16="http://schemas.microsoft.com/office/drawing/2014/main" id="{25FAFB6F-8D13-4CAB-B8CD-FBFEF04B8840}"/>
+              </a:ext>
+            </a:extLst>
+          </p:cNvPr>
+          <p:cNvPicPr>
+            <a:picLocks noChangeAspect="1"/>
+          </p:cNvPicPr>
+          <p:nvPr/>
+        </p:nvPicPr>
+        <p:blipFill>
+          <a:blip r:embed="rId2"/>
+          <a:stretch>
+            <a:fillRect/>
+          </a:stretch>
+        </p:blipFill>
+        <p:spPr>
+          <a:xfrm>
+            <a:off x="5269729" y="1012019"/>
+            <a:ext cx="6505221" cy="1821461"/>
+          </a:xfrm>
+          <a:prstGeom prst="rect">
+            <a:avLst/>
+          </a:prstGeom>
+        </p:spPr>
+      </p:pic>
       <p:sp>
         <p:nvSpPr>
-          <p:cNvPr id="3" name="Content Placeholder 2">
-            <a:extLst>
-              <a:ext uri="{FF2B5EF4-FFF2-40B4-BE49-F238E27FC236}">
-                <a16:creationId xmlns:a16="http://schemas.microsoft.com/office/drawing/2014/main" id="{FAFA34E7-C53D-45C2-9675-E5032DF7B228}"/>
+          <p:cNvPr id="40" name="Rectangle 39">
+            <a:extLst>
+              <a:ext uri="{FF2B5EF4-FFF2-40B4-BE49-F238E27FC236}">
+                <a16:creationId xmlns:a16="http://schemas.microsoft.com/office/drawing/2014/main" id="{D9F5512A-48E1-4C07-B75E-3CCC517B6804}"/>
+              </a:ext>
+              <a:ext uri="{C183D7F6-B498-43B3-948B-1728B52AA6E4}">
+                <adec:decorative xmlns:adec="http://schemas.microsoft.com/office/drawing/2017/decorative" val="1"/>
               </a:ext>
             </a:extLst>
           </p:cNvPr>
           <p:cNvSpPr>
-            <a:spLocks noGrp="1"/>
+            <a:spLocks noGrp="1" noRot="1" noChangeAspect="1" noMove="1" noResize="1" noEditPoints="1" noAdjustHandles="1" noChangeArrowheads="1" noChangeShapeType="1" noTextEdit="1"/>
           </p:cNvSpPr>
           <p:nvPr>
-            <p:ph idx="1"/>
-          </p:nvPr>
-        </p:nvSpPr>
-        <p:spPr/>
-        <p:txBody>
-          <a:bodyPr/>
+            <p:extLst>
+              <p:ext uri="{386F3935-93C4-4BCD-93E2-E3B085C9AB24}">
+                <p16:designElem xmlns:p16="http://schemas.microsoft.com/office/powerpoint/2015/main" val="1"/>
+              </p:ext>
+            </p:extLst>
+          </p:nvPr>
+        </p:nvSpPr>
+        <p:spPr>
+          <a:xfrm>
+            <a:off x="-1" y="3233984"/>
+            <a:ext cx="606972" cy="3624015"/>
+          </a:xfrm>
+          <a:prstGeom prst="rect">
+            <a:avLst/>
+          </a:prstGeom>
+          <a:solidFill>
+            <a:schemeClr val="accent1"/>
+          </a:solidFill>
+          <a:ln>
+            <a:noFill/>
+          </a:ln>
+        </p:spPr>
+        <p:style>
+          <a:lnRef idx="2">
+            <a:schemeClr val="accent1">
+              <a:shade val="50000"/>
+            </a:schemeClr>
+          </a:lnRef>
+          <a:fillRef idx="1">
+            <a:schemeClr val="accent1"/>
+          </a:fillRef>
+          <a:effectRef idx="0">
+            <a:schemeClr val="accent1"/>
+          </a:effectRef>
+          <a:fontRef idx="minor">
+            <a:schemeClr val="lt1"/>
+          </a:fontRef>
+        </p:style>
+        <p:txBody>
+          <a:bodyPr rtlCol="0" anchor="ctr"/>
           <a:lstStyle/>
           <a:p>
+            <a:pPr algn="ctr"/>
             <a:endParaRPr lang="en-US"/>
           </a:p>
         </p:txBody>
       </p:sp>
+      <p:pic>
+        <p:nvPicPr>
+          <p:cNvPr id="5" name="Picture 4">
+            <a:extLst>
+              <a:ext uri="{FF2B5EF4-FFF2-40B4-BE49-F238E27FC236}">
+                <a16:creationId xmlns:a16="http://schemas.microsoft.com/office/drawing/2014/main" id="{DF363380-CB31-4DAA-AB2A-6C6F3D6D8BB0}"/>
+              </a:ext>
+            </a:extLst>
+          </p:cNvPr>
+          <p:cNvPicPr>
+            <a:picLocks noChangeAspect="1"/>
+          </p:cNvPicPr>
+          <p:nvPr/>
+        </p:nvPicPr>
+        <p:blipFill>
+          <a:blip r:embed="rId3"/>
+          <a:stretch>
+            <a:fillRect/>
+          </a:stretch>
+        </p:blipFill>
+        <p:spPr>
+          <a:xfrm>
+            <a:off x="2350489" y="3315854"/>
+            <a:ext cx="2384371" cy="3455611"/>
+          </a:xfrm>
+          <a:prstGeom prst="rect">
+            <a:avLst/>
+          </a:prstGeom>
+        </p:spPr>
+      </p:pic>
+      <p:pic>
+        <p:nvPicPr>
+          <p:cNvPr id="7" name="Picture 6">
+            <a:extLst>
+              <a:ext uri="{FF2B5EF4-FFF2-40B4-BE49-F238E27FC236}">
+                <a16:creationId xmlns:a16="http://schemas.microsoft.com/office/drawing/2014/main" id="{5248F93D-C2CA-49B9-A635-125F66D33A73}"/>
+              </a:ext>
+            </a:extLst>
+          </p:cNvPr>
+          <p:cNvPicPr>
+            <a:picLocks noChangeAspect="1"/>
+          </p:cNvPicPr>
+          <p:nvPr/>
+        </p:nvPicPr>
+        <p:blipFill>
+          <a:blip r:embed="rId4"/>
+          <a:stretch>
+            <a:fillRect/>
+          </a:stretch>
+        </p:blipFill>
+        <p:spPr>
+          <a:xfrm>
+            <a:off x="7420434" y="3315854"/>
+            <a:ext cx="3705749" cy="3455611"/>
+          </a:xfrm>
+          <a:prstGeom prst="rect">
+            <a:avLst/>
+          </a:prstGeom>
+        </p:spPr>
+      </p:pic>
     </p:spTree>
     <p:extLst>
       <p:ext uri="{BB962C8B-B14F-4D97-AF65-F5344CB8AC3E}">
@@ -3691,6 +6015,14 @@
 <file path=ppt/slides/slide13.xml><?xml version="1.0" encoding="utf-8"?>
 <p:sld xmlns:a="http://schemas.openxmlformats.org/drawingml/2006/main" xmlns:r="http://schemas.openxmlformats.org/officeDocument/2006/relationships" xmlns:p="http://schemas.openxmlformats.org/presentationml/2006/main">
   <p:cSld>
+    <p:bg>
+      <p:bgPr>
+        <a:solidFill>
+          <a:schemeClr val="bg1"/>
+        </a:solidFill>
+        <a:effectLst/>
+      </p:bgPr>
+    </p:bg>
     <p:spTree>
       <p:nvGrpSpPr>
         <p:cNvPr id="1" name=""/>
@@ -3705,6 +6037,317 @@
           <a:chExt cx="0" cy="0"/>
         </a:xfrm>
       </p:grpSpPr>
+      <p:sp useBgFill="1">
+        <p:nvSpPr>
+          <p:cNvPr id="12" name="Rectangle 11">
+            <a:extLst>
+              <a:ext uri="{FF2B5EF4-FFF2-40B4-BE49-F238E27FC236}">
+                <a16:creationId xmlns:a16="http://schemas.microsoft.com/office/drawing/2014/main" id="{0D7B6173-1D58-48E2-83CF-37350F315F75}"/>
+              </a:ext>
+              <a:ext uri="{C183D7F6-B498-43B3-948B-1728B52AA6E4}">
+                <adec:decorative xmlns:adec="http://schemas.microsoft.com/office/drawing/2017/decorative" val="1"/>
+              </a:ext>
+            </a:extLst>
+          </p:cNvPr>
+          <p:cNvSpPr>
+            <a:spLocks noGrp="1" noRot="1" noChangeAspect="1" noMove="1" noResize="1" noEditPoints="1" noAdjustHandles="1" noChangeArrowheads="1" noChangeShapeType="1" noTextEdit="1"/>
+          </p:cNvSpPr>
+          <p:nvPr>
+            <p:extLst>
+              <p:ext uri="{386F3935-93C4-4BCD-93E2-E3B085C9AB24}">
+                <p16:designElem xmlns:p16="http://schemas.microsoft.com/office/powerpoint/2015/main" val="1"/>
+              </p:ext>
+            </p:extLst>
+          </p:nvPr>
+        </p:nvSpPr>
+        <p:spPr>
+          <a:xfrm>
+            <a:off x="0" y="-1"/>
+            <a:ext cx="12188952" cy="6858000"/>
+          </a:xfrm>
+          <a:prstGeom prst="rect">
+            <a:avLst/>
+          </a:prstGeom>
+          <a:ln>
+            <a:noFill/>
+          </a:ln>
+        </p:spPr>
+        <p:style>
+          <a:lnRef idx="2">
+            <a:schemeClr val="accent1">
+              <a:shade val="50000"/>
+            </a:schemeClr>
+          </a:lnRef>
+          <a:fillRef idx="1">
+            <a:schemeClr val="accent1"/>
+          </a:fillRef>
+          <a:effectRef idx="0">
+            <a:schemeClr val="accent1"/>
+          </a:effectRef>
+          <a:fontRef idx="minor">
+            <a:schemeClr val="lt1"/>
+          </a:fontRef>
+        </p:style>
+        <p:txBody>
+          <a:bodyPr rtlCol="0" anchor="ctr"/>
+          <a:lstStyle/>
+          <a:p>
+            <a:pPr algn="ctr"/>
+            <a:endParaRPr lang="en-US"/>
+          </a:p>
+        </p:txBody>
+      </p:sp>
+      <p:sp>
+        <p:nvSpPr>
+          <p:cNvPr id="14" name="Rectangle 13">
+            <a:extLst>
+              <a:ext uri="{FF2B5EF4-FFF2-40B4-BE49-F238E27FC236}">
+                <a16:creationId xmlns:a16="http://schemas.microsoft.com/office/drawing/2014/main" id="{35D813D1-BA6B-40B4-A101-04BB89445561}"/>
+              </a:ext>
+              <a:ext uri="{C183D7F6-B498-43B3-948B-1728B52AA6E4}">
+                <adec:decorative xmlns:adec="http://schemas.microsoft.com/office/drawing/2017/decorative" val="1"/>
+              </a:ext>
+            </a:extLst>
+          </p:cNvPr>
+          <p:cNvSpPr>
+            <a:spLocks noGrp="1" noRot="1" noChangeAspect="1" noMove="1" noResize="1" noEditPoints="1" noAdjustHandles="1" noChangeArrowheads="1" noChangeShapeType="1" noTextEdit="1"/>
+          </p:cNvSpPr>
+          <p:nvPr>
+            <p:extLst>
+              <p:ext uri="{386F3935-93C4-4BCD-93E2-E3B085C9AB24}">
+                <p16:designElem xmlns:p16="http://schemas.microsoft.com/office/powerpoint/2015/main" val="1"/>
+              </p:ext>
+            </p:extLst>
+          </p:nvPr>
+        </p:nvSpPr>
+        <p:spPr>
+          <a:xfrm>
+            <a:off x="0" y="0"/>
+            <a:ext cx="12188952" cy="6858000"/>
+          </a:xfrm>
+          <a:prstGeom prst="rect">
+            <a:avLst/>
+          </a:prstGeom>
+          <a:solidFill>
+            <a:schemeClr val="bg2">
+              <a:alpha val="50000"/>
+            </a:schemeClr>
+          </a:solidFill>
+          <a:ln>
+            <a:noFill/>
+          </a:ln>
+        </p:spPr>
+        <p:style>
+          <a:lnRef idx="2">
+            <a:schemeClr val="accent1">
+              <a:shade val="50000"/>
+            </a:schemeClr>
+          </a:lnRef>
+          <a:fillRef idx="1">
+            <a:schemeClr val="accent1"/>
+          </a:fillRef>
+          <a:effectRef idx="0">
+            <a:schemeClr val="accent1"/>
+          </a:effectRef>
+          <a:fontRef idx="minor">
+            <a:schemeClr val="lt1"/>
+          </a:fontRef>
+        </p:style>
+        <p:txBody>
+          <a:bodyPr rtlCol="0" anchor="ctr"/>
+          <a:lstStyle/>
+          <a:p>
+            <a:pPr algn="ctr"/>
+            <a:endParaRPr lang="en-US" dirty="0"/>
+          </a:p>
+        </p:txBody>
+      </p:sp>
+      <p:pic>
+        <p:nvPicPr>
+          <p:cNvPr id="16" name="Picture 15">
+            <a:extLst>
+              <a:ext uri="{FF2B5EF4-FFF2-40B4-BE49-F238E27FC236}">
+                <a16:creationId xmlns:a16="http://schemas.microsoft.com/office/drawing/2014/main" id="{B0DAC8FB-A162-44E3-A606-C855A03A5B09}"/>
+              </a:ext>
+              <a:ext uri="{C183D7F6-B498-43B3-948B-1728B52AA6E4}">
+                <adec:decorative xmlns:adec="http://schemas.microsoft.com/office/drawing/2017/decorative" val="1"/>
+              </a:ext>
+            </a:extLst>
+          </p:cNvPr>
+          <p:cNvPicPr>
+            <a:picLocks noGrp="1" noRot="1" noChangeAspect="1" noMove="1" noResize="1" noEditPoints="1" noAdjustHandles="1" noChangeArrowheads="1" noChangeShapeType="1" noCrop="1"/>
+          </p:cNvPicPr>
+          <p:nvPr>
+            <p:extLst>
+              <p:ext uri="{386F3935-93C4-4BCD-93E2-E3B085C9AB24}">
+                <p16:designElem xmlns:p16="http://schemas.microsoft.com/office/powerpoint/2015/main" val="1"/>
+              </p:ext>
+            </p:extLst>
+          </p:nvPr>
+        </p:nvPicPr>
+        <p:blipFill>
+          <a:blip r:embed="rId2">
+            <a:extLst>
+              <a:ext uri="{28A0092B-C50C-407E-A947-70E740481C1C}">
+                <a14:useLocalDpi xmlns:a14="http://schemas.microsoft.com/office/drawing/2010/main" val="0"/>
+              </a:ext>
+            </a:extLst>
+          </a:blip>
+          <a:stretch>
+            <a:fillRect/>
+          </a:stretch>
+        </p:blipFill>
+        <p:spPr>
+          <a:xfrm>
+            <a:off x="0" y="0"/>
+            <a:ext cx="12188952" cy="6862380"/>
+          </a:xfrm>
+          <a:prstGeom prst="rect">
+            <a:avLst/>
+          </a:prstGeom>
+        </p:spPr>
+      </p:pic>
+      <p:sp>
+        <p:nvSpPr>
+          <p:cNvPr id="18" name="Rectangle 17">
+            <a:extLst>
+              <a:ext uri="{FF2B5EF4-FFF2-40B4-BE49-F238E27FC236}">
+                <a16:creationId xmlns:a16="http://schemas.microsoft.com/office/drawing/2014/main" id="{21BDEC81-16A7-4451-B893-C15000083B77}"/>
+              </a:ext>
+              <a:ext uri="{C183D7F6-B498-43B3-948B-1728B52AA6E4}">
+                <adec:decorative xmlns:adec="http://schemas.microsoft.com/office/drawing/2017/decorative" val="1"/>
+              </a:ext>
+            </a:extLst>
+          </p:cNvPr>
+          <p:cNvSpPr>
+            <a:spLocks noGrp="1" noRot="1" noChangeAspect="1" noMove="1" noResize="1" noEditPoints="1" noAdjustHandles="1" noChangeArrowheads="1" noChangeShapeType="1" noTextEdit="1"/>
+          </p:cNvSpPr>
+          <p:nvPr>
+            <p:extLst>
+              <p:ext uri="{386F3935-93C4-4BCD-93E2-E3B085C9AB24}">
+                <p16:designElem xmlns:p16="http://schemas.microsoft.com/office/powerpoint/2015/main" val="1"/>
+              </p:ext>
+            </p:extLst>
+          </p:nvPr>
+        </p:nvSpPr>
+        <p:spPr>
+          <a:xfrm>
+            <a:off x="0" y="0"/>
+            <a:ext cx="12188952" cy="6858000"/>
+          </a:xfrm>
+          <a:prstGeom prst="rect">
+            <a:avLst/>
+          </a:prstGeom>
+          <a:solidFill>
+            <a:schemeClr val="accent1">
+              <a:alpha val="20000"/>
+            </a:schemeClr>
+          </a:solidFill>
+          <a:ln>
+            <a:noFill/>
+          </a:ln>
+        </p:spPr>
+        <p:style>
+          <a:lnRef idx="2">
+            <a:schemeClr val="accent1">
+              <a:shade val="50000"/>
+            </a:schemeClr>
+          </a:lnRef>
+          <a:fillRef idx="1">
+            <a:schemeClr val="accent1"/>
+          </a:fillRef>
+          <a:effectRef idx="0">
+            <a:schemeClr val="accent1"/>
+          </a:effectRef>
+          <a:fontRef idx="minor">
+            <a:schemeClr val="lt1"/>
+          </a:fontRef>
+        </p:style>
+        <p:txBody>
+          <a:bodyPr rtlCol="0" anchor="ctr"/>
+          <a:lstStyle/>
+          <a:p>
+            <a:pPr algn="ctr"/>
+            <a:endParaRPr lang="en-US" dirty="0"/>
+          </a:p>
+        </p:txBody>
+      </p:sp>
+      <p:sp>
+        <p:nvSpPr>
+          <p:cNvPr id="20" name="Rectangle 19">
+            <a:extLst>
+              <a:ext uri="{FF2B5EF4-FFF2-40B4-BE49-F238E27FC236}">
+                <a16:creationId xmlns:a16="http://schemas.microsoft.com/office/drawing/2014/main" id="{AEA3DFA5-2D7B-4989-8ED7-8321EC114CF1}"/>
+              </a:ext>
+              <a:ext uri="{C183D7F6-B498-43B3-948B-1728B52AA6E4}">
+                <adec:decorative xmlns:adec="http://schemas.microsoft.com/office/drawing/2017/decorative" val="1"/>
+              </a:ext>
+            </a:extLst>
+          </p:cNvPr>
+          <p:cNvSpPr>
+            <a:spLocks noGrp="1" noRot="1" noChangeAspect="1" noMove="1" noResize="1" noEditPoints="1" noAdjustHandles="1" noChangeArrowheads="1" noChangeShapeType="1" noTextEdit="1"/>
+          </p:cNvSpPr>
+          <p:nvPr>
+            <p:extLst>
+              <p:ext uri="{386F3935-93C4-4BCD-93E2-E3B085C9AB24}">
+                <p16:designElem xmlns:p16="http://schemas.microsoft.com/office/powerpoint/2015/main" val="1"/>
+              </p:ext>
+            </p:extLst>
+          </p:nvPr>
+        </p:nvSpPr>
+        <p:spPr>
+          <a:xfrm>
+            <a:off x="536678" y="0"/>
+            <a:ext cx="11145980" cy="6870723"/>
+          </a:xfrm>
+          <a:prstGeom prst="rect">
+            <a:avLst/>
+          </a:prstGeom>
+          <a:solidFill>
+            <a:schemeClr val="bg1"/>
+          </a:solidFill>
+          <a:ln w="34925">
+            <a:noFill/>
+          </a:ln>
+        </p:spPr>
+        <p:style>
+          <a:lnRef idx="2">
+            <a:schemeClr val="accent1">
+              <a:shade val="50000"/>
+            </a:schemeClr>
+          </a:lnRef>
+          <a:fillRef idx="1">
+            <a:schemeClr val="accent1"/>
+          </a:fillRef>
+          <a:effectRef idx="0">
+            <a:schemeClr val="accent1"/>
+          </a:effectRef>
+          <a:fontRef idx="minor">
+            <a:schemeClr val="lt1"/>
+          </a:fontRef>
+        </p:style>
+        <p:txBody>
+          <a:bodyPr rtlCol="0" anchor="ctr"/>
+          <a:lstStyle/>
+          <a:p>
+            <a:pPr algn="ctr"/>
+            <a:endParaRPr lang="en-US" b="1">
+              <a:ln w="22225">
+                <a:solidFill>
+                  <a:schemeClr val="accent2"/>
+                </a:solidFill>
+                <a:prstDash val="solid"/>
+              </a:ln>
+              <a:solidFill>
+                <a:schemeClr val="accent2">
+                  <a:lumMod val="40000"/>
+                  <a:lumOff val="60000"/>
+                </a:schemeClr>
+              </a:solidFill>
+            </a:endParaRPr>
+          </a:p>
+        </p:txBody>
+      </p:sp>
       <p:sp>
         <p:nvSpPr>
           <p:cNvPr id="2" name="Title 1">
@@ -3721,45 +6364,56 @@
             <p:ph type="title"/>
           </p:nvPr>
         </p:nvSpPr>
-        <p:spPr/>
-        <p:txBody>
-          <a:bodyPr/>
+        <p:spPr>
+          <a:xfrm>
+            <a:off x="1191966" y="900622"/>
+            <a:ext cx="3629555" cy="1893524"/>
+          </a:xfrm>
+        </p:spPr>
+        <p:txBody>
+          <a:bodyPr anchor="b">
+            <a:normAutofit/>
+          </a:bodyPr>
           <a:lstStyle/>
           <a:p>
-            <a:pPr algn="ctr"/>
-            <a:r>
-              <a:rPr lang="ru-RU" dirty="0"/>
+            <a:r>
+              <a:rPr lang="ru-RU" sz="4800"/>
               <a:t>Отчёт</a:t>
             </a:r>
-            <a:endParaRPr lang="en-US" dirty="0"/>
-          </a:p>
-        </p:txBody>
-      </p:sp>
-      <p:sp>
-        <p:nvSpPr>
-          <p:cNvPr id="3" name="Content Placeholder 2">
-            <a:extLst>
-              <a:ext uri="{FF2B5EF4-FFF2-40B4-BE49-F238E27FC236}">
-                <a16:creationId xmlns:a16="http://schemas.microsoft.com/office/drawing/2014/main" id="{6744C3D2-4162-43B1-A096-C11B23DC4890}"/>
-              </a:ext>
-            </a:extLst>
-          </p:cNvPr>
-          <p:cNvSpPr>
-            <a:spLocks noGrp="1"/>
-          </p:cNvSpPr>
-          <p:nvPr>
-            <p:ph idx="1"/>
-          </p:nvPr>
-        </p:nvSpPr>
-        <p:spPr/>
-        <p:txBody>
-          <a:bodyPr/>
-          <a:lstStyle/>
-          <a:p>
-            <a:endParaRPr lang="en-US"/>
-          </a:p>
-        </p:txBody>
-      </p:sp>
+            <a:endParaRPr lang="en-US" sz="4800"/>
+          </a:p>
+        </p:txBody>
+      </p:sp>
+      <p:pic>
+        <p:nvPicPr>
+          <p:cNvPr id="5" name="Content Placeholder 4">
+            <a:extLst>
+              <a:ext uri="{FF2B5EF4-FFF2-40B4-BE49-F238E27FC236}">
+                <a16:creationId xmlns:a16="http://schemas.microsoft.com/office/drawing/2014/main" id="{92C0A5BD-2F5C-448C-AE89-9F2B13CAE373}"/>
+              </a:ext>
+            </a:extLst>
+          </p:cNvPr>
+          <p:cNvPicPr>
+            <a:picLocks noChangeAspect="1"/>
+          </p:cNvPicPr>
+          <p:nvPr/>
+        </p:nvPicPr>
+        <p:blipFill>
+          <a:blip r:embed="rId3"/>
+          <a:stretch>
+            <a:fillRect/>
+          </a:stretch>
+        </p:blipFill>
+        <p:spPr>
+          <a:xfrm>
+            <a:off x="5186548" y="533225"/>
+            <a:ext cx="6320441" cy="5783203"/>
+          </a:xfrm>
+          <a:prstGeom prst="rect">
+            <a:avLst/>
+          </a:prstGeom>
+        </p:spPr>
+      </p:pic>
     </p:spTree>
     <p:extLst>
       <p:ext uri="{BB962C8B-B14F-4D97-AF65-F5344CB8AC3E}">
@@ -3820,31 +6474,66 @@
           </a:p>
         </p:txBody>
       </p:sp>
-      <p:sp>
-        <p:nvSpPr>
-          <p:cNvPr id="3" name="Content Placeholder 2">
-            <a:extLst>
-              <a:ext uri="{FF2B5EF4-FFF2-40B4-BE49-F238E27FC236}">
-                <a16:creationId xmlns:a16="http://schemas.microsoft.com/office/drawing/2014/main" id="{3FB0959C-9387-4980-905B-AF4DB8CE3439}"/>
-              </a:ext>
-            </a:extLst>
-          </p:cNvPr>
-          <p:cNvSpPr>
-            <a:spLocks noGrp="1"/>
-          </p:cNvSpPr>
-          <p:nvPr>
-            <p:ph idx="1"/>
-          </p:nvPr>
-        </p:nvSpPr>
-        <p:spPr/>
-        <p:txBody>
-          <a:bodyPr/>
-          <a:lstStyle/>
-          <a:p>
-            <a:endParaRPr lang="en-US"/>
-          </a:p>
-        </p:txBody>
-      </p:sp>
+      <p:pic>
+        <p:nvPicPr>
+          <p:cNvPr id="5" name="Picture 4">
+            <a:extLst>
+              <a:ext uri="{FF2B5EF4-FFF2-40B4-BE49-F238E27FC236}">
+                <a16:creationId xmlns:a16="http://schemas.microsoft.com/office/drawing/2014/main" id="{CD8847C9-A22E-42B8-9291-A3AAB29E7C1E}"/>
+              </a:ext>
+            </a:extLst>
+          </p:cNvPr>
+          <p:cNvPicPr>
+            <a:picLocks noChangeAspect="1"/>
+          </p:cNvPicPr>
+          <p:nvPr/>
+        </p:nvPicPr>
+        <p:blipFill>
+          <a:blip r:embed="rId2"/>
+          <a:stretch>
+            <a:fillRect/>
+          </a:stretch>
+        </p:blipFill>
+        <p:spPr>
+          <a:xfrm>
+            <a:off x="358219" y="1443348"/>
+            <a:ext cx="6319101" cy="3146459"/>
+          </a:xfrm>
+          <a:prstGeom prst="rect">
+            <a:avLst/>
+          </a:prstGeom>
+        </p:spPr>
+      </p:pic>
+      <p:pic>
+        <p:nvPicPr>
+          <p:cNvPr id="7" name="Picture 6">
+            <a:extLst>
+              <a:ext uri="{FF2B5EF4-FFF2-40B4-BE49-F238E27FC236}">
+                <a16:creationId xmlns:a16="http://schemas.microsoft.com/office/drawing/2014/main" id="{A112B54B-C4DA-4162-97AA-D42148825B25}"/>
+              </a:ext>
+            </a:extLst>
+          </p:cNvPr>
+          <p:cNvPicPr>
+            <a:picLocks noChangeAspect="1"/>
+          </p:cNvPicPr>
+          <p:nvPr/>
+        </p:nvPicPr>
+        <p:blipFill>
+          <a:blip r:embed="rId3"/>
+          <a:stretch>
+            <a:fillRect/>
+          </a:stretch>
+        </p:blipFill>
+        <p:spPr>
+          <a:xfrm>
+            <a:off x="6746036" y="3016578"/>
+            <a:ext cx="4828527" cy="3334810"/>
+          </a:xfrm>
+          <a:prstGeom prst="rect">
+            <a:avLst/>
+          </a:prstGeom>
+        </p:spPr>
+      </p:pic>
     </p:spTree>
     <p:extLst>
       <p:ext uri="{BB962C8B-B14F-4D97-AF65-F5344CB8AC3E}">
@@ -3880,7 +6569,7 @@
           <p:cNvPr id="2" name="Title 1">
             <a:extLst>
               <a:ext uri="{FF2B5EF4-FFF2-40B4-BE49-F238E27FC236}">
-                <a16:creationId xmlns:a16="http://schemas.microsoft.com/office/drawing/2014/main" id="{60A2ADE0-5057-4187-8FED-5C0575354613}"/>
+                <a16:creationId xmlns:a16="http://schemas.microsoft.com/office/drawing/2014/main" id="{82224CF4-9B61-4F32-B99A-22D3369B5DAB}"/>
               </a:ext>
             </a:extLst>
           </p:cNvPr>
@@ -3896,44 +6585,106 @@
           <a:bodyPr/>
           <a:lstStyle/>
           <a:p>
-            <a:pPr algn="ctr"/>
-            <a:r>
-              <a:rPr lang="ru-RU" dirty="0"/>
-              <a:t>Заключение</a:t>
-            </a:r>
-            <a:endParaRPr lang="en-US" dirty="0"/>
-          </a:p>
-        </p:txBody>
-      </p:sp>
-      <p:sp>
-        <p:nvSpPr>
-          <p:cNvPr id="3" name="Content Placeholder 2">
-            <a:extLst>
-              <a:ext uri="{FF2B5EF4-FFF2-40B4-BE49-F238E27FC236}">
-                <a16:creationId xmlns:a16="http://schemas.microsoft.com/office/drawing/2014/main" id="{19A63522-7A09-4CF2-AA15-8C10455CC57E}"/>
-              </a:ext>
-            </a:extLst>
-          </p:cNvPr>
-          <p:cNvSpPr>
-            <a:spLocks noGrp="1"/>
-          </p:cNvSpPr>
+            <a:endParaRPr lang="en-US"/>
+          </a:p>
+        </p:txBody>
+      </p:sp>
+      <p:pic>
+        <p:nvPicPr>
+          <p:cNvPr id="4" name="Content Placeholder 3">
+            <a:extLst>
+              <a:ext uri="{FF2B5EF4-FFF2-40B4-BE49-F238E27FC236}">
+                <a16:creationId xmlns:a16="http://schemas.microsoft.com/office/drawing/2014/main" id="{CC21E059-F238-49D2-9411-3A72FC583EC7}"/>
+              </a:ext>
+            </a:extLst>
+          </p:cNvPr>
+          <p:cNvPicPr>
+            <a:picLocks noGrp="1" noChangeAspect="1"/>
+          </p:cNvPicPr>
           <p:nvPr>
             <p:ph idx="1"/>
           </p:nvPr>
-        </p:nvSpPr>
-        <p:spPr/>
-        <p:txBody>
-          <a:bodyPr/>
-          <a:lstStyle/>
-          <a:p>
-            <a:endParaRPr lang="en-US"/>
-          </a:p>
-        </p:txBody>
-      </p:sp>
+        </p:nvPicPr>
+        <p:blipFill>
+          <a:blip r:embed="rId2"/>
+          <a:stretch>
+            <a:fillRect/>
+          </a:stretch>
+        </p:blipFill>
+        <p:spPr>
+          <a:xfrm>
+            <a:off x="317517" y="1253330"/>
+            <a:ext cx="4637692" cy="4351338"/>
+          </a:xfrm>
+          <a:prstGeom prst="rect">
+            <a:avLst/>
+          </a:prstGeom>
+        </p:spPr>
+      </p:pic>
+      <p:pic>
+        <p:nvPicPr>
+          <p:cNvPr id="5" name="Picture 4">
+            <a:extLst>
+              <a:ext uri="{FF2B5EF4-FFF2-40B4-BE49-F238E27FC236}">
+                <a16:creationId xmlns:a16="http://schemas.microsoft.com/office/drawing/2014/main" id="{2EA1E3B6-D840-476B-85FC-CDB2D0ED88A8}"/>
+              </a:ext>
+            </a:extLst>
+          </p:cNvPr>
+          <p:cNvPicPr>
+            <a:picLocks noChangeAspect="1"/>
+          </p:cNvPicPr>
+          <p:nvPr/>
+        </p:nvPicPr>
+        <p:blipFill>
+          <a:blip r:embed="rId3"/>
+          <a:stretch>
+            <a:fillRect/>
+          </a:stretch>
+        </p:blipFill>
+        <p:spPr>
+          <a:xfrm>
+            <a:off x="4977549" y="2113474"/>
+            <a:ext cx="3314734" cy="2819587"/>
+          </a:xfrm>
+          <a:prstGeom prst="rect">
+            <a:avLst/>
+          </a:prstGeom>
+        </p:spPr>
+      </p:pic>
+      <p:pic>
+        <p:nvPicPr>
+          <p:cNvPr id="6" name="Picture 5">
+            <a:extLst>
+              <a:ext uri="{FF2B5EF4-FFF2-40B4-BE49-F238E27FC236}">
+                <a16:creationId xmlns:a16="http://schemas.microsoft.com/office/drawing/2014/main" id="{27FDC9FD-3EBE-4AFF-A453-E2BCD9DCEDA0}"/>
+              </a:ext>
+            </a:extLst>
+          </p:cNvPr>
+          <p:cNvPicPr>
+            <a:picLocks noChangeAspect="1"/>
+          </p:cNvPicPr>
+          <p:nvPr/>
+        </p:nvPicPr>
+        <p:blipFill>
+          <a:blip r:embed="rId4"/>
+          <a:stretch>
+            <a:fillRect/>
+          </a:stretch>
+        </p:blipFill>
+        <p:spPr>
+          <a:xfrm>
+            <a:off x="8226295" y="1245733"/>
+            <a:ext cx="3314733" cy="4358935"/>
+          </a:xfrm>
+          <a:prstGeom prst="rect">
+            <a:avLst/>
+          </a:prstGeom>
+        </p:spPr>
+      </p:pic>
     </p:spTree>
     <p:extLst>
       <p:ext uri="{BB962C8B-B14F-4D97-AF65-F5344CB8AC3E}">
-        <p14:creationId xmlns:p14="http://schemas.microsoft.com/office/powerpoint/2010/main" val="787422035"/>
+        <p14:creationId xmlns:p14="http://schemas.microsoft.com/office/powerpoint/2010/main" val="4150551614"/>
       </p:ext>
     </p:extLst>
   </p:cSld>
@@ -4006,12 +6757,558 @@
             <p:ph idx="1"/>
           </p:nvPr>
         </p:nvSpPr>
-        <p:spPr/>
+        <p:spPr>
+          <a:xfrm>
+            <a:off x="611957" y="1797344"/>
+            <a:ext cx="5930245" cy="4351338"/>
+          </a:xfrm>
+        </p:spPr>
         <p:txBody>
           <a:bodyPr/>
           <a:lstStyle/>
           <a:p>
-            <a:endParaRPr lang="en-US"/>
+            <a:pPr indent="448310" algn="just">
+              <a:lnSpc>
+                <a:spcPct val="115000"/>
+              </a:lnSpc>
+            </a:pPr>
+            <a:r>
+              <a:rPr lang="ru-RU" sz="1800" dirty="0">
+                <a:solidFill>
+                  <a:srgbClr val="000000"/>
+                </a:solidFill>
+                <a:effectLst/>
+                <a:latin typeface="Times New Roman" panose="02020603050405020304" pitchFamily="18" charset="0"/>
+                <a:ea typeface="Times New Roman" panose="02020603050405020304" pitchFamily="18" charset="0"/>
+                <a:cs typeface="Times New Roman" panose="02020603050405020304" pitchFamily="18" charset="0"/>
+              </a:rPr>
+              <a:t>Задачами курсовой работы являются:</a:t>
+            </a:r>
+            <a:endParaRPr lang="en-US" sz="1800" dirty="0">
+              <a:solidFill>
+                <a:srgbClr val="000000"/>
+              </a:solidFill>
+              <a:effectLst/>
+              <a:latin typeface="Times New Roman" panose="02020603050405020304" pitchFamily="18" charset="0"/>
+              <a:ea typeface="Times New Roman" panose="02020603050405020304" pitchFamily="18" charset="0"/>
+            </a:endParaRPr>
+          </a:p>
+          <a:p>
+            <a:pPr indent="448310" algn="just">
+              <a:lnSpc>
+                <a:spcPct val="115000"/>
+              </a:lnSpc>
+            </a:pPr>
+            <a:r>
+              <a:rPr lang="ru-RU" sz="1800" dirty="0">
+                <a:solidFill>
+                  <a:srgbClr val="000000"/>
+                </a:solidFill>
+                <a:effectLst/>
+                <a:latin typeface="Times New Roman" panose="02020603050405020304" pitchFamily="18" charset="0"/>
+                <a:ea typeface="Times New Roman" panose="02020603050405020304" pitchFamily="18" charset="0"/>
+                <a:cs typeface="Times New Roman" panose="02020603050405020304" pitchFamily="18" charset="0"/>
+              </a:rPr>
+              <a:t>- создание таблиц в базе данных;</a:t>
+            </a:r>
+            <a:endParaRPr lang="en-US" sz="1800" dirty="0">
+              <a:solidFill>
+                <a:srgbClr val="000000"/>
+              </a:solidFill>
+              <a:effectLst/>
+              <a:latin typeface="Times New Roman" panose="02020603050405020304" pitchFamily="18" charset="0"/>
+              <a:ea typeface="Times New Roman" panose="02020603050405020304" pitchFamily="18" charset="0"/>
+            </a:endParaRPr>
+          </a:p>
+          <a:p>
+            <a:pPr indent="448310" algn="just">
+              <a:lnSpc>
+                <a:spcPct val="115000"/>
+              </a:lnSpc>
+            </a:pPr>
+            <a:r>
+              <a:rPr lang="ru-RU" sz="1800" dirty="0">
+                <a:solidFill>
+                  <a:srgbClr val="000000"/>
+                </a:solidFill>
+                <a:effectLst/>
+                <a:latin typeface="Times New Roman" panose="02020603050405020304" pitchFamily="18" charset="0"/>
+                <a:ea typeface="Times New Roman" panose="02020603050405020304" pitchFamily="18" charset="0"/>
+                <a:cs typeface="Times New Roman" panose="02020603050405020304" pitchFamily="18" charset="0"/>
+              </a:rPr>
+              <a:t>- создание связей между таблицами в базе данных;</a:t>
+            </a:r>
+            <a:endParaRPr lang="en-US" sz="1800" dirty="0">
+              <a:solidFill>
+                <a:srgbClr val="000000"/>
+              </a:solidFill>
+              <a:effectLst/>
+              <a:latin typeface="Times New Roman" panose="02020603050405020304" pitchFamily="18" charset="0"/>
+              <a:ea typeface="Times New Roman" panose="02020603050405020304" pitchFamily="18" charset="0"/>
+            </a:endParaRPr>
+          </a:p>
+          <a:p>
+            <a:pPr indent="448310" algn="just">
+              <a:lnSpc>
+                <a:spcPct val="115000"/>
+              </a:lnSpc>
+            </a:pPr>
+            <a:r>
+              <a:rPr lang="ru-RU" sz="1800" dirty="0">
+                <a:solidFill>
+                  <a:srgbClr val="000000"/>
+                </a:solidFill>
+                <a:effectLst/>
+                <a:latin typeface="Times New Roman" panose="02020603050405020304" pitchFamily="18" charset="0"/>
+                <a:ea typeface="Times New Roman" panose="02020603050405020304" pitchFamily="18" charset="0"/>
+                <a:cs typeface="Times New Roman" panose="02020603050405020304" pitchFamily="18" charset="0"/>
+              </a:rPr>
+              <a:t>- создание запросов для в M</a:t>
+            </a:r>
+            <a:r>
+              <a:rPr lang="en-US" sz="1800" dirty="0">
+                <a:solidFill>
+                  <a:srgbClr val="000000"/>
+                </a:solidFill>
+                <a:effectLst/>
+                <a:latin typeface="Times New Roman" panose="02020603050405020304" pitchFamily="18" charset="0"/>
+                <a:ea typeface="Times New Roman" panose="02020603050405020304" pitchFamily="18" charset="0"/>
+                <a:cs typeface="Times New Roman" panose="02020603050405020304" pitchFamily="18" charset="0"/>
+              </a:rPr>
+              <a:t>S </a:t>
+            </a:r>
+            <a:r>
+              <a:rPr lang="ru-RU" sz="1800" dirty="0">
+                <a:solidFill>
+                  <a:srgbClr val="000000"/>
+                </a:solidFill>
+                <a:effectLst/>
+                <a:latin typeface="Times New Roman" panose="02020603050405020304" pitchFamily="18" charset="0"/>
+                <a:ea typeface="Times New Roman" panose="02020603050405020304" pitchFamily="18" charset="0"/>
+                <a:cs typeface="Times New Roman" panose="02020603050405020304" pitchFamily="18" charset="0"/>
+              </a:rPr>
+              <a:t>SQL </a:t>
+            </a:r>
+            <a:r>
+              <a:rPr lang="en-US" sz="1800" dirty="0">
+                <a:solidFill>
+                  <a:srgbClr val="000000"/>
+                </a:solidFill>
+                <a:effectLst/>
+                <a:latin typeface="Times New Roman" panose="02020603050405020304" pitchFamily="18" charset="0"/>
+                <a:ea typeface="Times New Roman" panose="02020603050405020304" pitchFamily="18" charset="0"/>
+                <a:cs typeface="Times New Roman" panose="02020603050405020304" pitchFamily="18" charset="0"/>
+              </a:rPr>
+              <a:t>Server</a:t>
+            </a:r>
+            <a:r>
+              <a:rPr lang="ru-RU" sz="1800" dirty="0">
+                <a:solidFill>
+                  <a:srgbClr val="000000"/>
+                </a:solidFill>
+                <a:effectLst/>
+                <a:latin typeface="Times New Roman" panose="02020603050405020304" pitchFamily="18" charset="0"/>
+                <a:ea typeface="Times New Roman" panose="02020603050405020304" pitchFamily="18" charset="0"/>
+                <a:cs typeface="Times New Roman" panose="02020603050405020304" pitchFamily="18" charset="0"/>
+              </a:rPr>
+              <a:t>;</a:t>
+            </a:r>
+            <a:endParaRPr lang="en-US" sz="1800" dirty="0">
+              <a:solidFill>
+                <a:srgbClr val="000000"/>
+              </a:solidFill>
+              <a:effectLst/>
+              <a:latin typeface="Times New Roman" panose="02020603050405020304" pitchFamily="18" charset="0"/>
+              <a:ea typeface="Times New Roman" panose="02020603050405020304" pitchFamily="18" charset="0"/>
+            </a:endParaRPr>
+          </a:p>
+          <a:p>
+            <a:pPr indent="448310" algn="just">
+              <a:lnSpc>
+                <a:spcPct val="115000"/>
+              </a:lnSpc>
+            </a:pPr>
+            <a:r>
+              <a:rPr lang="ru-RU" sz="1800" dirty="0">
+                <a:solidFill>
+                  <a:srgbClr val="000000"/>
+                </a:solidFill>
+                <a:effectLst/>
+                <a:latin typeface="Times New Roman" panose="02020603050405020304" pitchFamily="18" charset="0"/>
+                <a:ea typeface="Times New Roman" panose="02020603050405020304" pitchFamily="18" charset="0"/>
+                <a:cs typeface="Times New Roman" panose="02020603050405020304" pitchFamily="18" charset="0"/>
+              </a:rPr>
+              <a:t>- освоение паттерна </a:t>
+            </a:r>
+            <a:r>
+              <a:rPr lang="en-US" sz="1800" dirty="0">
+                <a:solidFill>
+                  <a:srgbClr val="000000"/>
+                </a:solidFill>
+                <a:effectLst/>
+                <a:latin typeface="Times New Roman" panose="02020603050405020304" pitchFamily="18" charset="0"/>
+                <a:ea typeface="Times New Roman" panose="02020603050405020304" pitchFamily="18" charset="0"/>
+                <a:cs typeface="Times New Roman" panose="02020603050405020304" pitchFamily="18" charset="0"/>
+              </a:rPr>
+              <a:t>Model View Controller</a:t>
+            </a:r>
+            <a:endParaRPr lang="en-US" sz="1800" dirty="0">
+              <a:solidFill>
+                <a:srgbClr val="000000"/>
+              </a:solidFill>
+              <a:effectLst/>
+              <a:latin typeface="Times New Roman" panose="02020603050405020304" pitchFamily="18" charset="0"/>
+              <a:ea typeface="Times New Roman" panose="02020603050405020304" pitchFamily="18" charset="0"/>
+            </a:endParaRPr>
+          </a:p>
+          <a:p>
+            <a:pPr indent="448310" algn="just">
+              <a:lnSpc>
+                <a:spcPct val="115000"/>
+              </a:lnSpc>
+            </a:pPr>
+            <a:r>
+              <a:rPr lang="ru-RU" sz="1800" dirty="0">
+                <a:solidFill>
+                  <a:srgbClr val="000000"/>
+                </a:solidFill>
+                <a:effectLst/>
+                <a:latin typeface="Times New Roman" panose="02020603050405020304" pitchFamily="18" charset="0"/>
+                <a:ea typeface="Times New Roman" panose="02020603050405020304" pitchFamily="18" charset="0"/>
+                <a:cs typeface="Times New Roman" panose="02020603050405020304" pitchFamily="18" charset="0"/>
+              </a:rPr>
+              <a:t>- освоение навыков программирование в среде </a:t>
+            </a:r>
+            <a:r>
+              <a:rPr lang="en-US" sz="1800" dirty="0">
+                <a:solidFill>
+                  <a:srgbClr val="000000"/>
+                </a:solidFill>
+                <a:effectLst/>
+                <a:latin typeface="Times New Roman" panose="02020603050405020304" pitchFamily="18" charset="0"/>
+                <a:ea typeface="Times New Roman" panose="02020603050405020304" pitchFamily="18" charset="0"/>
+                <a:cs typeface="Times New Roman" panose="02020603050405020304" pitchFamily="18" charset="0"/>
+              </a:rPr>
+              <a:t>C</a:t>
+            </a:r>
+            <a:r>
+              <a:rPr lang="ru-RU" sz="1800" dirty="0">
+                <a:solidFill>
+                  <a:srgbClr val="000000"/>
+                </a:solidFill>
+                <a:effectLst/>
+                <a:latin typeface="Times New Roman" panose="02020603050405020304" pitchFamily="18" charset="0"/>
+                <a:ea typeface="Times New Roman" panose="02020603050405020304" pitchFamily="18" charset="0"/>
+                <a:cs typeface="Times New Roman" panose="02020603050405020304" pitchFamily="18" charset="0"/>
+              </a:rPr>
+              <a:t>#;</a:t>
+            </a:r>
+            <a:endParaRPr lang="en-US" sz="1800" dirty="0">
+              <a:solidFill>
+                <a:srgbClr val="000000"/>
+              </a:solidFill>
+              <a:effectLst/>
+              <a:latin typeface="Times New Roman" panose="02020603050405020304" pitchFamily="18" charset="0"/>
+              <a:ea typeface="Times New Roman" panose="02020603050405020304" pitchFamily="18" charset="0"/>
+            </a:endParaRPr>
+          </a:p>
+          <a:p>
+            <a:pPr indent="448310" algn="just">
+              <a:lnSpc>
+                <a:spcPct val="115000"/>
+              </a:lnSpc>
+            </a:pPr>
+            <a:r>
+              <a:rPr lang="ru-RU" sz="1800" dirty="0">
+                <a:solidFill>
+                  <a:srgbClr val="000000"/>
+                </a:solidFill>
+                <a:effectLst/>
+                <a:latin typeface="Times New Roman" panose="02020603050405020304" pitchFamily="18" charset="0"/>
+                <a:ea typeface="Times New Roman" panose="02020603050405020304" pitchFamily="18" charset="0"/>
+                <a:cs typeface="Times New Roman" panose="02020603050405020304" pitchFamily="18" charset="0"/>
+              </a:rPr>
+              <a:t>- освоение технологии </a:t>
+            </a:r>
+            <a:r>
+              <a:rPr lang="ru-RU" sz="1800" dirty="0" err="1">
+                <a:solidFill>
+                  <a:srgbClr val="000000"/>
+                </a:solidFill>
+                <a:effectLst/>
+                <a:latin typeface="Times New Roman" panose="02020603050405020304" pitchFamily="18" charset="0"/>
+                <a:ea typeface="Times New Roman" panose="02020603050405020304" pitchFamily="18" charset="0"/>
+                <a:cs typeface="Times New Roman" panose="02020603050405020304" pitchFamily="18" charset="0"/>
+              </a:rPr>
+              <a:t>Entity</a:t>
+            </a:r>
+            <a:r>
+              <a:rPr lang="ru-RU" sz="1800" dirty="0">
+                <a:solidFill>
+                  <a:srgbClr val="000000"/>
+                </a:solidFill>
+                <a:effectLst/>
+                <a:latin typeface="Times New Roman" panose="02020603050405020304" pitchFamily="18" charset="0"/>
+                <a:ea typeface="Times New Roman" panose="02020603050405020304" pitchFamily="18" charset="0"/>
+                <a:cs typeface="Times New Roman" panose="02020603050405020304" pitchFamily="18" charset="0"/>
+              </a:rPr>
+              <a:t> Framework </a:t>
+            </a:r>
+            <a:r>
+              <a:rPr lang="ru-RU" sz="1800" dirty="0" err="1">
+                <a:solidFill>
+                  <a:srgbClr val="000000"/>
+                </a:solidFill>
+                <a:effectLst/>
+                <a:latin typeface="Times New Roman" panose="02020603050405020304" pitchFamily="18" charset="0"/>
+                <a:ea typeface="Times New Roman" panose="02020603050405020304" pitchFamily="18" charset="0"/>
+                <a:cs typeface="Times New Roman" panose="02020603050405020304" pitchFamily="18" charset="0"/>
+              </a:rPr>
+              <a:t>Cor</a:t>
+            </a:r>
+            <a:r>
+              <a:rPr lang="en-US" sz="1800" dirty="0">
+                <a:solidFill>
+                  <a:srgbClr val="000000"/>
+                </a:solidFill>
+                <a:effectLst/>
+                <a:latin typeface="Times New Roman" panose="02020603050405020304" pitchFamily="18" charset="0"/>
+                <a:ea typeface="Times New Roman" panose="02020603050405020304" pitchFamily="18" charset="0"/>
+                <a:cs typeface="Times New Roman" panose="02020603050405020304" pitchFamily="18" charset="0"/>
+              </a:rPr>
+              <a:t>e</a:t>
+            </a:r>
+            <a:r>
+              <a:rPr lang="ru-RU" sz="1800" dirty="0">
+                <a:solidFill>
+                  <a:srgbClr val="000000"/>
+                </a:solidFill>
+                <a:effectLst/>
+                <a:latin typeface="Times New Roman" panose="02020603050405020304" pitchFamily="18" charset="0"/>
+                <a:ea typeface="Times New Roman" panose="02020603050405020304" pitchFamily="18" charset="0"/>
+                <a:cs typeface="Times New Roman" panose="02020603050405020304" pitchFamily="18" charset="0"/>
+              </a:rPr>
+              <a:t>;</a:t>
+            </a:r>
+            <a:endParaRPr lang="en-US" sz="1800" dirty="0">
+              <a:solidFill>
+                <a:srgbClr val="000000"/>
+              </a:solidFill>
+              <a:effectLst/>
+              <a:latin typeface="Times New Roman" panose="02020603050405020304" pitchFamily="18" charset="0"/>
+              <a:ea typeface="Times New Roman" panose="02020603050405020304" pitchFamily="18" charset="0"/>
+            </a:endParaRPr>
+          </a:p>
+          <a:p>
+            <a:pPr indent="448310" algn="just">
+              <a:lnSpc>
+                <a:spcPct val="115000"/>
+              </a:lnSpc>
+            </a:pPr>
+            <a:r>
+              <a:rPr lang="ru-RU" sz="1800" dirty="0">
+                <a:solidFill>
+                  <a:srgbClr val="000000"/>
+                </a:solidFill>
+                <a:effectLst/>
+                <a:latin typeface="Times New Roman" panose="02020603050405020304" pitchFamily="18" charset="0"/>
+                <a:ea typeface="Times New Roman" panose="02020603050405020304" pitchFamily="18" charset="0"/>
+                <a:cs typeface="Times New Roman" panose="02020603050405020304" pitchFamily="18" charset="0"/>
+              </a:rPr>
+              <a:t>- освоение системы авторизации и аутентификации;</a:t>
+            </a:r>
+            <a:endParaRPr lang="en-US" sz="1800" dirty="0">
+              <a:solidFill>
+                <a:srgbClr val="000000"/>
+              </a:solidFill>
+              <a:effectLst/>
+              <a:latin typeface="Times New Roman" panose="02020603050405020304" pitchFamily="18" charset="0"/>
+              <a:ea typeface="Times New Roman" panose="02020603050405020304" pitchFamily="18" charset="0"/>
+            </a:endParaRPr>
+          </a:p>
+          <a:p>
+            <a:pPr indent="448310" algn="just">
+              <a:lnSpc>
+                <a:spcPct val="115000"/>
+              </a:lnSpc>
+            </a:pPr>
+            <a:r>
+              <a:rPr lang="ru-RU" sz="1800" dirty="0">
+                <a:solidFill>
+                  <a:srgbClr val="000000"/>
+                </a:solidFill>
+                <a:effectLst/>
+                <a:latin typeface="Times New Roman" panose="02020603050405020304" pitchFamily="18" charset="0"/>
+                <a:ea typeface="Times New Roman" panose="02020603050405020304" pitchFamily="18" charset="0"/>
+                <a:cs typeface="Times New Roman" panose="02020603050405020304" pitchFamily="18" charset="0"/>
+              </a:rPr>
+              <a:t>- реализация доступа клиента к серверу СУБД.</a:t>
+            </a:r>
+            <a:endParaRPr lang="en-US" sz="1800" dirty="0">
+              <a:solidFill>
+                <a:srgbClr val="000000"/>
+              </a:solidFill>
+              <a:effectLst/>
+              <a:latin typeface="Times New Roman" panose="02020603050405020304" pitchFamily="18" charset="0"/>
+              <a:ea typeface="Times New Roman" panose="02020603050405020304" pitchFamily="18" charset="0"/>
+            </a:endParaRPr>
+          </a:p>
+          <a:p>
+            <a:pPr marL="0" indent="0">
+              <a:buNone/>
+            </a:pPr>
+            <a:endParaRPr lang="en-US" dirty="0"/>
+          </a:p>
+        </p:txBody>
+      </p:sp>
+      <p:sp>
+        <p:nvSpPr>
+          <p:cNvPr id="5" name="TextBox 4">
+            <a:extLst>
+              <a:ext uri="{FF2B5EF4-FFF2-40B4-BE49-F238E27FC236}">
+                <a16:creationId xmlns:a16="http://schemas.microsoft.com/office/drawing/2014/main" id="{35D8348B-C2D6-4C6B-A044-0426A853A7E9}"/>
+              </a:ext>
+            </a:extLst>
+          </p:cNvPr>
+          <p:cNvSpPr txBox="1"/>
+          <p:nvPr/>
+        </p:nvSpPr>
+        <p:spPr>
+          <a:xfrm>
+            <a:off x="7557155" y="1914402"/>
+            <a:ext cx="4113229" cy="3603359"/>
+          </a:xfrm>
+          <a:prstGeom prst="rect">
+            <a:avLst/>
+          </a:prstGeom>
+          <a:noFill/>
+        </p:spPr>
+        <p:txBody>
+          <a:bodyPr wrap="square">
+            <a:spAutoFit/>
+          </a:bodyPr>
+          <a:lstStyle/>
+          <a:p>
+            <a:pPr indent="448310" algn="just">
+              <a:lnSpc>
+                <a:spcPct val="115000"/>
+              </a:lnSpc>
+            </a:pPr>
+            <a:r>
+              <a:rPr lang="ru-RU" sz="2000" dirty="0">
+                <a:solidFill>
+                  <a:srgbClr val="000000"/>
+                </a:solidFill>
+                <a:effectLst/>
+                <a:latin typeface="Times New Roman" panose="02020603050405020304" pitchFamily="18" charset="0"/>
+                <a:ea typeface="Times New Roman" panose="02020603050405020304" pitchFamily="18" charset="0"/>
+                <a:cs typeface="Times New Roman" panose="02020603050405020304" pitchFamily="18" charset="0"/>
+              </a:rPr>
+              <a:t>Целью курсовой работы является создание веб-приложения и базы данных с помощью </a:t>
+            </a:r>
+            <a:r>
+              <a:rPr lang="en-US" sz="2000" dirty="0">
+                <a:solidFill>
+                  <a:srgbClr val="000000"/>
+                </a:solidFill>
+                <a:effectLst/>
+                <a:latin typeface="Times New Roman" panose="02020603050405020304" pitchFamily="18" charset="0"/>
+                <a:ea typeface="Times New Roman" panose="02020603050405020304" pitchFamily="18" charset="0"/>
+                <a:cs typeface="Times New Roman" panose="02020603050405020304" pitchFamily="18" charset="0"/>
+              </a:rPr>
+              <a:t>MS SQL Server </a:t>
+            </a:r>
+            <a:r>
+              <a:rPr lang="ru-RU" sz="2000" dirty="0">
+                <a:solidFill>
+                  <a:srgbClr val="000000"/>
+                </a:solidFill>
+                <a:effectLst/>
+                <a:latin typeface="Times New Roman" panose="02020603050405020304" pitchFamily="18" charset="0"/>
+                <a:ea typeface="Times New Roman" panose="02020603050405020304" pitchFamily="18" charset="0"/>
+                <a:cs typeface="Times New Roman" panose="02020603050405020304" pitchFamily="18" charset="0"/>
+              </a:rPr>
+              <a:t>и </a:t>
+            </a:r>
+            <a:r>
+              <a:rPr lang="en-US" sz="2000" dirty="0">
+                <a:solidFill>
+                  <a:srgbClr val="000000"/>
+                </a:solidFill>
+                <a:effectLst/>
+                <a:latin typeface="Times New Roman" panose="02020603050405020304" pitchFamily="18" charset="0"/>
+                <a:ea typeface="Times New Roman" panose="02020603050405020304" pitchFamily="18" charset="0"/>
+                <a:cs typeface="Times New Roman" panose="02020603050405020304" pitchFamily="18" charset="0"/>
+              </a:rPr>
+              <a:t>C</a:t>
+            </a:r>
+            <a:r>
+              <a:rPr lang="ru-RU" sz="2000" dirty="0">
+                <a:solidFill>
+                  <a:srgbClr val="000000"/>
+                </a:solidFill>
+                <a:effectLst/>
+                <a:latin typeface="Times New Roman" panose="02020603050405020304" pitchFamily="18" charset="0"/>
+                <a:ea typeface="Times New Roman" panose="02020603050405020304" pitchFamily="18" charset="0"/>
+                <a:cs typeface="Times New Roman" panose="02020603050405020304" pitchFamily="18" charset="0"/>
+              </a:rPr>
+              <a:t>#. MS SQL Server ˗ инструмент для визуального проектирования баз данных, также для администрирования и разработки. С#</a:t>
+            </a:r>
+            <a:r>
+              <a:rPr lang="en-US" sz="2000" dirty="0">
+                <a:solidFill>
+                  <a:srgbClr val="000000"/>
+                </a:solidFill>
+                <a:effectLst/>
+                <a:latin typeface="Times New Roman" panose="02020603050405020304" pitchFamily="18" charset="0"/>
+                <a:ea typeface="Times New Roman" panose="02020603050405020304" pitchFamily="18" charset="0"/>
+                <a:cs typeface="Times New Roman" panose="02020603050405020304" pitchFamily="18" charset="0"/>
+              </a:rPr>
+              <a:t> </a:t>
+            </a:r>
+            <a:r>
+              <a:rPr lang="ru-RU" sz="2000" spc="-30" dirty="0">
+                <a:solidFill>
+                  <a:srgbClr val="000000"/>
+                </a:solidFill>
+                <a:effectLst/>
+                <a:latin typeface="Times New Roman" panose="02020603050405020304" pitchFamily="18" charset="0"/>
+                <a:ea typeface="Times New Roman" panose="02020603050405020304" pitchFamily="18" charset="0"/>
+              </a:rPr>
+              <a:t>–</a:t>
+            </a:r>
+            <a:r>
+              <a:rPr lang="en-US" sz="2000" dirty="0">
+                <a:solidFill>
+                  <a:srgbClr val="000000"/>
+                </a:solidFill>
+                <a:effectLst/>
+                <a:latin typeface="Times New Roman" panose="02020603050405020304" pitchFamily="18" charset="0"/>
+                <a:ea typeface="Times New Roman" panose="02020603050405020304" pitchFamily="18" charset="0"/>
+                <a:cs typeface="Times New Roman" panose="02020603050405020304" pitchFamily="18" charset="0"/>
+              </a:rPr>
+              <a:t> </a:t>
+            </a:r>
+            <a:r>
+              <a:rPr lang="ru-RU" sz="2000" dirty="0">
+                <a:solidFill>
+                  <a:srgbClr val="000000"/>
+                </a:solidFill>
+                <a:effectLst/>
+                <a:latin typeface="Times New Roman" panose="02020603050405020304" pitchFamily="18" charset="0"/>
+                <a:ea typeface="Times New Roman" panose="02020603050405020304" pitchFamily="18" charset="0"/>
+                <a:cs typeface="Times New Roman" panose="02020603050405020304" pitchFamily="18" charset="0"/>
+              </a:rPr>
+              <a:t>платформа обладает следующими преимуществами:</a:t>
+            </a:r>
+            <a:endParaRPr lang="en-US" sz="2000" dirty="0">
+              <a:solidFill>
+                <a:srgbClr val="000000"/>
+              </a:solidFill>
+              <a:effectLst/>
+              <a:latin typeface="Times New Roman" panose="02020603050405020304" pitchFamily="18" charset="0"/>
+              <a:ea typeface="Times New Roman" panose="02020603050405020304" pitchFamily="18" charset="0"/>
+            </a:endParaRPr>
           </a:p>
         </p:txBody>
       </p:sp>
@@ -4096,7 +7393,49 @@
           <a:bodyPr/>
           <a:lstStyle/>
           <a:p>
-            <a:endParaRPr lang="en-US"/>
+            <a:pPr marL="0" indent="0" algn="just">
+              <a:buNone/>
+            </a:pPr>
+            <a:r>
+              <a:rPr lang="ru-RU" dirty="0"/>
+              <a:t>В качестве предметной области </a:t>
+            </a:r>
+            <a:r>
+              <a:rPr lang="ru-RU" dirty="0" err="1"/>
+              <a:t>рассматаривается</a:t>
+            </a:r>
+            <a:r>
+              <a:rPr lang="ru-RU" dirty="0"/>
+              <a:t> </a:t>
+            </a:r>
+            <a:r>
+              <a:rPr lang="ru-RU" dirty="0" err="1"/>
+              <a:t>автотрнаспортное</a:t>
+            </a:r>
+            <a:r>
+              <a:rPr lang="ru-RU" dirty="0"/>
+              <a:t> предприятие (гараж), предоставляющее услуги </a:t>
+            </a:r>
+            <a:r>
+              <a:rPr lang="ru-RU" dirty="0" err="1"/>
+              <a:t>автомобильниых</a:t>
+            </a:r>
+            <a:r>
+              <a:rPr lang="ru-RU" dirty="0"/>
+              <a:t> перевозок топлива. База данных должна хранить данные об автомобилях, водителях, марках топлива для заправки автомобилей, данные о перевозках.</a:t>
+            </a:r>
+            <a:br>
+              <a:rPr lang="ru-RU" dirty="0"/>
+            </a:br>
+            <a:r>
+              <a:rPr lang="ru-RU" dirty="0"/>
+              <a:t>Водители закреплены за автомобилями, причем за одним автомобилем может быть закреплено несколько водителей но каждый водитель закреплен только за одним </a:t>
+            </a:r>
+            <a:r>
+              <a:rPr lang="ru-RU" dirty="0" err="1"/>
+              <a:t>автомбилем</a:t>
+            </a:r>
+            <a:endParaRPr lang="en-US" dirty="0"/>
           </a:p>
         </p:txBody>
       </p:sp>
@@ -4116,6 +7455,14 @@
 <file path=ppt/slides/slide4.xml><?xml version="1.0" encoding="utf-8"?>
 <p:sld xmlns:a="http://schemas.openxmlformats.org/drawingml/2006/main" xmlns:r="http://schemas.openxmlformats.org/officeDocument/2006/relationships" xmlns:p="http://schemas.openxmlformats.org/presentationml/2006/main">
   <p:cSld>
+    <p:bg>
+      <p:bgPr>
+        <a:solidFill>
+          <a:schemeClr val="bg1"/>
+        </a:solidFill>
+        <a:effectLst/>
+      </p:bgPr>
+    </p:bg>
     <p:spTree>
       <p:nvGrpSpPr>
         <p:cNvPr id="1" name=""/>
@@ -4130,6 +7477,260 @@
           <a:chExt cx="0" cy="0"/>
         </a:xfrm>
       </p:grpSpPr>
+      <p:sp useBgFill="1">
+        <p:nvSpPr>
+          <p:cNvPr id="43" name="Rectangle 42">
+            <a:extLst>
+              <a:ext uri="{FF2B5EF4-FFF2-40B4-BE49-F238E27FC236}">
+                <a16:creationId xmlns:a16="http://schemas.microsoft.com/office/drawing/2014/main" id="{826B4A43-2A34-4B22-882C-D7552FA9C7DB}"/>
+              </a:ext>
+              <a:ext uri="{C183D7F6-B498-43B3-948B-1728B52AA6E4}">
+                <adec:decorative xmlns:adec="http://schemas.microsoft.com/office/drawing/2017/decorative" val="1"/>
+              </a:ext>
+            </a:extLst>
+          </p:cNvPr>
+          <p:cNvSpPr>
+            <a:spLocks noGrp="1" noRot="1" noChangeAspect="1" noMove="1" noResize="1" noEditPoints="1" noAdjustHandles="1" noChangeArrowheads="1" noChangeShapeType="1" noTextEdit="1"/>
+          </p:cNvSpPr>
+          <p:nvPr>
+            <p:extLst>
+              <p:ext uri="{386F3935-93C4-4BCD-93E2-E3B085C9AB24}">
+                <p16:designElem xmlns:p16="http://schemas.microsoft.com/office/powerpoint/2015/main" val="1"/>
+              </p:ext>
+            </p:extLst>
+          </p:nvPr>
+        </p:nvSpPr>
+        <p:spPr>
+          <a:xfrm>
+            <a:off x="0" y="0"/>
+            <a:ext cx="12188952" cy="6858000"/>
+          </a:xfrm>
+          <a:prstGeom prst="rect">
+            <a:avLst/>
+          </a:prstGeom>
+          <a:ln>
+            <a:noFill/>
+          </a:ln>
+        </p:spPr>
+        <p:style>
+          <a:lnRef idx="2">
+            <a:schemeClr val="accent1">
+              <a:shade val="50000"/>
+            </a:schemeClr>
+          </a:lnRef>
+          <a:fillRef idx="1">
+            <a:schemeClr val="accent1"/>
+          </a:fillRef>
+          <a:effectRef idx="0">
+            <a:schemeClr val="accent1"/>
+          </a:effectRef>
+          <a:fontRef idx="minor">
+            <a:schemeClr val="lt1"/>
+          </a:fontRef>
+        </p:style>
+        <p:txBody>
+          <a:bodyPr rtlCol="0" anchor="ctr"/>
+          <a:lstStyle/>
+          <a:p>
+            <a:pPr algn="ctr"/>
+            <a:endParaRPr lang="en-US"/>
+          </a:p>
+        </p:txBody>
+      </p:sp>
+      <p:sp>
+        <p:nvSpPr>
+          <p:cNvPr id="48" name="Rectangle 44">
+            <a:extLst>
+              <a:ext uri="{FF2B5EF4-FFF2-40B4-BE49-F238E27FC236}">
+                <a16:creationId xmlns:a16="http://schemas.microsoft.com/office/drawing/2014/main" id="{A5271697-90F1-4A23-8EF2-0179F2EAFACB}"/>
+              </a:ext>
+              <a:ext uri="{C183D7F6-B498-43B3-948B-1728B52AA6E4}">
+                <adec:decorative xmlns:adec="http://schemas.microsoft.com/office/drawing/2017/decorative" val="1"/>
+              </a:ext>
+            </a:extLst>
+          </p:cNvPr>
+          <p:cNvSpPr>
+            <a:spLocks noGrp="1" noRot="1" noChangeAspect="1" noMove="1" noResize="1" noEditPoints="1" noAdjustHandles="1" noChangeArrowheads="1" noChangeShapeType="1" noTextEdit="1"/>
+          </p:cNvSpPr>
+          <p:nvPr>
+            <p:extLst>
+              <p:ext uri="{386F3935-93C4-4BCD-93E2-E3B085C9AB24}">
+                <p16:designElem xmlns:p16="http://schemas.microsoft.com/office/powerpoint/2015/main" val="1"/>
+              </p:ext>
+            </p:extLst>
+          </p:nvPr>
+        </p:nvSpPr>
+        <p:spPr>
+          <a:xfrm>
+            <a:off x="-1" y="1"/>
+            <a:ext cx="606972" cy="3233984"/>
+          </a:xfrm>
+          <a:prstGeom prst="rect">
+            <a:avLst/>
+          </a:prstGeom>
+          <a:solidFill>
+            <a:schemeClr val="tx1">
+              <a:lumMod val="85000"/>
+              <a:lumOff val="15000"/>
+            </a:schemeClr>
+          </a:solidFill>
+          <a:ln>
+            <a:noFill/>
+          </a:ln>
+        </p:spPr>
+        <p:style>
+          <a:lnRef idx="2">
+            <a:schemeClr val="accent1">
+              <a:shade val="50000"/>
+            </a:schemeClr>
+          </a:lnRef>
+          <a:fillRef idx="1">
+            <a:schemeClr val="accent1"/>
+          </a:fillRef>
+          <a:effectRef idx="0">
+            <a:schemeClr val="accent1"/>
+          </a:effectRef>
+          <a:fontRef idx="minor">
+            <a:schemeClr val="lt1"/>
+          </a:fontRef>
+        </p:style>
+        <p:txBody>
+          <a:bodyPr rtlCol="0" anchor="ctr"/>
+          <a:lstStyle/>
+          <a:p>
+            <a:pPr algn="ctr"/>
+            <a:endParaRPr lang="en-US"/>
+          </a:p>
+        </p:txBody>
+      </p:sp>
+      <p:sp>
+        <p:nvSpPr>
+          <p:cNvPr id="47" name="Rectangle 46">
+            <a:extLst>
+              <a:ext uri="{FF2B5EF4-FFF2-40B4-BE49-F238E27FC236}">
+                <a16:creationId xmlns:a16="http://schemas.microsoft.com/office/drawing/2014/main" id="{D9F5512A-48E1-4C07-B75E-3CCC517B6804}"/>
+              </a:ext>
+              <a:ext uri="{C183D7F6-B498-43B3-948B-1728B52AA6E4}">
+                <adec:decorative xmlns:adec="http://schemas.microsoft.com/office/drawing/2017/decorative" val="1"/>
+              </a:ext>
+            </a:extLst>
+          </p:cNvPr>
+          <p:cNvSpPr>
+            <a:spLocks noGrp="1" noRot="1" noChangeAspect="1" noMove="1" noResize="1" noEditPoints="1" noAdjustHandles="1" noChangeArrowheads="1" noChangeShapeType="1" noTextEdit="1"/>
+          </p:cNvSpPr>
+          <p:nvPr>
+            <p:extLst>
+              <p:ext uri="{386F3935-93C4-4BCD-93E2-E3B085C9AB24}">
+                <p16:designElem xmlns:p16="http://schemas.microsoft.com/office/powerpoint/2015/main" val="1"/>
+              </p:ext>
+            </p:extLst>
+          </p:nvPr>
+        </p:nvSpPr>
+        <p:spPr>
+          <a:xfrm>
+            <a:off x="-1" y="3233984"/>
+            <a:ext cx="606972" cy="3624015"/>
+          </a:xfrm>
+          <a:prstGeom prst="rect">
+            <a:avLst/>
+          </a:prstGeom>
+          <a:solidFill>
+            <a:schemeClr val="accent1"/>
+          </a:solidFill>
+          <a:ln>
+            <a:noFill/>
+          </a:ln>
+        </p:spPr>
+        <p:style>
+          <a:lnRef idx="2">
+            <a:schemeClr val="accent1">
+              <a:shade val="50000"/>
+            </a:schemeClr>
+          </a:lnRef>
+          <a:fillRef idx="1">
+            <a:schemeClr val="accent1"/>
+          </a:fillRef>
+          <a:effectRef idx="0">
+            <a:schemeClr val="accent1"/>
+          </a:effectRef>
+          <a:fontRef idx="minor">
+            <a:schemeClr val="lt1"/>
+          </a:fontRef>
+        </p:style>
+        <p:txBody>
+          <a:bodyPr rtlCol="0" anchor="ctr"/>
+          <a:lstStyle/>
+          <a:p>
+            <a:pPr algn="ctr"/>
+            <a:endParaRPr lang="en-US"/>
+          </a:p>
+        </p:txBody>
+      </p:sp>
+      <p:sp>
+        <p:nvSpPr>
+          <p:cNvPr id="49" name="Rectangle 48">
+            <a:extLst>
+              <a:ext uri="{FF2B5EF4-FFF2-40B4-BE49-F238E27FC236}">
+                <a16:creationId xmlns:a16="http://schemas.microsoft.com/office/drawing/2014/main" id="{B429BAE5-B200-4FC0-BBC1-8D7C57D1D9F4}"/>
+              </a:ext>
+              <a:ext uri="{C183D7F6-B498-43B3-948B-1728B52AA6E4}">
+                <adec:decorative xmlns:adec="http://schemas.microsoft.com/office/drawing/2017/decorative" val="1"/>
+              </a:ext>
+            </a:extLst>
+          </p:cNvPr>
+          <p:cNvSpPr>
+            <a:spLocks noGrp="1" noRot="1" noChangeAspect="1" noMove="1" noResize="1" noEditPoints="1" noAdjustHandles="1" noChangeArrowheads="1" noChangeShapeType="1" noTextEdit="1"/>
+          </p:cNvSpPr>
+          <p:nvPr>
+            <p:extLst>
+              <p:ext uri="{386F3935-93C4-4BCD-93E2-E3B085C9AB24}">
+                <p16:designElem xmlns:p16="http://schemas.microsoft.com/office/powerpoint/2015/main" val="1"/>
+              </p:ext>
+            </p:extLst>
+          </p:nvPr>
+        </p:nvSpPr>
+        <p:spPr>
+          <a:xfrm>
+            <a:off x="606971" y="0"/>
+            <a:ext cx="4565104" cy="6858000"/>
+          </a:xfrm>
+          <a:prstGeom prst="rect">
+            <a:avLst/>
+          </a:prstGeom>
+          <a:solidFill>
+            <a:schemeClr val="bg1">
+              <a:lumMod val="95000"/>
+            </a:schemeClr>
+          </a:solidFill>
+          <a:ln>
+            <a:noFill/>
+          </a:ln>
+        </p:spPr>
+        <p:style>
+          <a:lnRef idx="2">
+            <a:schemeClr val="accent1">
+              <a:shade val="50000"/>
+            </a:schemeClr>
+          </a:lnRef>
+          <a:fillRef idx="1">
+            <a:schemeClr val="accent1"/>
+          </a:fillRef>
+          <a:effectRef idx="0">
+            <a:schemeClr val="accent1"/>
+          </a:effectRef>
+          <a:fontRef idx="minor">
+            <a:schemeClr val="lt1"/>
+          </a:fontRef>
+        </p:style>
+        <p:txBody>
+          <a:bodyPr rtlCol="0" anchor="ctr"/>
+          <a:lstStyle/>
+          <a:p>
+            <a:pPr algn="ctr"/>
+            <a:endParaRPr lang="en-US"/>
+          </a:p>
+        </p:txBody>
+      </p:sp>
       <p:sp>
         <p:nvSpPr>
           <p:cNvPr id="2" name="Title 1">
@@ -4146,45 +7747,1316 @@
             <p:ph type="title"/>
           </p:nvPr>
         </p:nvSpPr>
-        <p:spPr/>
-        <p:txBody>
-          <a:bodyPr/>
+        <p:spPr>
+          <a:xfrm>
+            <a:off x="1036685" y="1152144"/>
+            <a:ext cx="3794760" cy="3072393"/>
+          </a:xfrm>
+        </p:spPr>
+        <p:txBody>
+          <a:bodyPr vert="horz" lIns="91440" tIns="45720" rIns="91440" bIns="45720" rtlCol="0" anchor="b">
+            <a:normAutofit/>
+          </a:bodyPr>
           <a:lstStyle/>
           <a:p>
-            <a:pPr algn="ctr"/>
-            <a:r>
-              <a:rPr lang="ru-RU" dirty="0"/>
+            <a:r>
+              <a:rPr lang="en-US" sz="5200" kern="1200">
+                <a:solidFill>
+                  <a:schemeClr val="tx1"/>
+                </a:solidFill>
+                <a:latin typeface="+mj-lt"/>
+                <a:ea typeface="+mj-ea"/>
+                <a:cs typeface="+mj-cs"/>
+              </a:rPr>
               <a:t>Структура приложения</a:t>
             </a:r>
-            <a:endParaRPr lang="en-US" dirty="0"/>
-          </a:p>
-        </p:txBody>
-      </p:sp>
-      <p:sp>
-        <p:nvSpPr>
-          <p:cNvPr id="3" name="Content Placeholder 2">
-            <a:extLst>
-              <a:ext uri="{FF2B5EF4-FFF2-40B4-BE49-F238E27FC236}">
-                <a16:creationId xmlns:a16="http://schemas.microsoft.com/office/drawing/2014/main" id="{CD735DFC-CA5B-417D-A02A-528DC2AF7E5F}"/>
-              </a:ext>
-            </a:extLst>
-          </p:cNvPr>
-          <p:cNvSpPr>
-            <a:spLocks noGrp="1"/>
-          </p:cNvSpPr>
+          </a:p>
+        </p:txBody>
+      </p:sp>
+      <p:grpSp>
+        <p:nvGrpSpPr>
+          <p:cNvPr id="51" name="Group 50">
+            <a:extLst>
+              <a:ext uri="{FF2B5EF4-FFF2-40B4-BE49-F238E27FC236}">
+                <a16:creationId xmlns:a16="http://schemas.microsoft.com/office/drawing/2014/main" id="{A9644633-5AE1-44D6-8F5F-6376DDA130CD}"/>
+              </a:ext>
+              <a:ext uri="{C183D7F6-B498-43B3-948B-1728B52AA6E4}">
+                <adec:decorative xmlns:adec="http://schemas.microsoft.com/office/drawing/2017/decorative" val="1"/>
+              </a:ext>
+            </a:extLst>
+          </p:cNvPr>
+          <p:cNvGrpSpPr>
+            <a:grpSpLocks noGrp="1" noUngrp="1" noRot="1" noChangeAspect="1" noMove="1" noResize="1"/>
+          </p:cNvGrpSpPr>
+          <p:nvPr>
+            <p:extLst>
+              <p:ext uri="{386F3935-93C4-4BCD-93E2-E3B085C9AB24}">
+                <p16:designElem xmlns:p16="http://schemas.microsoft.com/office/powerpoint/2015/main" val="1"/>
+              </p:ext>
+            </p:extLst>
+          </p:nvPr>
+        </p:nvGrpSpPr>
+        <p:grpSpPr>
+          <a:xfrm>
+            <a:off x="1188720" y="73152"/>
+            <a:ext cx="1178966" cy="232963"/>
+            <a:chOff x="7763256" y="73152"/>
+            <a:chExt cx="1178966" cy="232963"/>
+          </a:xfrm>
+        </p:grpSpPr>
+        <p:sp>
+          <p:nvSpPr>
+            <p:cNvPr id="52" name="Rectangle 64">
+              <a:extLst>
+                <a:ext uri="{FF2B5EF4-FFF2-40B4-BE49-F238E27FC236}">
+                  <a16:creationId xmlns:a16="http://schemas.microsoft.com/office/drawing/2014/main" id="{4FA74995-C5A7-4DBF-BFD1-C4831852DF17}"/>
+                </a:ext>
+                <a:ext uri="{C183D7F6-B498-43B3-948B-1728B52AA6E4}">
+                  <adec:decorative xmlns:adec="http://schemas.microsoft.com/office/drawing/2017/decorative" val="1"/>
+                </a:ext>
+              </a:extLst>
+            </p:cNvPr>
+            <p:cNvSpPr/>
+            <p:nvPr>
+              <p:extLst>
+                <p:ext uri="{386F3935-93C4-4BCD-93E2-E3B085C9AB24}">
+                  <p16:designElem xmlns:p16="http://schemas.microsoft.com/office/powerpoint/2015/main" val="1"/>
+                </p:ext>
+              </p:extLst>
+            </p:nvPr>
+          </p:nvSpPr>
+          <p:spPr>
+            <a:xfrm>
+              <a:off x="8263077" y="73152"/>
+              <a:ext cx="54368" cy="59227"/>
+            </a:xfrm>
+            <a:prstGeom prst="ellipse">
+              <a:avLst/>
+            </a:prstGeom>
+            <a:solidFill>
+              <a:schemeClr val="accent1"/>
+            </a:solidFill>
+            <a:ln>
+              <a:noFill/>
+            </a:ln>
+          </p:spPr>
+          <p:style>
+            <a:lnRef idx="2">
+              <a:schemeClr val="accent1">
+                <a:shade val="50000"/>
+              </a:schemeClr>
+            </a:lnRef>
+            <a:fillRef idx="1">
+              <a:schemeClr val="accent1"/>
+            </a:fillRef>
+            <a:effectRef idx="0">
+              <a:schemeClr val="accent1"/>
+            </a:effectRef>
+            <a:fontRef idx="minor">
+              <a:schemeClr val="lt1"/>
+            </a:fontRef>
+          </p:style>
+          <p:txBody>
+            <a:bodyPr rtlCol="0" anchor="ctr"/>
+            <a:lstStyle/>
+            <a:p>
+              <a:pPr algn="ctr"/>
+              <a:endParaRPr lang="en-US"/>
+            </a:p>
+          </p:txBody>
+        </p:sp>
+        <p:sp>
+          <p:nvSpPr>
+            <p:cNvPr id="53" name="Rectangle 66">
+              <a:extLst>
+                <a:ext uri="{FF2B5EF4-FFF2-40B4-BE49-F238E27FC236}">
+                  <a16:creationId xmlns:a16="http://schemas.microsoft.com/office/drawing/2014/main" id="{009DC7CE-EC50-455B-AEF3-758096A62E47}"/>
+                </a:ext>
+                <a:ext uri="{C183D7F6-B498-43B3-948B-1728B52AA6E4}">
+                  <adec:decorative xmlns:adec="http://schemas.microsoft.com/office/drawing/2017/decorative" val="1"/>
+                </a:ext>
+              </a:extLst>
+            </p:cNvPr>
+            <p:cNvSpPr/>
+            <p:nvPr>
+              <p:extLst>
+                <p:ext uri="{386F3935-93C4-4BCD-93E2-E3B085C9AB24}">
+                  <p16:designElem xmlns:p16="http://schemas.microsoft.com/office/powerpoint/2015/main" val="1"/>
+                </p:ext>
+              </p:extLst>
+            </p:nvPr>
+          </p:nvSpPr>
+          <p:spPr>
+            <a:xfrm>
+              <a:off x="8263077" y="246888"/>
+              <a:ext cx="54368" cy="59227"/>
+            </a:xfrm>
+            <a:prstGeom prst="ellipse">
+              <a:avLst/>
+            </a:prstGeom>
+            <a:solidFill>
+              <a:schemeClr val="accent1"/>
+            </a:solidFill>
+            <a:ln>
+              <a:noFill/>
+            </a:ln>
+          </p:spPr>
+          <p:style>
+            <a:lnRef idx="2">
+              <a:schemeClr val="accent1">
+                <a:shade val="50000"/>
+              </a:schemeClr>
+            </a:lnRef>
+            <a:fillRef idx="1">
+              <a:schemeClr val="accent1"/>
+            </a:fillRef>
+            <a:effectRef idx="0">
+              <a:schemeClr val="accent1"/>
+            </a:effectRef>
+            <a:fontRef idx="minor">
+              <a:schemeClr val="lt1"/>
+            </a:fontRef>
+          </p:style>
+          <p:txBody>
+            <a:bodyPr rtlCol="0" anchor="ctr"/>
+            <a:lstStyle/>
+            <a:p>
+              <a:pPr algn="ctr"/>
+              <a:endParaRPr lang="en-US"/>
+            </a:p>
+          </p:txBody>
+        </p:sp>
+        <p:sp>
+          <p:nvSpPr>
+            <p:cNvPr id="54" name="Rectangle 64">
+              <a:extLst>
+                <a:ext uri="{FF2B5EF4-FFF2-40B4-BE49-F238E27FC236}">
+                  <a16:creationId xmlns:a16="http://schemas.microsoft.com/office/drawing/2014/main" id="{680D0724-2EE2-4A8E-B7FC-994977F2A611}"/>
+                </a:ext>
+                <a:ext uri="{C183D7F6-B498-43B3-948B-1728B52AA6E4}">
+                  <adec:decorative xmlns:adec="http://schemas.microsoft.com/office/drawing/2017/decorative" val="1"/>
+                </a:ext>
+              </a:extLst>
+            </p:cNvPr>
+            <p:cNvSpPr/>
+            <p:nvPr>
+              <p:extLst>
+                <p:ext uri="{386F3935-93C4-4BCD-93E2-E3B085C9AB24}">
+                  <p16:designElem xmlns:p16="http://schemas.microsoft.com/office/powerpoint/2015/main" val="1"/>
+                </p:ext>
+              </p:extLst>
+            </p:nvPr>
+          </p:nvSpPr>
+          <p:spPr>
+            <a:xfrm>
+              <a:off x="8138122" y="73152"/>
+              <a:ext cx="54368" cy="59227"/>
+            </a:xfrm>
+            <a:prstGeom prst="ellipse">
+              <a:avLst/>
+            </a:prstGeom>
+            <a:solidFill>
+              <a:schemeClr val="accent1"/>
+            </a:solidFill>
+            <a:ln>
+              <a:noFill/>
+            </a:ln>
+          </p:spPr>
+          <p:style>
+            <a:lnRef idx="2">
+              <a:schemeClr val="accent1">
+                <a:shade val="50000"/>
+              </a:schemeClr>
+            </a:lnRef>
+            <a:fillRef idx="1">
+              <a:schemeClr val="accent1"/>
+            </a:fillRef>
+            <a:effectRef idx="0">
+              <a:schemeClr val="accent1"/>
+            </a:effectRef>
+            <a:fontRef idx="minor">
+              <a:schemeClr val="lt1"/>
+            </a:fontRef>
+          </p:style>
+          <p:txBody>
+            <a:bodyPr rtlCol="0" anchor="ctr"/>
+            <a:lstStyle/>
+            <a:p>
+              <a:pPr algn="ctr"/>
+              <a:endParaRPr lang="en-US"/>
+            </a:p>
+          </p:txBody>
+        </p:sp>
+        <p:sp>
+          <p:nvSpPr>
+            <p:cNvPr id="55" name="Rectangle 66">
+              <a:extLst>
+                <a:ext uri="{FF2B5EF4-FFF2-40B4-BE49-F238E27FC236}">
+                  <a16:creationId xmlns:a16="http://schemas.microsoft.com/office/drawing/2014/main" id="{D7DD4A6B-2000-4A3E-BBCE-637ED6CDD25E}"/>
+                </a:ext>
+                <a:ext uri="{C183D7F6-B498-43B3-948B-1728B52AA6E4}">
+                  <adec:decorative xmlns:adec="http://schemas.microsoft.com/office/drawing/2017/decorative" val="1"/>
+                </a:ext>
+              </a:extLst>
+            </p:cNvPr>
+            <p:cNvSpPr/>
+            <p:nvPr>
+              <p:extLst>
+                <p:ext uri="{386F3935-93C4-4BCD-93E2-E3B085C9AB24}">
+                  <p16:designElem xmlns:p16="http://schemas.microsoft.com/office/powerpoint/2015/main" val="1"/>
+                </p:ext>
+              </p:extLst>
+            </p:nvPr>
+          </p:nvSpPr>
+          <p:spPr>
+            <a:xfrm>
+              <a:off x="8138122" y="246888"/>
+              <a:ext cx="54368" cy="59227"/>
+            </a:xfrm>
+            <a:prstGeom prst="ellipse">
+              <a:avLst/>
+            </a:prstGeom>
+            <a:solidFill>
+              <a:schemeClr val="accent1"/>
+            </a:solidFill>
+            <a:ln>
+              <a:noFill/>
+            </a:ln>
+          </p:spPr>
+          <p:style>
+            <a:lnRef idx="2">
+              <a:schemeClr val="accent1">
+                <a:shade val="50000"/>
+              </a:schemeClr>
+            </a:lnRef>
+            <a:fillRef idx="1">
+              <a:schemeClr val="accent1"/>
+            </a:fillRef>
+            <a:effectRef idx="0">
+              <a:schemeClr val="accent1"/>
+            </a:effectRef>
+            <a:fontRef idx="minor">
+              <a:schemeClr val="lt1"/>
+            </a:fontRef>
+          </p:style>
+          <p:txBody>
+            <a:bodyPr rtlCol="0" anchor="ctr"/>
+            <a:lstStyle/>
+            <a:p>
+              <a:pPr algn="ctr"/>
+              <a:endParaRPr lang="en-US"/>
+            </a:p>
+          </p:txBody>
+        </p:sp>
+        <p:sp>
+          <p:nvSpPr>
+            <p:cNvPr id="56" name="Rectangle 64">
+              <a:extLst>
+                <a:ext uri="{FF2B5EF4-FFF2-40B4-BE49-F238E27FC236}">
+                  <a16:creationId xmlns:a16="http://schemas.microsoft.com/office/drawing/2014/main" id="{694A6722-0FE9-4640-B93F-C2BAA8956029}"/>
+                </a:ext>
+                <a:ext uri="{C183D7F6-B498-43B3-948B-1728B52AA6E4}">
+                  <adec:decorative xmlns:adec="http://schemas.microsoft.com/office/drawing/2017/decorative" val="1"/>
+                </a:ext>
+              </a:extLst>
+            </p:cNvPr>
+            <p:cNvSpPr/>
+            <p:nvPr>
+              <p:extLst>
+                <p:ext uri="{386F3935-93C4-4BCD-93E2-E3B085C9AB24}">
+                  <p16:designElem xmlns:p16="http://schemas.microsoft.com/office/powerpoint/2015/main" val="1"/>
+                </p:ext>
+              </p:extLst>
+            </p:nvPr>
+          </p:nvSpPr>
+          <p:spPr>
+            <a:xfrm>
+              <a:off x="8013167" y="73152"/>
+              <a:ext cx="54368" cy="59227"/>
+            </a:xfrm>
+            <a:prstGeom prst="ellipse">
+              <a:avLst/>
+            </a:prstGeom>
+            <a:solidFill>
+              <a:schemeClr val="accent1"/>
+            </a:solidFill>
+            <a:ln>
+              <a:noFill/>
+            </a:ln>
+          </p:spPr>
+          <p:style>
+            <a:lnRef idx="2">
+              <a:schemeClr val="accent1">
+                <a:shade val="50000"/>
+              </a:schemeClr>
+            </a:lnRef>
+            <a:fillRef idx="1">
+              <a:schemeClr val="accent1"/>
+            </a:fillRef>
+            <a:effectRef idx="0">
+              <a:schemeClr val="accent1"/>
+            </a:effectRef>
+            <a:fontRef idx="minor">
+              <a:schemeClr val="lt1"/>
+            </a:fontRef>
+          </p:style>
+          <p:txBody>
+            <a:bodyPr rtlCol="0" anchor="ctr"/>
+            <a:lstStyle/>
+            <a:p>
+              <a:pPr algn="ctr"/>
+              <a:endParaRPr lang="en-US"/>
+            </a:p>
+          </p:txBody>
+        </p:sp>
+        <p:sp>
+          <p:nvSpPr>
+            <p:cNvPr id="57" name="Rectangle 66">
+              <a:extLst>
+                <a:ext uri="{FF2B5EF4-FFF2-40B4-BE49-F238E27FC236}">
+                  <a16:creationId xmlns:a16="http://schemas.microsoft.com/office/drawing/2014/main" id="{19F6A010-3765-4FAB-8CCA-7AC1891419D5}"/>
+                </a:ext>
+                <a:ext uri="{C183D7F6-B498-43B3-948B-1728B52AA6E4}">
+                  <adec:decorative xmlns:adec="http://schemas.microsoft.com/office/drawing/2017/decorative" val="1"/>
+                </a:ext>
+              </a:extLst>
+            </p:cNvPr>
+            <p:cNvSpPr/>
+            <p:nvPr>
+              <p:extLst>
+                <p:ext uri="{386F3935-93C4-4BCD-93E2-E3B085C9AB24}">
+                  <p16:designElem xmlns:p16="http://schemas.microsoft.com/office/powerpoint/2015/main" val="1"/>
+                </p:ext>
+              </p:extLst>
+            </p:nvPr>
+          </p:nvSpPr>
+          <p:spPr>
+            <a:xfrm>
+              <a:off x="8013167" y="246888"/>
+              <a:ext cx="54368" cy="59227"/>
+            </a:xfrm>
+            <a:prstGeom prst="ellipse">
+              <a:avLst/>
+            </a:prstGeom>
+            <a:solidFill>
+              <a:schemeClr val="accent1"/>
+            </a:solidFill>
+            <a:ln>
+              <a:noFill/>
+            </a:ln>
+          </p:spPr>
+          <p:style>
+            <a:lnRef idx="2">
+              <a:schemeClr val="accent1">
+                <a:shade val="50000"/>
+              </a:schemeClr>
+            </a:lnRef>
+            <a:fillRef idx="1">
+              <a:schemeClr val="accent1"/>
+            </a:fillRef>
+            <a:effectRef idx="0">
+              <a:schemeClr val="accent1"/>
+            </a:effectRef>
+            <a:fontRef idx="minor">
+              <a:schemeClr val="lt1"/>
+            </a:fontRef>
+          </p:style>
+          <p:txBody>
+            <a:bodyPr rtlCol="0" anchor="ctr"/>
+            <a:lstStyle/>
+            <a:p>
+              <a:pPr algn="ctr"/>
+              <a:endParaRPr lang="en-US"/>
+            </a:p>
+          </p:txBody>
+        </p:sp>
+        <p:sp>
+          <p:nvSpPr>
+            <p:cNvPr id="58" name="Rectangle 64">
+              <a:extLst>
+                <a:ext uri="{FF2B5EF4-FFF2-40B4-BE49-F238E27FC236}">
+                  <a16:creationId xmlns:a16="http://schemas.microsoft.com/office/drawing/2014/main" id="{2ED876B1-4DDC-4999-864F-EFF32EFF5CD0}"/>
+                </a:ext>
+                <a:ext uri="{C183D7F6-B498-43B3-948B-1728B52AA6E4}">
+                  <adec:decorative xmlns:adec="http://schemas.microsoft.com/office/drawing/2017/decorative" val="1"/>
+                </a:ext>
+              </a:extLst>
+            </p:cNvPr>
+            <p:cNvSpPr/>
+            <p:nvPr>
+              <p:extLst>
+                <p:ext uri="{386F3935-93C4-4BCD-93E2-E3B085C9AB24}">
+                  <p16:designElem xmlns:p16="http://schemas.microsoft.com/office/powerpoint/2015/main" val="1"/>
+                </p:ext>
+              </p:extLst>
+            </p:nvPr>
+          </p:nvSpPr>
+          <p:spPr>
+            <a:xfrm>
+              <a:off x="7888211" y="73152"/>
+              <a:ext cx="54368" cy="59227"/>
+            </a:xfrm>
+            <a:prstGeom prst="ellipse">
+              <a:avLst/>
+            </a:prstGeom>
+            <a:solidFill>
+              <a:schemeClr val="accent1"/>
+            </a:solidFill>
+            <a:ln>
+              <a:noFill/>
+            </a:ln>
+          </p:spPr>
+          <p:style>
+            <a:lnRef idx="2">
+              <a:schemeClr val="accent1">
+                <a:shade val="50000"/>
+              </a:schemeClr>
+            </a:lnRef>
+            <a:fillRef idx="1">
+              <a:schemeClr val="accent1"/>
+            </a:fillRef>
+            <a:effectRef idx="0">
+              <a:schemeClr val="accent1"/>
+            </a:effectRef>
+            <a:fontRef idx="minor">
+              <a:schemeClr val="lt1"/>
+            </a:fontRef>
+          </p:style>
+          <p:txBody>
+            <a:bodyPr rtlCol="0" anchor="ctr"/>
+            <a:lstStyle/>
+            <a:p>
+              <a:pPr algn="ctr"/>
+              <a:endParaRPr lang="en-US"/>
+            </a:p>
+          </p:txBody>
+        </p:sp>
+        <p:sp>
+          <p:nvSpPr>
+            <p:cNvPr id="59" name="Rectangle 66">
+              <a:extLst>
+                <a:ext uri="{FF2B5EF4-FFF2-40B4-BE49-F238E27FC236}">
+                  <a16:creationId xmlns:a16="http://schemas.microsoft.com/office/drawing/2014/main" id="{2DD9B48A-E7DB-4540-8781-F434856A7551}"/>
+                </a:ext>
+                <a:ext uri="{C183D7F6-B498-43B3-948B-1728B52AA6E4}">
+                  <adec:decorative xmlns:adec="http://schemas.microsoft.com/office/drawing/2017/decorative" val="1"/>
+                </a:ext>
+              </a:extLst>
+            </p:cNvPr>
+            <p:cNvSpPr/>
+            <p:nvPr>
+              <p:extLst>
+                <p:ext uri="{386F3935-93C4-4BCD-93E2-E3B085C9AB24}">
+                  <p16:designElem xmlns:p16="http://schemas.microsoft.com/office/powerpoint/2015/main" val="1"/>
+                </p:ext>
+              </p:extLst>
+            </p:nvPr>
+          </p:nvSpPr>
+          <p:spPr>
+            <a:xfrm>
+              <a:off x="7888211" y="246888"/>
+              <a:ext cx="54368" cy="59227"/>
+            </a:xfrm>
+            <a:prstGeom prst="ellipse">
+              <a:avLst/>
+            </a:prstGeom>
+            <a:solidFill>
+              <a:schemeClr val="accent1"/>
+            </a:solidFill>
+            <a:ln>
+              <a:noFill/>
+            </a:ln>
+          </p:spPr>
+          <p:style>
+            <a:lnRef idx="2">
+              <a:schemeClr val="accent1">
+                <a:shade val="50000"/>
+              </a:schemeClr>
+            </a:lnRef>
+            <a:fillRef idx="1">
+              <a:schemeClr val="accent1"/>
+            </a:fillRef>
+            <a:effectRef idx="0">
+              <a:schemeClr val="accent1"/>
+            </a:effectRef>
+            <a:fontRef idx="minor">
+              <a:schemeClr val="lt1"/>
+            </a:fontRef>
+          </p:style>
+          <p:txBody>
+            <a:bodyPr rtlCol="0" anchor="ctr"/>
+            <a:lstStyle/>
+            <a:p>
+              <a:pPr algn="ctr"/>
+              <a:endParaRPr lang="en-US"/>
+            </a:p>
+          </p:txBody>
+        </p:sp>
+        <p:sp>
+          <p:nvSpPr>
+            <p:cNvPr id="60" name="Rectangle 64">
+              <a:extLst>
+                <a:ext uri="{FF2B5EF4-FFF2-40B4-BE49-F238E27FC236}">
+                  <a16:creationId xmlns:a16="http://schemas.microsoft.com/office/drawing/2014/main" id="{2BEF54FF-8FAE-4B7F-ACE8-52ED70B04ED9}"/>
+                </a:ext>
+                <a:ext uri="{C183D7F6-B498-43B3-948B-1728B52AA6E4}">
+                  <adec:decorative xmlns:adec="http://schemas.microsoft.com/office/drawing/2017/decorative" val="1"/>
+                </a:ext>
+              </a:extLst>
+            </p:cNvPr>
+            <p:cNvSpPr/>
+            <p:nvPr>
+              <p:extLst>
+                <p:ext uri="{386F3935-93C4-4BCD-93E2-E3B085C9AB24}">
+                  <p16:designElem xmlns:p16="http://schemas.microsoft.com/office/powerpoint/2015/main" val="1"/>
+                </p:ext>
+              </p:extLst>
+            </p:nvPr>
+          </p:nvSpPr>
+          <p:spPr>
+            <a:xfrm>
+              <a:off x="7763256" y="73152"/>
+              <a:ext cx="54368" cy="59227"/>
+            </a:xfrm>
+            <a:prstGeom prst="ellipse">
+              <a:avLst/>
+            </a:prstGeom>
+            <a:solidFill>
+              <a:schemeClr val="accent1"/>
+            </a:solidFill>
+            <a:ln>
+              <a:noFill/>
+            </a:ln>
+          </p:spPr>
+          <p:style>
+            <a:lnRef idx="2">
+              <a:schemeClr val="accent1">
+                <a:shade val="50000"/>
+              </a:schemeClr>
+            </a:lnRef>
+            <a:fillRef idx="1">
+              <a:schemeClr val="accent1"/>
+            </a:fillRef>
+            <a:effectRef idx="0">
+              <a:schemeClr val="accent1"/>
+            </a:effectRef>
+            <a:fontRef idx="minor">
+              <a:schemeClr val="lt1"/>
+            </a:fontRef>
+          </p:style>
+          <p:txBody>
+            <a:bodyPr rtlCol="0" anchor="ctr"/>
+            <a:lstStyle/>
+            <a:p>
+              <a:pPr algn="ctr"/>
+              <a:endParaRPr lang="en-US"/>
+            </a:p>
+          </p:txBody>
+        </p:sp>
+        <p:sp>
+          <p:nvSpPr>
+            <p:cNvPr id="61" name="Rectangle 66">
+              <a:extLst>
+                <a:ext uri="{FF2B5EF4-FFF2-40B4-BE49-F238E27FC236}">
+                  <a16:creationId xmlns:a16="http://schemas.microsoft.com/office/drawing/2014/main" id="{16F687E9-D21B-46CB-8A13-9BFDA780F6D2}"/>
+                </a:ext>
+                <a:ext uri="{C183D7F6-B498-43B3-948B-1728B52AA6E4}">
+                  <adec:decorative xmlns:adec="http://schemas.microsoft.com/office/drawing/2017/decorative" val="1"/>
+                </a:ext>
+              </a:extLst>
+            </p:cNvPr>
+            <p:cNvSpPr/>
+            <p:nvPr>
+              <p:extLst>
+                <p:ext uri="{386F3935-93C4-4BCD-93E2-E3B085C9AB24}">
+                  <p16:designElem xmlns:p16="http://schemas.microsoft.com/office/powerpoint/2015/main" val="1"/>
+                </p:ext>
+              </p:extLst>
+            </p:nvPr>
+          </p:nvSpPr>
+          <p:spPr>
+            <a:xfrm>
+              <a:off x="7763256" y="246888"/>
+              <a:ext cx="54368" cy="59227"/>
+            </a:xfrm>
+            <a:prstGeom prst="ellipse">
+              <a:avLst/>
+            </a:prstGeom>
+            <a:solidFill>
+              <a:schemeClr val="accent1"/>
+            </a:solidFill>
+            <a:ln>
+              <a:noFill/>
+            </a:ln>
+          </p:spPr>
+          <p:style>
+            <a:lnRef idx="2">
+              <a:schemeClr val="accent1">
+                <a:shade val="50000"/>
+              </a:schemeClr>
+            </a:lnRef>
+            <a:fillRef idx="1">
+              <a:schemeClr val="accent1"/>
+            </a:fillRef>
+            <a:effectRef idx="0">
+              <a:schemeClr val="accent1"/>
+            </a:effectRef>
+            <a:fontRef idx="minor">
+              <a:schemeClr val="lt1"/>
+            </a:fontRef>
+          </p:style>
+          <p:txBody>
+            <a:bodyPr rtlCol="0" anchor="ctr"/>
+            <a:lstStyle/>
+            <a:p>
+              <a:pPr algn="ctr"/>
+              <a:endParaRPr lang="en-US"/>
+            </a:p>
+          </p:txBody>
+        </p:sp>
+        <p:sp>
+          <p:nvSpPr>
+            <p:cNvPr id="62" name="Rectangle 64">
+              <a:extLst>
+                <a:ext uri="{FF2B5EF4-FFF2-40B4-BE49-F238E27FC236}">
+                  <a16:creationId xmlns:a16="http://schemas.microsoft.com/office/drawing/2014/main" id="{49C0A7C4-BA67-480B-9F9A-E965357562B0}"/>
+                </a:ext>
+                <a:ext uri="{C183D7F6-B498-43B3-948B-1728B52AA6E4}">
+                  <adec:decorative xmlns:adec="http://schemas.microsoft.com/office/drawing/2017/decorative" val="1"/>
+                </a:ext>
+              </a:extLst>
+            </p:cNvPr>
+            <p:cNvSpPr/>
+            <p:nvPr>
+              <p:extLst>
+                <p:ext uri="{386F3935-93C4-4BCD-93E2-E3B085C9AB24}">
+                  <p16:designElem xmlns:p16="http://schemas.microsoft.com/office/powerpoint/2015/main" val="1"/>
+                </p:ext>
+              </p:extLst>
+            </p:nvPr>
+          </p:nvSpPr>
+          <p:spPr>
+            <a:xfrm>
+              <a:off x="8887854" y="73152"/>
+              <a:ext cx="54368" cy="59227"/>
+            </a:xfrm>
+            <a:prstGeom prst="ellipse">
+              <a:avLst/>
+            </a:prstGeom>
+            <a:solidFill>
+              <a:schemeClr val="accent1"/>
+            </a:solidFill>
+            <a:ln>
+              <a:noFill/>
+            </a:ln>
+          </p:spPr>
+          <p:style>
+            <a:lnRef idx="2">
+              <a:schemeClr val="accent1">
+                <a:shade val="50000"/>
+              </a:schemeClr>
+            </a:lnRef>
+            <a:fillRef idx="1">
+              <a:schemeClr val="accent1"/>
+            </a:fillRef>
+            <a:effectRef idx="0">
+              <a:schemeClr val="accent1"/>
+            </a:effectRef>
+            <a:fontRef idx="minor">
+              <a:schemeClr val="lt1"/>
+            </a:fontRef>
+          </p:style>
+          <p:txBody>
+            <a:bodyPr rtlCol="0" anchor="ctr"/>
+            <a:lstStyle/>
+            <a:p>
+              <a:pPr algn="ctr"/>
+              <a:endParaRPr lang="en-US"/>
+            </a:p>
+          </p:txBody>
+        </p:sp>
+        <p:sp>
+          <p:nvSpPr>
+            <p:cNvPr id="63" name="Rectangle 66">
+              <a:extLst>
+                <a:ext uri="{FF2B5EF4-FFF2-40B4-BE49-F238E27FC236}">
+                  <a16:creationId xmlns:a16="http://schemas.microsoft.com/office/drawing/2014/main" id="{5C27E413-D9C4-45A2-AB5A-A006127984CF}"/>
+                </a:ext>
+                <a:ext uri="{C183D7F6-B498-43B3-948B-1728B52AA6E4}">
+                  <adec:decorative xmlns:adec="http://schemas.microsoft.com/office/drawing/2017/decorative" val="1"/>
+                </a:ext>
+              </a:extLst>
+            </p:cNvPr>
+            <p:cNvSpPr/>
+            <p:nvPr>
+              <p:extLst>
+                <p:ext uri="{386F3935-93C4-4BCD-93E2-E3B085C9AB24}">
+                  <p16:designElem xmlns:p16="http://schemas.microsoft.com/office/powerpoint/2015/main" val="1"/>
+                </p:ext>
+              </p:extLst>
+            </p:nvPr>
+          </p:nvSpPr>
+          <p:spPr>
+            <a:xfrm>
+              <a:off x="8887854" y="246888"/>
+              <a:ext cx="54368" cy="59227"/>
+            </a:xfrm>
+            <a:prstGeom prst="ellipse">
+              <a:avLst/>
+            </a:prstGeom>
+            <a:solidFill>
+              <a:schemeClr val="accent1"/>
+            </a:solidFill>
+            <a:ln>
+              <a:noFill/>
+            </a:ln>
+          </p:spPr>
+          <p:style>
+            <a:lnRef idx="2">
+              <a:schemeClr val="accent1">
+                <a:shade val="50000"/>
+              </a:schemeClr>
+            </a:lnRef>
+            <a:fillRef idx="1">
+              <a:schemeClr val="accent1"/>
+            </a:fillRef>
+            <a:effectRef idx="0">
+              <a:schemeClr val="accent1"/>
+            </a:effectRef>
+            <a:fontRef idx="minor">
+              <a:schemeClr val="lt1"/>
+            </a:fontRef>
+          </p:style>
+          <p:txBody>
+            <a:bodyPr rtlCol="0" anchor="ctr"/>
+            <a:lstStyle/>
+            <a:p>
+              <a:pPr algn="ctr"/>
+              <a:endParaRPr lang="en-US"/>
+            </a:p>
+          </p:txBody>
+        </p:sp>
+        <p:sp>
+          <p:nvSpPr>
+            <p:cNvPr id="64" name="Rectangle 64">
+              <a:extLst>
+                <a:ext uri="{FF2B5EF4-FFF2-40B4-BE49-F238E27FC236}">
+                  <a16:creationId xmlns:a16="http://schemas.microsoft.com/office/drawing/2014/main" id="{76F8DD1F-1A00-4D5A-B979-33A41277C910}"/>
+                </a:ext>
+                <a:ext uri="{C183D7F6-B498-43B3-948B-1728B52AA6E4}">
+                  <adec:decorative xmlns:adec="http://schemas.microsoft.com/office/drawing/2017/decorative" val="1"/>
+                </a:ext>
+              </a:extLst>
+            </p:cNvPr>
+            <p:cNvSpPr/>
+            <p:nvPr>
+              <p:extLst>
+                <p:ext uri="{386F3935-93C4-4BCD-93E2-E3B085C9AB24}">
+                  <p16:designElem xmlns:p16="http://schemas.microsoft.com/office/powerpoint/2015/main" val="1"/>
+                </p:ext>
+              </p:extLst>
+            </p:nvPr>
+          </p:nvSpPr>
+          <p:spPr>
+            <a:xfrm>
+              <a:off x="8762899" y="73152"/>
+              <a:ext cx="54368" cy="59227"/>
+            </a:xfrm>
+            <a:prstGeom prst="ellipse">
+              <a:avLst/>
+            </a:prstGeom>
+            <a:solidFill>
+              <a:schemeClr val="accent1"/>
+            </a:solidFill>
+            <a:ln>
+              <a:noFill/>
+            </a:ln>
+          </p:spPr>
+          <p:style>
+            <a:lnRef idx="2">
+              <a:schemeClr val="accent1">
+                <a:shade val="50000"/>
+              </a:schemeClr>
+            </a:lnRef>
+            <a:fillRef idx="1">
+              <a:schemeClr val="accent1"/>
+            </a:fillRef>
+            <a:effectRef idx="0">
+              <a:schemeClr val="accent1"/>
+            </a:effectRef>
+            <a:fontRef idx="minor">
+              <a:schemeClr val="lt1"/>
+            </a:fontRef>
+          </p:style>
+          <p:txBody>
+            <a:bodyPr rtlCol="0" anchor="ctr"/>
+            <a:lstStyle/>
+            <a:p>
+              <a:pPr algn="ctr"/>
+              <a:endParaRPr lang="en-US"/>
+            </a:p>
+          </p:txBody>
+        </p:sp>
+        <p:sp>
+          <p:nvSpPr>
+            <p:cNvPr id="65" name="Rectangle 66">
+              <a:extLst>
+                <a:ext uri="{FF2B5EF4-FFF2-40B4-BE49-F238E27FC236}">
+                  <a16:creationId xmlns:a16="http://schemas.microsoft.com/office/drawing/2014/main" id="{D16F8034-114D-4513-A6BD-F05ABF9AF478}"/>
+                </a:ext>
+                <a:ext uri="{C183D7F6-B498-43B3-948B-1728B52AA6E4}">
+                  <adec:decorative xmlns:adec="http://schemas.microsoft.com/office/drawing/2017/decorative" val="1"/>
+                </a:ext>
+              </a:extLst>
+            </p:cNvPr>
+            <p:cNvSpPr/>
+            <p:nvPr>
+              <p:extLst>
+                <p:ext uri="{386F3935-93C4-4BCD-93E2-E3B085C9AB24}">
+                  <p16:designElem xmlns:p16="http://schemas.microsoft.com/office/powerpoint/2015/main" val="1"/>
+                </p:ext>
+              </p:extLst>
+            </p:nvPr>
+          </p:nvSpPr>
+          <p:spPr>
+            <a:xfrm>
+              <a:off x="8762899" y="246888"/>
+              <a:ext cx="54368" cy="59227"/>
+            </a:xfrm>
+            <a:prstGeom prst="ellipse">
+              <a:avLst/>
+            </a:prstGeom>
+            <a:solidFill>
+              <a:schemeClr val="accent1"/>
+            </a:solidFill>
+            <a:ln>
+              <a:noFill/>
+            </a:ln>
+          </p:spPr>
+          <p:style>
+            <a:lnRef idx="2">
+              <a:schemeClr val="accent1">
+                <a:shade val="50000"/>
+              </a:schemeClr>
+            </a:lnRef>
+            <a:fillRef idx="1">
+              <a:schemeClr val="accent1"/>
+            </a:fillRef>
+            <a:effectRef idx="0">
+              <a:schemeClr val="accent1"/>
+            </a:effectRef>
+            <a:fontRef idx="minor">
+              <a:schemeClr val="lt1"/>
+            </a:fontRef>
+          </p:style>
+          <p:txBody>
+            <a:bodyPr rtlCol="0" anchor="ctr"/>
+            <a:lstStyle/>
+            <a:p>
+              <a:pPr algn="ctr"/>
+              <a:endParaRPr lang="en-US"/>
+            </a:p>
+          </p:txBody>
+        </p:sp>
+        <p:sp>
+          <p:nvSpPr>
+            <p:cNvPr id="66" name="Rectangle 64">
+              <a:extLst>
+                <a:ext uri="{FF2B5EF4-FFF2-40B4-BE49-F238E27FC236}">
+                  <a16:creationId xmlns:a16="http://schemas.microsoft.com/office/drawing/2014/main" id="{1DAD48F0-0B0E-40E2-9ED5-E0FBB99C44FE}"/>
+                </a:ext>
+                <a:ext uri="{C183D7F6-B498-43B3-948B-1728B52AA6E4}">
+                  <adec:decorative xmlns:adec="http://schemas.microsoft.com/office/drawing/2017/decorative" val="1"/>
+                </a:ext>
+              </a:extLst>
+            </p:cNvPr>
+            <p:cNvSpPr/>
+            <p:nvPr>
+              <p:extLst>
+                <p:ext uri="{386F3935-93C4-4BCD-93E2-E3B085C9AB24}">
+                  <p16:designElem xmlns:p16="http://schemas.microsoft.com/office/powerpoint/2015/main" val="1"/>
+                </p:ext>
+              </p:extLst>
+            </p:nvPr>
+          </p:nvSpPr>
+          <p:spPr>
+            <a:xfrm>
+              <a:off x="8637944" y="73152"/>
+              <a:ext cx="54368" cy="59227"/>
+            </a:xfrm>
+            <a:prstGeom prst="ellipse">
+              <a:avLst/>
+            </a:prstGeom>
+            <a:solidFill>
+              <a:schemeClr val="accent1"/>
+            </a:solidFill>
+            <a:ln>
+              <a:noFill/>
+            </a:ln>
+          </p:spPr>
+          <p:style>
+            <a:lnRef idx="2">
+              <a:schemeClr val="accent1">
+                <a:shade val="50000"/>
+              </a:schemeClr>
+            </a:lnRef>
+            <a:fillRef idx="1">
+              <a:schemeClr val="accent1"/>
+            </a:fillRef>
+            <a:effectRef idx="0">
+              <a:schemeClr val="accent1"/>
+            </a:effectRef>
+            <a:fontRef idx="minor">
+              <a:schemeClr val="lt1"/>
+            </a:fontRef>
+          </p:style>
+          <p:txBody>
+            <a:bodyPr rtlCol="0" anchor="ctr"/>
+            <a:lstStyle/>
+            <a:p>
+              <a:pPr algn="ctr"/>
+              <a:endParaRPr lang="en-US"/>
+            </a:p>
+          </p:txBody>
+        </p:sp>
+        <p:sp>
+          <p:nvSpPr>
+            <p:cNvPr id="67" name="Rectangle 66">
+              <a:extLst>
+                <a:ext uri="{FF2B5EF4-FFF2-40B4-BE49-F238E27FC236}">
+                  <a16:creationId xmlns:a16="http://schemas.microsoft.com/office/drawing/2014/main" id="{A58F217F-BBAB-4ACB-91C0-B119DEFDC6F4}"/>
+                </a:ext>
+                <a:ext uri="{C183D7F6-B498-43B3-948B-1728B52AA6E4}">
+                  <adec:decorative xmlns:adec="http://schemas.microsoft.com/office/drawing/2017/decorative" val="1"/>
+                </a:ext>
+              </a:extLst>
+            </p:cNvPr>
+            <p:cNvSpPr/>
+            <p:nvPr>
+              <p:extLst>
+                <p:ext uri="{386F3935-93C4-4BCD-93E2-E3B085C9AB24}">
+                  <p16:designElem xmlns:p16="http://schemas.microsoft.com/office/powerpoint/2015/main" val="1"/>
+                </p:ext>
+              </p:extLst>
+            </p:nvPr>
+          </p:nvSpPr>
+          <p:spPr>
+            <a:xfrm>
+              <a:off x="8637944" y="246888"/>
+              <a:ext cx="54368" cy="59227"/>
+            </a:xfrm>
+            <a:prstGeom prst="ellipse">
+              <a:avLst/>
+            </a:prstGeom>
+            <a:solidFill>
+              <a:schemeClr val="accent1"/>
+            </a:solidFill>
+            <a:ln>
+              <a:noFill/>
+            </a:ln>
+          </p:spPr>
+          <p:style>
+            <a:lnRef idx="2">
+              <a:schemeClr val="accent1">
+                <a:shade val="50000"/>
+              </a:schemeClr>
+            </a:lnRef>
+            <a:fillRef idx="1">
+              <a:schemeClr val="accent1"/>
+            </a:fillRef>
+            <a:effectRef idx="0">
+              <a:schemeClr val="accent1"/>
+            </a:effectRef>
+            <a:fontRef idx="minor">
+              <a:schemeClr val="lt1"/>
+            </a:fontRef>
+          </p:style>
+          <p:txBody>
+            <a:bodyPr rtlCol="0" anchor="ctr"/>
+            <a:lstStyle/>
+            <a:p>
+              <a:pPr algn="ctr"/>
+              <a:endParaRPr lang="en-US"/>
+            </a:p>
+          </p:txBody>
+        </p:sp>
+        <p:sp>
+          <p:nvSpPr>
+            <p:cNvPr id="68" name="Rectangle 64">
+              <a:extLst>
+                <a:ext uri="{FF2B5EF4-FFF2-40B4-BE49-F238E27FC236}">
+                  <a16:creationId xmlns:a16="http://schemas.microsoft.com/office/drawing/2014/main" id="{17D6638B-4C45-4C73-AFE3-8C41F939A9B8}"/>
+                </a:ext>
+                <a:ext uri="{C183D7F6-B498-43B3-948B-1728B52AA6E4}">
+                  <adec:decorative xmlns:adec="http://schemas.microsoft.com/office/drawing/2017/decorative" val="1"/>
+                </a:ext>
+              </a:extLst>
+            </p:cNvPr>
+            <p:cNvSpPr/>
+            <p:nvPr>
+              <p:extLst>
+                <p:ext uri="{386F3935-93C4-4BCD-93E2-E3B085C9AB24}">
+                  <p16:designElem xmlns:p16="http://schemas.microsoft.com/office/powerpoint/2015/main" val="1"/>
+                </p:ext>
+              </p:extLst>
+            </p:nvPr>
+          </p:nvSpPr>
+          <p:spPr>
+            <a:xfrm>
+              <a:off x="8512988" y="73152"/>
+              <a:ext cx="54368" cy="59227"/>
+            </a:xfrm>
+            <a:prstGeom prst="ellipse">
+              <a:avLst/>
+            </a:prstGeom>
+            <a:solidFill>
+              <a:schemeClr val="accent1"/>
+            </a:solidFill>
+            <a:ln>
+              <a:noFill/>
+            </a:ln>
+          </p:spPr>
+          <p:style>
+            <a:lnRef idx="2">
+              <a:schemeClr val="accent1">
+                <a:shade val="50000"/>
+              </a:schemeClr>
+            </a:lnRef>
+            <a:fillRef idx="1">
+              <a:schemeClr val="accent1"/>
+            </a:fillRef>
+            <a:effectRef idx="0">
+              <a:schemeClr val="accent1"/>
+            </a:effectRef>
+            <a:fontRef idx="minor">
+              <a:schemeClr val="lt1"/>
+            </a:fontRef>
+          </p:style>
+          <p:txBody>
+            <a:bodyPr rtlCol="0" anchor="ctr"/>
+            <a:lstStyle/>
+            <a:p>
+              <a:pPr algn="ctr"/>
+              <a:endParaRPr lang="en-US"/>
+            </a:p>
+          </p:txBody>
+        </p:sp>
+        <p:sp>
+          <p:nvSpPr>
+            <p:cNvPr id="69" name="Rectangle 66">
+              <a:extLst>
+                <a:ext uri="{FF2B5EF4-FFF2-40B4-BE49-F238E27FC236}">
+                  <a16:creationId xmlns:a16="http://schemas.microsoft.com/office/drawing/2014/main" id="{31A3013F-24A0-486B-A892-92E42BD7418A}"/>
+                </a:ext>
+                <a:ext uri="{C183D7F6-B498-43B3-948B-1728B52AA6E4}">
+                  <adec:decorative xmlns:adec="http://schemas.microsoft.com/office/drawing/2017/decorative" val="1"/>
+                </a:ext>
+              </a:extLst>
+            </p:cNvPr>
+            <p:cNvSpPr/>
+            <p:nvPr>
+              <p:extLst>
+                <p:ext uri="{386F3935-93C4-4BCD-93E2-E3B085C9AB24}">
+                  <p16:designElem xmlns:p16="http://schemas.microsoft.com/office/powerpoint/2015/main" val="1"/>
+                </p:ext>
+              </p:extLst>
+            </p:nvPr>
+          </p:nvSpPr>
+          <p:spPr>
+            <a:xfrm>
+              <a:off x="8512988" y="246888"/>
+              <a:ext cx="54368" cy="59227"/>
+            </a:xfrm>
+            <a:prstGeom prst="ellipse">
+              <a:avLst/>
+            </a:prstGeom>
+            <a:solidFill>
+              <a:schemeClr val="accent1"/>
+            </a:solidFill>
+            <a:ln>
+              <a:noFill/>
+            </a:ln>
+          </p:spPr>
+          <p:style>
+            <a:lnRef idx="2">
+              <a:schemeClr val="accent1">
+                <a:shade val="50000"/>
+              </a:schemeClr>
+            </a:lnRef>
+            <a:fillRef idx="1">
+              <a:schemeClr val="accent1"/>
+            </a:fillRef>
+            <a:effectRef idx="0">
+              <a:schemeClr val="accent1"/>
+            </a:effectRef>
+            <a:fontRef idx="minor">
+              <a:schemeClr val="lt1"/>
+            </a:fontRef>
+          </p:style>
+          <p:txBody>
+            <a:bodyPr rtlCol="0" anchor="ctr"/>
+            <a:lstStyle/>
+            <a:p>
+              <a:pPr algn="ctr"/>
+              <a:endParaRPr lang="en-US"/>
+            </a:p>
+          </p:txBody>
+        </p:sp>
+        <p:sp>
+          <p:nvSpPr>
+            <p:cNvPr id="70" name="Rectangle 64">
+              <a:extLst>
+                <a:ext uri="{FF2B5EF4-FFF2-40B4-BE49-F238E27FC236}">
+                  <a16:creationId xmlns:a16="http://schemas.microsoft.com/office/drawing/2014/main" id="{F4540C9F-BC47-470D-A9C2-4AB05FB4C5B3}"/>
+                </a:ext>
+                <a:ext uri="{C183D7F6-B498-43B3-948B-1728B52AA6E4}">
+                  <adec:decorative xmlns:adec="http://schemas.microsoft.com/office/drawing/2017/decorative" val="1"/>
+                </a:ext>
+              </a:extLst>
+            </p:cNvPr>
+            <p:cNvSpPr/>
+            <p:nvPr>
+              <p:extLst>
+                <p:ext uri="{386F3935-93C4-4BCD-93E2-E3B085C9AB24}">
+                  <p16:designElem xmlns:p16="http://schemas.microsoft.com/office/powerpoint/2015/main" val="1"/>
+                </p:ext>
+              </p:extLst>
+            </p:nvPr>
+          </p:nvSpPr>
+          <p:spPr>
+            <a:xfrm>
+              <a:off x="8388033" y="73152"/>
+              <a:ext cx="54368" cy="59227"/>
+            </a:xfrm>
+            <a:prstGeom prst="ellipse">
+              <a:avLst/>
+            </a:prstGeom>
+            <a:solidFill>
+              <a:schemeClr val="accent1"/>
+            </a:solidFill>
+            <a:ln>
+              <a:noFill/>
+            </a:ln>
+          </p:spPr>
+          <p:style>
+            <a:lnRef idx="2">
+              <a:schemeClr val="accent1">
+                <a:shade val="50000"/>
+              </a:schemeClr>
+            </a:lnRef>
+            <a:fillRef idx="1">
+              <a:schemeClr val="accent1"/>
+            </a:fillRef>
+            <a:effectRef idx="0">
+              <a:schemeClr val="accent1"/>
+            </a:effectRef>
+            <a:fontRef idx="minor">
+              <a:schemeClr val="lt1"/>
+            </a:fontRef>
+          </p:style>
+          <p:txBody>
+            <a:bodyPr rtlCol="0" anchor="ctr"/>
+            <a:lstStyle/>
+            <a:p>
+              <a:pPr algn="ctr"/>
+              <a:endParaRPr lang="en-US"/>
+            </a:p>
+          </p:txBody>
+        </p:sp>
+        <p:sp>
+          <p:nvSpPr>
+            <p:cNvPr id="71" name="Rectangle 66">
+              <a:extLst>
+                <a:ext uri="{FF2B5EF4-FFF2-40B4-BE49-F238E27FC236}">
+                  <a16:creationId xmlns:a16="http://schemas.microsoft.com/office/drawing/2014/main" id="{A38505B1-1AD2-47B0-8122-2EB533CBAA45}"/>
+                </a:ext>
+                <a:ext uri="{C183D7F6-B498-43B3-948B-1728B52AA6E4}">
+                  <adec:decorative xmlns:adec="http://schemas.microsoft.com/office/drawing/2017/decorative" val="1"/>
+                </a:ext>
+              </a:extLst>
+            </p:cNvPr>
+            <p:cNvSpPr/>
+            <p:nvPr>
+              <p:extLst>
+                <p:ext uri="{386F3935-93C4-4BCD-93E2-E3B085C9AB24}">
+                  <p16:designElem xmlns:p16="http://schemas.microsoft.com/office/powerpoint/2015/main" val="1"/>
+                </p:ext>
+              </p:extLst>
+            </p:nvPr>
+          </p:nvSpPr>
+          <p:spPr>
+            <a:xfrm>
+              <a:off x="8388033" y="246888"/>
+              <a:ext cx="54368" cy="59227"/>
+            </a:xfrm>
+            <a:prstGeom prst="ellipse">
+              <a:avLst/>
+            </a:prstGeom>
+            <a:solidFill>
+              <a:schemeClr val="accent1"/>
+            </a:solidFill>
+            <a:ln>
+              <a:noFill/>
+            </a:ln>
+          </p:spPr>
+          <p:style>
+            <a:lnRef idx="2">
+              <a:schemeClr val="accent1">
+                <a:shade val="50000"/>
+              </a:schemeClr>
+            </a:lnRef>
+            <a:fillRef idx="1">
+              <a:schemeClr val="accent1"/>
+            </a:fillRef>
+            <a:effectRef idx="0">
+              <a:schemeClr val="accent1"/>
+            </a:effectRef>
+            <a:fontRef idx="minor">
+              <a:schemeClr val="lt1"/>
+            </a:fontRef>
+          </p:style>
+          <p:txBody>
+            <a:bodyPr rtlCol="0" anchor="ctr"/>
+            <a:lstStyle/>
+            <a:p>
+              <a:pPr algn="ctr"/>
+              <a:endParaRPr lang="en-US"/>
+            </a:p>
+          </p:txBody>
+        </p:sp>
+      </p:grpSp>
+      <p:pic>
+        <p:nvPicPr>
+          <p:cNvPr id="5" name="Content Placeholder 4">
+            <a:extLst>
+              <a:ext uri="{FF2B5EF4-FFF2-40B4-BE49-F238E27FC236}">
+                <a16:creationId xmlns:a16="http://schemas.microsoft.com/office/drawing/2014/main" id="{94166459-F31E-48E1-81E1-5A02A858307C}"/>
+              </a:ext>
+            </a:extLst>
+          </p:cNvPr>
+          <p:cNvPicPr>
+            <a:picLocks noGrp="1" noChangeAspect="1"/>
+          </p:cNvPicPr>
           <p:nvPr>
             <p:ph idx="1"/>
           </p:nvPr>
-        </p:nvSpPr>
-        <p:spPr/>
-        <p:txBody>
-          <a:bodyPr/>
-          <a:lstStyle/>
-          <a:p>
-            <a:endParaRPr lang="en-US"/>
-          </a:p>
-        </p:txBody>
-      </p:sp>
+        </p:nvPicPr>
+        <p:blipFill>
+          <a:blip r:embed="rId2"/>
+          <a:stretch>
+            <a:fillRect/>
+          </a:stretch>
+        </p:blipFill>
+        <p:spPr>
+          <a:xfrm>
+            <a:off x="7298146" y="382384"/>
+            <a:ext cx="2835497" cy="6118169"/>
+          </a:xfrm>
+          <a:prstGeom prst="rect">
+            <a:avLst/>
+          </a:prstGeom>
+        </p:spPr>
+      </p:pic>
     </p:spTree>
     <p:extLst>
       <p:ext uri="{BB962C8B-B14F-4D97-AF65-F5344CB8AC3E}">
@@ -4201,6 +9073,14 @@
 <file path=ppt/slides/slide5.xml><?xml version="1.0" encoding="utf-8"?>
 <p:sld xmlns:a="http://schemas.openxmlformats.org/drawingml/2006/main" xmlns:r="http://schemas.openxmlformats.org/officeDocument/2006/relationships" xmlns:p="http://schemas.openxmlformats.org/presentationml/2006/main">
   <p:cSld>
+    <p:bg>
+      <p:bgPr>
+        <a:solidFill>
+          <a:schemeClr val="bg1"/>
+        </a:solidFill>
+        <a:effectLst/>
+      </p:bgPr>
+    </p:bg>
     <p:spTree>
       <p:nvGrpSpPr>
         <p:cNvPr id="1" name=""/>
@@ -4217,6 +9097,72 @@
       </p:grpSpPr>
       <p:sp>
         <p:nvSpPr>
+          <p:cNvPr id="73" name="Down Arrow 7">
+            <a:extLst>
+              <a:ext uri="{FF2B5EF4-FFF2-40B4-BE49-F238E27FC236}">
+                <a16:creationId xmlns:a16="http://schemas.microsoft.com/office/drawing/2014/main" id="{D4771268-CB57-404A-9271-370EB28F6090}"/>
+              </a:ext>
+              <a:ext uri="{C183D7F6-B498-43B3-948B-1728B52AA6E4}">
+                <adec:decorative xmlns:adec="http://schemas.microsoft.com/office/drawing/2017/decorative" val="1"/>
+              </a:ext>
+            </a:extLst>
+          </p:cNvPr>
+          <p:cNvSpPr>
+            <a:spLocks noGrp="1" noRot="1" noChangeAspect="1" noMove="1" noResize="1" noEditPoints="1" noAdjustHandles="1" noChangeArrowheads="1" noChangeShapeType="1" noTextEdit="1"/>
+          </p:cNvSpPr>
+          <p:nvPr>
+            <p:extLst>
+              <p:ext uri="{386F3935-93C4-4BCD-93E2-E3B085C9AB24}">
+                <p16:designElem xmlns:p16="http://schemas.microsoft.com/office/powerpoint/2015/main" val="1"/>
+              </p:ext>
+            </p:extLst>
+          </p:nvPr>
+        </p:nvSpPr>
+        <p:spPr>
+          <a:xfrm rot="16200000">
+            <a:off x="800100" y="1491343"/>
+            <a:ext cx="3333749" cy="3499103"/>
+          </a:xfrm>
+          <a:prstGeom prst="downArrow">
+            <a:avLst>
+              <a:gd name="adj1" fmla="val 100000"/>
+              <a:gd name="adj2" fmla="val 15788"/>
+            </a:avLst>
+          </a:prstGeom>
+          <a:solidFill>
+            <a:srgbClr val="404040"/>
+          </a:solidFill>
+          <a:ln w="53975">
+            <a:noFill/>
+          </a:ln>
+        </p:spPr>
+        <p:style>
+          <a:lnRef idx="2">
+            <a:schemeClr val="accent1">
+              <a:shade val="50000"/>
+            </a:schemeClr>
+          </a:lnRef>
+          <a:fillRef idx="1">
+            <a:schemeClr val="accent1"/>
+          </a:fillRef>
+          <a:effectRef idx="0">
+            <a:schemeClr val="accent1"/>
+          </a:effectRef>
+          <a:fontRef idx="minor">
+            <a:schemeClr val="lt1"/>
+          </a:fontRef>
+        </p:style>
+        <p:txBody>
+          <a:bodyPr rtlCol="0" anchor="ctr"/>
+          <a:lstStyle/>
+          <a:p>
+            <a:pPr algn="ctr"/>
+            <a:endParaRPr lang="en-US"/>
+          </a:p>
+        </p:txBody>
+      </p:sp>
+      <p:sp>
+        <p:nvSpPr>
           <p:cNvPr id="2" name="Title 1">
             <a:extLst>
               <a:ext uri="{FF2B5EF4-FFF2-40B4-BE49-F238E27FC236}">
@@ -4231,48 +9177,82 @@
             <p:ph type="title"/>
           </p:nvPr>
         </p:nvSpPr>
-        <p:spPr/>
-        <p:txBody>
-          <a:bodyPr/>
+        <p:spPr>
+          <a:xfrm>
+            <a:off x="1028700" y="1967266"/>
+            <a:ext cx="2628900" cy="2547257"/>
+          </a:xfrm>
+          <a:noFill/>
+        </p:spPr>
+        <p:txBody>
+          <a:bodyPr vert="horz" lIns="91440" tIns="45720" rIns="91440" bIns="45720" rtlCol="0" anchor="ctr">
+            <a:normAutofit/>
+          </a:bodyPr>
           <a:lstStyle/>
           <a:p>
             <a:pPr algn="ctr"/>
             <a:r>
-              <a:rPr lang="ru-RU" dirty="0"/>
-              <a:t>Паттерн </a:t>
-            </a:r>
-            <a:r>
-              <a:rPr lang="en-US" dirty="0"/>
-              <a:t>MVC</a:t>
-            </a:r>
-          </a:p>
-        </p:txBody>
-      </p:sp>
-      <p:sp>
-        <p:nvSpPr>
-          <p:cNvPr id="3" name="Content Placeholder 2">
-            <a:extLst>
-              <a:ext uri="{FF2B5EF4-FFF2-40B4-BE49-F238E27FC236}">
-                <a16:creationId xmlns:a16="http://schemas.microsoft.com/office/drawing/2014/main" id="{DE269241-AD76-48D2-B1BB-FC205457D724}"/>
-              </a:ext>
-            </a:extLst>
-          </p:cNvPr>
-          <p:cNvSpPr>
-            <a:spLocks noGrp="1"/>
-          </p:cNvSpPr>
+              <a:rPr lang="en-US" sz="3600" kern="1200">
+                <a:solidFill>
+                  <a:srgbClr val="FFFFFF"/>
+                </a:solidFill>
+                <a:latin typeface="+mj-lt"/>
+                <a:ea typeface="+mj-ea"/>
+                <a:cs typeface="+mj-cs"/>
+              </a:rPr>
+              <a:t>Паттерн MVC</a:t>
+            </a:r>
+          </a:p>
+        </p:txBody>
+      </p:sp>
+      <p:pic>
+        <p:nvPicPr>
+          <p:cNvPr id="1028" name="Picture 4" descr="Model-View-Controller — Википедия">
+            <a:extLst>
+              <a:ext uri="{FF2B5EF4-FFF2-40B4-BE49-F238E27FC236}">
+                <a16:creationId xmlns:a16="http://schemas.microsoft.com/office/drawing/2014/main" id="{71655B71-0723-4EF3-AD79-482A16C2E534}"/>
+              </a:ext>
+            </a:extLst>
+          </p:cNvPr>
+          <p:cNvPicPr>
+            <a:picLocks noGrp="1" noChangeAspect="1" noChangeArrowheads="1"/>
+          </p:cNvPicPr>
           <p:nvPr>
             <p:ph idx="1"/>
           </p:nvPr>
-        </p:nvSpPr>
-        <p:spPr/>
-        <p:txBody>
-          <a:bodyPr/>
-          <a:lstStyle/>
-          <a:p>
-            <a:endParaRPr lang="en-US"/>
-          </a:p>
-        </p:txBody>
-      </p:sp>
+        </p:nvPicPr>
+        <p:blipFill>
+          <a:blip r:embed="rId2">
+            <a:extLst>
+              <a:ext uri="{28A0092B-C50C-407E-A947-70E740481C1C}">
+                <a14:useLocalDpi xmlns:a14="http://schemas.microsoft.com/office/drawing/2010/main" val="0"/>
+              </a:ext>
+            </a:extLst>
+          </a:blip>
+          <a:stretch>
+            <a:fillRect/>
+          </a:stretch>
+        </p:blipFill>
+        <p:spPr bwMode="auto">
+          <a:xfrm>
+            <a:off x="5621957" y="643466"/>
+            <a:ext cx="5091418" cy="5568739"/>
+          </a:xfrm>
+          <a:prstGeom prst="rect">
+            <a:avLst/>
+          </a:prstGeom>
+          <a:noFill/>
+          <a:extLst>
+            <a:ext uri="{909E8E84-426E-40DD-AFC4-6F175D3DCCD1}">
+              <a14:hiddenFill xmlns:a14="http://schemas.microsoft.com/office/drawing/2010/main">
+                <a:solidFill>
+                  <a:srgbClr val="FFFFFF"/>
+                </a:solidFill>
+              </a14:hiddenFill>
+            </a:ext>
+          </a:extLst>
+        </p:spPr>
+      </p:pic>
     </p:spTree>
     <p:extLst>
       <p:ext uri="{BB962C8B-B14F-4D97-AF65-F5344CB8AC3E}">
@@ -4289,6 +9269,14 @@
 <file path=ppt/slides/slide6.xml><?xml version="1.0" encoding="utf-8"?>
 <p:sld xmlns:a="http://schemas.openxmlformats.org/drawingml/2006/main" xmlns:r="http://schemas.openxmlformats.org/officeDocument/2006/relationships" xmlns:p="http://schemas.openxmlformats.org/presentationml/2006/main">
   <p:cSld>
+    <p:bg>
+      <p:bgPr>
+        <a:solidFill>
+          <a:schemeClr val="bg1"/>
+        </a:solidFill>
+        <a:effectLst/>
+      </p:bgPr>
+    </p:bg>
     <p:spTree>
       <p:nvGrpSpPr>
         <p:cNvPr id="1" name=""/>
@@ -4305,6 +9293,98 @@
       </p:grpSpPr>
       <p:sp>
         <p:nvSpPr>
+          <p:cNvPr id="13" name="Rectangle 9">
+            <a:extLst>
+              <a:ext uri="{FF2B5EF4-FFF2-40B4-BE49-F238E27FC236}">
+                <a16:creationId xmlns:a16="http://schemas.microsoft.com/office/drawing/2014/main" id="{4038CB10-1F5C-4D54-9DF7-12586DE5B007}"/>
+              </a:ext>
+              <a:ext uri="{C183D7F6-B498-43B3-948B-1728B52AA6E4}">
+                <adec:decorative xmlns:adec="http://schemas.microsoft.com/office/drawing/2017/decorative" val="1"/>
+              </a:ext>
+            </a:extLst>
+          </p:cNvPr>
+          <p:cNvSpPr>
+            <a:spLocks noGrp="1" noRot="1" noChangeAspect="1" noMove="1" noResize="1" noEditPoints="1" noAdjustHandles="1" noChangeArrowheads="1" noChangeShapeType="1" noTextEdit="1"/>
+          </p:cNvSpPr>
+          <p:nvPr>
+            <p:extLst>
+              <p:ext uri="{386F3935-93C4-4BCD-93E2-E3B085C9AB24}">
+                <p16:designElem xmlns:p16="http://schemas.microsoft.com/office/powerpoint/2015/main" val="1"/>
+              </p:ext>
+            </p:extLst>
+          </p:nvPr>
+        </p:nvSpPr>
+        <p:spPr>
+          <a:xfrm>
+            <a:off x="327546" y="321732"/>
+            <a:ext cx="7058307" cy="1964266"/>
+          </a:xfrm>
+          <a:prstGeom prst="rect">
+            <a:avLst/>
+          </a:prstGeom>
+          <a:solidFill>
+            <a:srgbClr val="456369"/>
+          </a:solidFill>
+          <a:ln>
+            <a:noFill/>
+          </a:ln>
+        </p:spPr>
+        <p:style>
+          <a:lnRef idx="2">
+            <a:schemeClr val="accent1">
+              <a:shade val="50000"/>
+            </a:schemeClr>
+          </a:lnRef>
+          <a:fillRef idx="1">
+            <a:schemeClr val="accent1"/>
+          </a:fillRef>
+          <a:effectRef idx="0">
+            <a:schemeClr val="accent1"/>
+          </a:effectRef>
+          <a:fontRef idx="minor">
+            <a:schemeClr val="lt1"/>
+          </a:fontRef>
+        </p:style>
+        <p:txBody>
+          <a:bodyPr rtlCol="0" anchor="ctr"/>
+          <a:lstStyle/>
+          <a:p>
+            <a:pPr marL="0" marR="0" lvl="0" indent="0" algn="ctr" defTabSz="914400" rtl="0" eaLnBrk="1" fontAlgn="auto" latinLnBrk="0" hangingPunct="1">
+              <a:lnSpc>
+                <a:spcPct val="100000"/>
+              </a:lnSpc>
+              <a:spcBef>
+                <a:spcPts val="0"/>
+              </a:spcBef>
+              <a:spcAft>
+                <a:spcPts val="0"/>
+              </a:spcAft>
+              <a:buClrTx/>
+              <a:buSzTx/>
+              <a:buFontTx/>
+              <a:buNone/>
+              <a:tabLst/>
+              <a:defRPr/>
+            </a:pPr>
+            <a:endParaRPr kumimoji="0" lang="en-US" sz="1800" b="0" i="0" u="none" strike="noStrike" kern="1200" cap="none" spc="0" normalizeH="0" baseline="0" noProof="0">
+              <a:ln>
+                <a:noFill/>
+              </a:ln>
+              <a:solidFill>
+                <a:prstClr val="white"/>
+              </a:solidFill>
+              <a:effectLst/>
+              <a:uLnTx/>
+              <a:uFillTx/>
+              <a:latin typeface="Calibri" panose="020F0502020204030204"/>
+              <a:ea typeface="+mn-ea"/>
+              <a:cs typeface="+mn-cs"/>
+            </a:endParaRPr>
+          </a:p>
+        </p:txBody>
+      </p:sp>
+      <p:sp>
+        <p:nvSpPr>
           <p:cNvPr id="2" name="Title 1">
             <a:extLst>
               <a:ext uri="{FF2B5EF4-FFF2-40B4-BE49-F238E27FC236}">
@@ -4319,16 +9399,213 @@
             <p:ph type="title"/>
           </p:nvPr>
         </p:nvSpPr>
-        <p:spPr/>
-        <p:txBody>
-          <a:bodyPr/>
+        <p:spPr>
+          <a:xfrm>
+            <a:off x="524256" y="516804"/>
+            <a:ext cx="6594189" cy="1625210"/>
+          </a:xfrm>
+        </p:spPr>
+        <p:txBody>
+          <a:bodyPr>
+            <a:normAutofit/>
+          </a:bodyPr>
           <a:lstStyle/>
           <a:p>
+            <a:r>
+              <a:rPr lang="en-US">
+                <a:solidFill>
+                  <a:srgbClr val="FFFFFF"/>
+                </a:solidFill>
+              </a:rPr>
+              <a:t>Dependency injection</a:t>
+            </a:r>
+          </a:p>
+        </p:txBody>
+      </p:sp>
+      <p:sp>
+        <p:nvSpPr>
+          <p:cNvPr id="12" name="Rectangle 11">
+            <a:extLst>
+              <a:ext uri="{FF2B5EF4-FFF2-40B4-BE49-F238E27FC236}">
+                <a16:creationId xmlns:a16="http://schemas.microsoft.com/office/drawing/2014/main" id="{36D30126-6314-4A93-B27E-5C66CF781924}"/>
+              </a:ext>
+              <a:ext uri="{C183D7F6-B498-43B3-948B-1728B52AA6E4}">
+                <adec:decorative xmlns:adec="http://schemas.microsoft.com/office/drawing/2017/decorative" val="1"/>
+              </a:ext>
+            </a:extLst>
+          </p:cNvPr>
+          <p:cNvSpPr>
+            <a:spLocks noGrp="1" noRot="1" noChangeAspect="1" noMove="1" noResize="1" noEditPoints="1" noAdjustHandles="1" noChangeArrowheads="1" noChangeShapeType="1" noTextEdit="1"/>
+          </p:cNvSpPr>
+          <p:nvPr>
+            <p:extLst>
+              <p:ext uri="{386F3935-93C4-4BCD-93E2-E3B085C9AB24}">
+                <p16:designElem xmlns:p16="http://schemas.microsoft.com/office/powerpoint/2015/main" val="1"/>
+              </p:ext>
+            </p:extLst>
+          </p:nvPr>
+        </p:nvSpPr>
+        <p:spPr>
+          <a:xfrm>
+            <a:off x="329184" y="2432305"/>
+            <a:ext cx="7056669" cy="4102852"/>
+          </a:xfrm>
+          <a:prstGeom prst="rect">
+            <a:avLst/>
+          </a:prstGeom>
+          <a:solidFill>
+            <a:srgbClr val="7F7F7F">
+              <a:alpha val="20000"/>
+            </a:srgbClr>
+          </a:solidFill>
+          <a:ln>
+            <a:noFill/>
+          </a:ln>
+        </p:spPr>
+        <p:style>
+          <a:lnRef idx="2">
+            <a:schemeClr val="accent1">
+              <a:shade val="50000"/>
+            </a:schemeClr>
+          </a:lnRef>
+          <a:fillRef idx="1">
+            <a:schemeClr val="accent1"/>
+          </a:fillRef>
+          <a:effectRef idx="0">
+            <a:schemeClr val="accent1"/>
+          </a:effectRef>
+          <a:fontRef idx="minor">
+            <a:schemeClr val="lt1"/>
+          </a:fontRef>
+        </p:style>
+        <p:txBody>
+          <a:bodyPr rtlCol="0" anchor="ctr"/>
+          <a:lstStyle/>
+          <a:p>
             <a:pPr algn="ctr"/>
-            <a:r>
-              <a:rPr lang="en-US" dirty="0"/>
-              <a:t>Dependency injection</a:t>
-            </a:r>
+            <a:endParaRPr lang="en-US"/>
+          </a:p>
+        </p:txBody>
+      </p:sp>
+      <p:pic>
+        <p:nvPicPr>
+          <p:cNvPr id="5" name="Picture 4" descr="Text&#10;&#10;Description automatically generated">
+            <a:extLst>
+              <a:ext uri="{FF2B5EF4-FFF2-40B4-BE49-F238E27FC236}">
+                <a16:creationId xmlns:a16="http://schemas.microsoft.com/office/drawing/2014/main" id="{F4EBA502-8936-42BF-9FF6-22B7811D67F8}"/>
+              </a:ext>
+            </a:extLst>
+          </p:cNvPr>
+          <p:cNvPicPr>
+            <a:picLocks noChangeAspect="1"/>
+          </p:cNvPicPr>
+          <p:nvPr/>
+        </p:nvPicPr>
+        <p:blipFill>
+          <a:blip r:embed="rId2"/>
+          <a:stretch>
+            <a:fillRect/>
+          </a:stretch>
+        </p:blipFill>
+        <p:spPr>
+          <a:xfrm>
+            <a:off x="566744" y="2847457"/>
+            <a:ext cx="6579910" cy="3272547"/>
+          </a:xfrm>
+          <a:prstGeom prst="rect">
+            <a:avLst/>
+          </a:prstGeom>
+        </p:spPr>
+      </p:pic>
+      <p:sp>
+        <p:nvSpPr>
+          <p:cNvPr id="14" name="Rectangle 13">
+            <a:extLst>
+              <a:ext uri="{FF2B5EF4-FFF2-40B4-BE49-F238E27FC236}">
+                <a16:creationId xmlns:a16="http://schemas.microsoft.com/office/drawing/2014/main" id="{73ED6512-6858-4552-B699-9A97FE9A4EA2}"/>
+              </a:ext>
+              <a:ext uri="{C183D7F6-B498-43B3-948B-1728B52AA6E4}">
+                <adec:decorative xmlns:adec="http://schemas.microsoft.com/office/drawing/2017/decorative" val="1"/>
+              </a:ext>
+            </a:extLst>
+          </p:cNvPr>
+          <p:cNvSpPr>
+            <a:spLocks noGrp="1" noRot="1" noChangeAspect="1" noMove="1" noResize="1" noEditPoints="1" noAdjustHandles="1" noChangeArrowheads="1" noChangeShapeType="1" noTextEdit="1"/>
+          </p:cNvSpPr>
+          <p:nvPr>
+            <p:extLst>
+              <p:ext uri="{386F3935-93C4-4BCD-93E2-E3B085C9AB24}">
+                <p16:designElem xmlns:p16="http://schemas.microsoft.com/office/powerpoint/2015/main" val="1"/>
+              </p:ext>
+            </p:extLst>
+          </p:nvPr>
+        </p:nvSpPr>
+        <p:spPr>
+          <a:xfrm>
+            <a:off x="7534655" y="321732"/>
+            <a:ext cx="4335613" cy="6214534"/>
+          </a:xfrm>
+          <a:prstGeom prst="rect">
+            <a:avLst/>
+          </a:prstGeom>
+          <a:solidFill>
+            <a:srgbClr val="595959"/>
+          </a:solidFill>
+          <a:ln>
+            <a:noFill/>
+          </a:ln>
+        </p:spPr>
+        <p:style>
+          <a:lnRef idx="2">
+            <a:schemeClr val="accent1">
+              <a:shade val="50000"/>
+            </a:schemeClr>
+          </a:lnRef>
+          <a:fillRef idx="1">
+            <a:schemeClr val="accent1"/>
+          </a:fillRef>
+          <a:effectRef idx="0">
+            <a:schemeClr val="accent1"/>
+          </a:effectRef>
+          <a:fontRef idx="minor">
+            <a:schemeClr val="lt1"/>
+          </a:fontRef>
+        </p:style>
+        <p:txBody>
+          <a:bodyPr rtlCol="0" anchor="ctr"/>
+          <a:lstStyle/>
+          <a:p>
+            <a:pPr marL="0" marR="0" lvl="0" indent="0" algn="ctr" defTabSz="914400" rtl="0" eaLnBrk="1" fontAlgn="auto" latinLnBrk="0" hangingPunct="1">
+              <a:lnSpc>
+                <a:spcPct val="100000"/>
+              </a:lnSpc>
+              <a:spcBef>
+                <a:spcPts val="0"/>
+              </a:spcBef>
+              <a:spcAft>
+                <a:spcPts val="0"/>
+              </a:spcAft>
+              <a:buClrTx/>
+              <a:buSzTx/>
+              <a:buFontTx/>
+              <a:buNone/>
+              <a:tabLst/>
+              <a:defRPr/>
+            </a:pPr>
+            <a:endParaRPr kumimoji="0" lang="en-US" sz="1800" b="0" i="0" u="none" strike="noStrike" kern="1200" cap="none" spc="0" normalizeH="0" baseline="0" noProof="0">
+              <a:ln>
+                <a:noFill/>
+              </a:ln>
+              <a:solidFill>
+                <a:prstClr val="white"/>
+              </a:solidFill>
+              <a:effectLst/>
+              <a:uLnTx/>
+              <a:uFillTx/>
+              <a:latin typeface="Calibri" panose="020F0502020204030204"/>
+              <a:ea typeface="+mn-ea"/>
+              <a:cs typeface="+mn-cs"/>
+            </a:endParaRPr>
           </a:p>
         </p:txBody>
       </p:sp>
@@ -4348,12 +9625,34 @@
             <p:ph idx="1"/>
           </p:nvPr>
         </p:nvSpPr>
-        <p:spPr/>
-        <p:txBody>
-          <a:bodyPr/>
+        <p:spPr>
+          <a:xfrm>
+            <a:off x="8029319" y="917725"/>
+            <a:ext cx="3424739" cy="4852362"/>
+          </a:xfrm>
+        </p:spPr>
+        <p:txBody>
+          <a:bodyPr anchor="ctr">
+            <a:normAutofit/>
+          </a:bodyPr>
           <a:lstStyle/>
           <a:p>
-            <a:endParaRPr lang="en-US"/>
+            <a:pPr marL="0" indent="0">
+              <a:buNone/>
+            </a:pPr>
+            <a:r>
+              <a:rPr lang="ru-RU" sz="2000">
+                <a:solidFill>
+                  <a:srgbClr val="FFFFFF"/>
+                </a:solidFill>
+              </a:rPr>
+              <a:t>Dependency injection (DI) или внедрение зависимостей представляет механизм, который позволяет сделать взаимодействующие в приложении объекты слабосвязанными. Такие объекты связаны между собой через абстракции, например, через интерфейсы, что делает всю систему более гибкой, более адаптируемой и расширяемой.</a:t>
+            </a:r>
+            <a:endParaRPr lang="en-US" sz="2000">
+              <a:solidFill>
+                <a:srgbClr val="FFFFFF"/>
+              </a:solidFill>
+            </a:endParaRPr>
           </a:p>
         </p:txBody>
       </p:sp>
@@ -4373,6 +9672,14 @@
 <file path=ppt/slides/slide7.xml><?xml version="1.0" encoding="utf-8"?>
 <p:sld xmlns:a="http://schemas.openxmlformats.org/drawingml/2006/main" xmlns:r="http://schemas.openxmlformats.org/officeDocument/2006/relationships" xmlns:p="http://schemas.openxmlformats.org/presentationml/2006/main">
   <p:cSld>
+    <p:bg>
+      <p:bgPr>
+        <a:solidFill>
+          <a:schemeClr val="bg1"/>
+        </a:solidFill>
+        <a:effectLst/>
+      </p:bgPr>
+    </p:bg>
     <p:spTree>
       <p:nvGrpSpPr>
         <p:cNvPr id="1" name=""/>
@@ -4389,6 +9696,72 @@
       </p:grpSpPr>
       <p:sp>
         <p:nvSpPr>
+          <p:cNvPr id="19" name="Rectangle 13">
+            <a:extLst>
+              <a:ext uri="{FF2B5EF4-FFF2-40B4-BE49-F238E27FC236}">
+                <a16:creationId xmlns:a16="http://schemas.microsoft.com/office/drawing/2014/main" id="{C3896A03-3945-419A-B66B-4EE266EDD152}"/>
+              </a:ext>
+              <a:ext uri="{C183D7F6-B498-43B3-948B-1728B52AA6E4}">
+                <adec:decorative xmlns:adec="http://schemas.microsoft.com/office/drawing/2017/decorative" val="1"/>
+              </a:ext>
+            </a:extLst>
+          </p:cNvPr>
+          <p:cNvSpPr>
+            <a:spLocks noGrp="1" noRot="1" noChangeAspect="1" noMove="1" noResize="1" noEditPoints="1" noAdjustHandles="1" noChangeArrowheads="1" noChangeShapeType="1" noTextEdit="1"/>
+          </p:cNvSpPr>
+          <p:nvPr>
+            <p:extLst>
+              <p:ext uri="{386F3935-93C4-4BCD-93E2-E3B085C9AB24}">
+                <p16:designElem xmlns:p16="http://schemas.microsoft.com/office/powerpoint/2015/main" val="1"/>
+              </p:ext>
+            </p:extLst>
+          </p:nvPr>
+        </p:nvSpPr>
+        <p:spPr>
+          <a:xfrm>
+            <a:off x="10" y="0"/>
+            <a:ext cx="6095969" cy="6858001"/>
+          </a:xfrm>
+          <a:prstGeom prst="rect">
+            <a:avLst/>
+          </a:prstGeom>
+          <a:solidFill>
+            <a:schemeClr val="tx1">
+              <a:lumMod val="85000"/>
+              <a:lumOff val="15000"/>
+            </a:schemeClr>
+          </a:solidFill>
+          <a:ln>
+            <a:noFill/>
+          </a:ln>
+        </p:spPr>
+        <p:style>
+          <a:lnRef idx="2">
+            <a:schemeClr val="accent1">
+              <a:shade val="50000"/>
+            </a:schemeClr>
+          </a:lnRef>
+          <a:fillRef idx="1">
+            <a:schemeClr val="accent1"/>
+          </a:fillRef>
+          <a:effectRef idx="0">
+            <a:schemeClr val="accent1"/>
+          </a:effectRef>
+          <a:fontRef idx="minor">
+            <a:schemeClr val="lt1"/>
+          </a:fontRef>
+        </p:style>
+        <p:txBody>
+          <a:bodyPr rtlCol="0" anchor="ctr"/>
+          <a:lstStyle/>
+          <a:p>
+            <a:pPr algn="ctr"/>
+            <a:endParaRPr lang="en-US"/>
+          </a:p>
+        </p:txBody>
+      </p:sp>
+      <p:sp>
+        <p:nvSpPr>
           <p:cNvPr id="2" name="Title 1">
             <a:extLst>
               <a:ext uri="{FF2B5EF4-FFF2-40B4-BE49-F238E27FC236}">
@@ -4403,51 +9776,262 @@
             <p:ph type="title"/>
           </p:nvPr>
         </p:nvSpPr>
-        <p:spPr/>
-        <p:txBody>
-          <a:bodyPr/>
+        <p:spPr>
+          <a:xfrm>
+            <a:off x="1162498" y="655782"/>
+            <a:ext cx="4284418" cy="1480199"/>
+          </a:xfrm>
+        </p:spPr>
+        <p:txBody>
+          <a:bodyPr vert="horz" lIns="91440" tIns="45720" rIns="91440" bIns="45720" rtlCol="0" anchor="t">
+            <a:normAutofit/>
+          </a:bodyPr>
           <a:lstStyle/>
           <a:p>
+            <a:r>
+              <a:rPr lang="en-US" sz="3400">
+                <a:solidFill>
+                  <a:schemeClr val="bg1"/>
+                </a:solidFill>
+              </a:rPr>
+              <a:t>Доступ к базе данных</a:t>
+            </a:r>
+            <a:br>
+              <a:rPr lang="en-US" sz="3400">
+                <a:solidFill>
+                  <a:schemeClr val="bg1"/>
+                </a:solidFill>
+              </a:rPr>
+            </a:br>
+            <a:r>
+              <a:rPr lang="en-US" sz="3400">
+                <a:solidFill>
+                  <a:schemeClr val="bg1"/>
+                </a:solidFill>
+              </a:rPr>
+              <a:t>Entity Framework Core</a:t>
+            </a:r>
+          </a:p>
+        </p:txBody>
+      </p:sp>
+      <p:sp>
+        <p:nvSpPr>
+          <p:cNvPr id="20" name="Rectangle 15">
+            <a:extLst>
+              <a:ext uri="{FF2B5EF4-FFF2-40B4-BE49-F238E27FC236}">
+                <a16:creationId xmlns:a16="http://schemas.microsoft.com/office/drawing/2014/main" id="{B34F5AD2-EDBD-4BBD-A55C-EAFFD0C7097A}"/>
+              </a:ext>
+              <a:ext uri="{C183D7F6-B498-43B3-948B-1728B52AA6E4}">
+                <adec:decorative xmlns:adec="http://schemas.microsoft.com/office/drawing/2017/decorative" val="1"/>
+              </a:ext>
+            </a:extLst>
+          </p:cNvPr>
+          <p:cNvSpPr>
+            <a:spLocks noGrp="1" noRot="1" noChangeAspect="1" noMove="1" noResize="1" noEditPoints="1" noAdjustHandles="1" noChangeArrowheads="1" noChangeShapeType="1" noTextEdit="1"/>
+          </p:cNvSpPr>
+          <p:nvPr>
+            <p:extLst>
+              <p:ext uri="{386F3935-93C4-4BCD-93E2-E3B085C9AB24}">
+                <p16:designElem xmlns:p16="http://schemas.microsoft.com/office/powerpoint/2015/main" val="1"/>
+              </p:ext>
+            </p:extLst>
+          </p:nvPr>
+        </p:nvSpPr>
+        <p:spPr>
+          <a:xfrm>
+            <a:off x="6096000" y="0"/>
+            <a:ext cx="6095990" cy="6858001"/>
+          </a:xfrm>
+          <a:prstGeom prst="rect">
+            <a:avLst/>
+          </a:prstGeom>
+          <a:solidFill>
+            <a:schemeClr val="bg1">
+              <a:lumMod val="95000"/>
+            </a:schemeClr>
+          </a:solidFill>
+          <a:ln>
+            <a:noFill/>
+          </a:ln>
+        </p:spPr>
+        <p:style>
+          <a:lnRef idx="2">
+            <a:schemeClr val="accent1">
+              <a:shade val="50000"/>
+            </a:schemeClr>
+          </a:lnRef>
+          <a:fillRef idx="1">
+            <a:schemeClr val="accent1"/>
+          </a:fillRef>
+          <a:effectRef idx="0">
+            <a:schemeClr val="accent1"/>
+          </a:effectRef>
+          <a:fontRef idx="minor">
+            <a:schemeClr val="lt1"/>
+          </a:fontRef>
+        </p:style>
+        <p:txBody>
+          <a:bodyPr rtlCol="0" anchor="ctr"/>
+          <a:lstStyle/>
+          <a:p>
             <a:pPr algn="ctr"/>
-            <a:r>
-              <a:rPr lang="ru-RU" dirty="0"/>
-              <a:t>Доступ к базе данных</a:t>
-            </a:r>
-            <a:br>
-              <a:rPr lang="ru-RU" dirty="0"/>
-            </a:br>
-            <a:r>
-              <a:rPr lang="en-US" dirty="0"/>
-              <a:t>Entity Framework Core</a:t>
-            </a:r>
+            <a:endParaRPr lang="en-US"/>
           </a:p>
         </p:txBody>
       </p:sp>
       <p:sp>
         <p:nvSpPr>
-          <p:cNvPr id="3" name="Content Placeholder 2">
-            <a:extLst>
-              <a:ext uri="{FF2B5EF4-FFF2-40B4-BE49-F238E27FC236}">
-                <a16:creationId xmlns:a16="http://schemas.microsoft.com/office/drawing/2014/main" id="{F4025C60-53E1-466A-8071-9850B96103F4}"/>
+          <p:cNvPr id="18" name="Rectangle 17">
+            <a:extLst>
+              <a:ext uri="{FF2B5EF4-FFF2-40B4-BE49-F238E27FC236}">
+                <a16:creationId xmlns:a16="http://schemas.microsoft.com/office/drawing/2014/main" id="{6832F003-FCA6-4CFB-A2EA-308F3AA257D1}"/>
+              </a:ext>
+              <a:ext uri="{C183D7F6-B498-43B3-948B-1728B52AA6E4}">
+                <adec:decorative xmlns:adec="http://schemas.microsoft.com/office/drawing/2017/decorative" val="1"/>
               </a:ext>
             </a:extLst>
           </p:cNvPr>
           <p:cNvSpPr>
-            <a:spLocks noGrp="1"/>
+            <a:spLocks noGrp="1" noRot="1" noChangeAspect="1" noMove="1" noResize="1" noEditPoints="1" noAdjustHandles="1" noChangeArrowheads="1" noChangeShapeType="1" noTextEdit="1"/>
           </p:cNvSpPr>
           <p:nvPr>
-            <p:ph idx="1"/>
-          </p:nvPr>
-        </p:nvSpPr>
-        <p:spPr/>
-        <p:txBody>
-          <a:bodyPr/>
+            <p:extLst>
+              <p:ext uri="{386F3935-93C4-4BCD-93E2-E3B085C9AB24}">
+                <p16:designElem xmlns:p16="http://schemas.microsoft.com/office/powerpoint/2015/main" val="1"/>
+              </p:ext>
+            </p:extLst>
+          </p:nvPr>
+        </p:nvSpPr>
+        <p:spPr>
+          <a:xfrm>
+            <a:off x="6739838" y="643465"/>
+            <a:ext cx="457200" cy="45720"/>
+          </a:xfrm>
+          <a:prstGeom prst="rect">
+            <a:avLst/>
+          </a:prstGeom>
+          <a:solidFill>
+            <a:schemeClr val="tx1"/>
+          </a:solidFill>
+          <a:ln>
+            <a:noFill/>
+          </a:ln>
+        </p:spPr>
+        <p:style>
+          <a:lnRef idx="2">
+            <a:schemeClr val="accent1">
+              <a:shade val="50000"/>
+            </a:schemeClr>
+          </a:lnRef>
+          <a:fillRef idx="1">
+            <a:schemeClr val="accent1"/>
+          </a:fillRef>
+          <a:effectRef idx="0">
+            <a:schemeClr val="accent1"/>
+          </a:effectRef>
+          <a:fontRef idx="minor">
+            <a:schemeClr val="lt1"/>
+          </a:fontRef>
+        </p:style>
+        <p:txBody>
+          <a:bodyPr rtlCol="0" anchor="ctr"/>
           <a:lstStyle/>
           <a:p>
+            <a:pPr algn="ctr"/>
             <a:endParaRPr lang="en-US"/>
           </a:p>
         </p:txBody>
       </p:sp>
+      <p:pic>
+        <p:nvPicPr>
+          <p:cNvPr id="7" name="Picture 6">
+            <a:extLst>
+              <a:ext uri="{FF2B5EF4-FFF2-40B4-BE49-F238E27FC236}">
+                <a16:creationId xmlns:a16="http://schemas.microsoft.com/office/drawing/2014/main" id="{44CA2C5C-7BE5-41EB-B9EF-78C1E0138838}"/>
+              </a:ext>
+            </a:extLst>
+          </p:cNvPr>
+          <p:cNvPicPr>
+            <a:picLocks noChangeAspect="1"/>
+          </p:cNvPicPr>
+          <p:nvPr/>
+        </p:nvPicPr>
+        <p:blipFill>
+          <a:blip r:embed="rId2"/>
+          <a:stretch>
+            <a:fillRect/>
+          </a:stretch>
+        </p:blipFill>
+        <p:spPr>
+          <a:xfrm>
+            <a:off x="6781982" y="698067"/>
+            <a:ext cx="4305881" cy="1100042"/>
+          </a:xfrm>
+          <a:prstGeom prst="rect">
+            <a:avLst/>
+          </a:prstGeom>
+        </p:spPr>
+      </p:pic>
+      <p:pic>
+        <p:nvPicPr>
+          <p:cNvPr id="5" name="Picture 4">
+            <a:extLst>
+              <a:ext uri="{FF2B5EF4-FFF2-40B4-BE49-F238E27FC236}">
+                <a16:creationId xmlns:a16="http://schemas.microsoft.com/office/drawing/2014/main" id="{AF71878D-E393-40B8-BA3A-27BB50C50BDA}"/>
+              </a:ext>
+            </a:extLst>
+          </p:cNvPr>
+          <p:cNvPicPr>
+            <a:picLocks noChangeAspect="1"/>
+          </p:cNvPicPr>
+          <p:nvPr/>
+        </p:nvPicPr>
+        <p:blipFill>
+          <a:blip r:embed="rId3"/>
+          <a:stretch>
+            <a:fillRect/>
+          </a:stretch>
+        </p:blipFill>
+        <p:spPr>
+          <a:xfrm>
+            <a:off x="1023298" y="1798109"/>
+            <a:ext cx="3764002" cy="4618409"/>
+          </a:xfrm>
+          <a:prstGeom prst="rect">
+            <a:avLst/>
+          </a:prstGeom>
+        </p:spPr>
+      </p:pic>
+      <p:pic>
+        <p:nvPicPr>
+          <p:cNvPr id="9" name="Picture 8">
+            <a:extLst>
+              <a:ext uri="{FF2B5EF4-FFF2-40B4-BE49-F238E27FC236}">
+                <a16:creationId xmlns:a16="http://schemas.microsoft.com/office/drawing/2014/main" id="{070DEFC5-9419-4ABC-B05D-1C53FC47B91D}"/>
+              </a:ext>
+            </a:extLst>
+          </p:cNvPr>
+          <p:cNvPicPr>
+            <a:picLocks noChangeAspect="1"/>
+          </p:cNvPicPr>
+          <p:nvPr/>
+        </p:nvPicPr>
+        <p:blipFill>
+          <a:blip r:embed="rId4"/>
+          <a:stretch>
+            <a:fillRect/>
+          </a:stretch>
+        </p:blipFill>
+        <p:spPr>
+          <a:xfrm>
+            <a:off x="6560363" y="3107945"/>
+            <a:ext cx="4325572" cy="2926123"/>
+          </a:xfrm>
+          <a:prstGeom prst="rect">
+            <a:avLst/>
+          </a:prstGeom>
+        </p:spPr>
+      </p:pic>
     </p:spTree>
     <p:extLst>
       <p:ext uri="{BB962C8B-B14F-4D97-AF65-F5344CB8AC3E}">
@@ -4464,6 +10048,14 @@
 <file path=ppt/slides/slide8.xml><?xml version="1.0" encoding="utf-8"?>
 <p:sld xmlns:a="http://schemas.openxmlformats.org/drawingml/2006/main" xmlns:r="http://schemas.openxmlformats.org/officeDocument/2006/relationships" xmlns:p="http://schemas.openxmlformats.org/presentationml/2006/main">
   <p:cSld>
+    <p:bg>
+      <p:bgPr>
+        <a:solidFill>
+          <a:schemeClr val="bg1"/>
+        </a:solidFill>
+        <a:effectLst/>
+      </p:bgPr>
+    </p:bg>
     <p:spTree>
       <p:nvGrpSpPr>
         <p:cNvPr id="1" name=""/>
@@ -4478,6 +10070,66 @@
           <a:chExt cx="0" cy="0"/>
         </a:xfrm>
       </p:grpSpPr>
+      <p:sp useBgFill="1">
+        <p:nvSpPr>
+          <p:cNvPr id="12" name="Rectangle 11">
+            <a:extLst>
+              <a:ext uri="{FF2B5EF4-FFF2-40B4-BE49-F238E27FC236}">
+                <a16:creationId xmlns:a16="http://schemas.microsoft.com/office/drawing/2014/main" id="{99ED5833-B85B-4103-8A3B-CAB0308E6C15}"/>
+              </a:ext>
+              <a:ext uri="{C183D7F6-B498-43B3-948B-1728B52AA6E4}">
+                <adec:decorative xmlns:adec="http://schemas.microsoft.com/office/drawing/2017/decorative" val="1"/>
+              </a:ext>
+            </a:extLst>
+          </p:cNvPr>
+          <p:cNvSpPr>
+            <a:spLocks noGrp="1" noRot="1" noChangeAspect="1" noMove="1" noResize="1" noEditPoints="1" noAdjustHandles="1" noChangeArrowheads="1" noChangeShapeType="1" noTextEdit="1"/>
+          </p:cNvSpPr>
+          <p:nvPr>
+            <p:extLst>
+              <p:ext uri="{386F3935-93C4-4BCD-93E2-E3B085C9AB24}">
+                <p16:designElem xmlns:p16="http://schemas.microsoft.com/office/powerpoint/2015/main" val="1"/>
+              </p:ext>
+            </p:extLst>
+          </p:nvPr>
+        </p:nvSpPr>
+        <p:spPr>
+          <a:xfrm>
+            <a:off x="-1" y="0"/>
+            <a:ext cx="12188952" cy="6858000"/>
+          </a:xfrm>
+          <a:prstGeom prst="rect">
+            <a:avLst/>
+          </a:prstGeom>
+          <a:ln>
+            <a:noFill/>
+          </a:ln>
+        </p:spPr>
+        <p:style>
+          <a:lnRef idx="2">
+            <a:schemeClr val="accent1">
+              <a:shade val="50000"/>
+            </a:schemeClr>
+          </a:lnRef>
+          <a:fillRef idx="1">
+            <a:schemeClr val="accent1"/>
+          </a:fillRef>
+          <a:effectRef idx="0">
+            <a:schemeClr val="accent1"/>
+          </a:effectRef>
+          <a:fontRef idx="minor">
+            <a:schemeClr val="lt1"/>
+          </a:fontRef>
+        </p:style>
+        <p:txBody>
+          <a:bodyPr rtlCol="0" anchor="ctr"/>
+          <a:lstStyle/>
+          <a:p>
+            <a:pPr algn="ctr"/>
+            <a:endParaRPr lang="en-US"/>
+          </a:p>
+        </p:txBody>
+      </p:sp>
       <p:sp>
         <p:nvSpPr>
           <p:cNvPr id="2" name="Title 1">
@@ -4494,45 +10146,86 @@
             <p:ph type="title"/>
           </p:nvPr>
         </p:nvSpPr>
-        <p:spPr/>
-        <p:txBody>
-          <a:bodyPr/>
+        <p:spPr>
+          <a:xfrm>
+            <a:off x="1198181" y="560881"/>
+            <a:ext cx="9795638" cy="1114380"/>
+          </a:xfrm>
+        </p:spPr>
+        <p:txBody>
+          <a:bodyPr vert="horz" lIns="91440" tIns="45720" rIns="91440" bIns="45720" rtlCol="0" anchor="b">
+            <a:normAutofit/>
+          </a:bodyPr>
           <a:lstStyle/>
           <a:p>
             <a:pPr algn="ctr"/>
             <a:r>
-              <a:rPr lang="ru-RU" dirty="0"/>
+              <a:rPr lang="en-US" sz="5200"/>
               <a:t>Сервисы</a:t>
             </a:r>
-            <a:endParaRPr lang="en-US" dirty="0"/>
-          </a:p>
-        </p:txBody>
-      </p:sp>
-      <p:sp>
-        <p:nvSpPr>
-          <p:cNvPr id="3" name="Content Placeholder 2">
-            <a:extLst>
-              <a:ext uri="{FF2B5EF4-FFF2-40B4-BE49-F238E27FC236}">
-                <a16:creationId xmlns:a16="http://schemas.microsoft.com/office/drawing/2014/main" id="{8D27C990-8E75-4F16-9953-EACFF088239B}"/>
-              </a:ext>
-            </a:extLst>
-          </p:cNvPr>
-          <p:cNvSpPr>
-            <a:spLocks noGrp="1"/>
-          </p:cNvSpPr>
-          <p:nvPr>
-            <p:ph idx="1"/>
-          </p:nvPr>
-        </p:nvSpPr>
-        <p:spPr/>
-        <p:txBody>
-          <a:bodyPr/>
-          <a:lstStyle/>
-          <a:p>
-            <a:endParaRPr lang="en-US"/>
-          </a:p>
-        </p:txBody>
-      </p:sp>
+          </a:p>
+        </p:txBody>
+      </p:sp>
+      <p:pic>
+        <p:nvPicPr>
+          <p:cNvPr id="5" name="Picture 4">
+            <a:extLst>
+              <a:ext uri="{FF2B5EF4-FFF2-40B4-BE49-F238E27FC236}">
+                <a16:creationId xmlns:a16="http://schemas.microsoft.com/office/drawing/2014/main" id="{E1742E24-B657-461C-90AA-D5F05DB76E8F}"/>
+              </a:ext>
+            </a:extLst>
+          </p:cNvPr>
+          <p:cNvPicPr>
+            <a:picLocks noChangeAspect="1"/>
+          </p:cNvPicPr>
+          <p:nvPr/>
+        </p:nvPicPr>
+        <p:blipFill>
+          <a:blip r:embed="rId2"/>
+          <a:stretch>
+            <a:fillRect/>
+          </a:stretch>
+        </p:blipFill>
+        <p:spPr>
+          <a:xfrm>
+            <a:off x="1478324" y="2957665"/>
+            <a:ext cx="3234081" cy="3346376"/>
+          </a:xfrm>
+          <a:prstGeom prst="rect">
+            <a:avLst/>
+          </a:prstGeom>
+        </p:spPr>
+      </p:pic>
+      <p:pic>
+        <p:nvPicPr>
+          <p:cNvPr id="7" name="Picture 6">
+            <a:extLst>
+              <a:ext uri="{FF2B5EF4-FFF2-40B4-BE49-F238E27FC236}">
+                <a16:creationId xmlns:a16="http://schemas.microsoft.com/office/drawing/2014/main" id="{5D053FBE-99E9-4DDB-AFF0-3A5BD42E8BE7}"/>
+              </a:ext>
+            </a:extLst>
+          </p:cNvPr>
+          <p:cNvPicPr>
+            <a:picLocks noChangeAspect="1"/>
+          </p:cNvPicPr>
+          <p:nvPr/>
+        </p:nvPicPr>
+        <p:blipFill>
+          <a:blip r:embed="rId3"/>
+          <a:stretch>
+            <a:fillRect/>
+          </a:stretch>
+        </p:blipFill>
+        <p:spPr>
+          <a:xfrm>
+            <a:off x="6887806" y="2957665"/>
+            <a:ext cx="4417658" cy="3346376"/>
+          </a:xfrm>
+          <a:prstGeom prst="rect">
+            <a:avLst/>
+          </a:prstGeom>
+        </p:spPr>
+      </p:pic>
     </p:spTree>
     <p:extLst>
       <p:ext uri="{BB962C8B-B14F-4D97-AF65-F5344CB8AC3E}">
@@ -4549,6 +10242,14 @@
 <file path=ppt/slides/slide9.xml><?xml version="1.0" encoding="utf-8"?>
 <p:sld xmlns:a="http://schemas.openxmlformats.org/drawingml/2006/main" xmlns:r="http://schemas.openxmlformats.org/officeDocument/2006/relationships" xmlns:p="http://schemas.openxmlformats.org/presentationml/2006/main">
   <p:cSld>
+    <p:bg>
+      <p:bgPr>
+        <a:solidFill>
+          <a:schemeClr val="bg1"/>
+        </a:solidFill>
+        <a:effectLst/>
+      </p:bgPr>
+    </p:bg>
     <p:spTree>
       <p:nvGrpSpPr>
         <p:cNvPr id="1" name=""/>
@@ -4565,6 +10266,310 @@
       </p:grpSpPr>
       <p:sp>
         <p:nvSpPr>
+          <p:cNvPr id="12" name="Freeform: Shape 11">
+            <a:extLst>
+              <a:ext uri="{FF2B5EF4-FFF2-40B4-BE49-F238E27FC236}">
+                <a16:creationId xmlns:a16="http://schemas.microsoft.com/office/drawing/2014/main" id="{E4505C23-674B-4195-81D6-0C127FEAE3F8}"/>
+              </a:ext>
+              <a:ext uri="{C183D7F6-B498-43B3-948B-1728B52AA6E4}">
+                <adec:decorative xmlns:adec="http://schemas.microsoft.com/office/drawing/2017/decorative" val="1"/>
+              </a:ext>
+            </a:extLst>
+          </p:cNvPr>
+          <p:cNvSpPr>
+            <a:spLocks noGrp="1" noRot="1" noChangeAspect="1" noMove="1" noResize="1" noEditPoints="1" noAdjustHandles="1" noChangeArrowheads="1" noChangeShapeType="1" noTextEdit="1"/>
+          </p:cNvSpPr>
+          <p:nvPr>
+            <p:extLst>
+              <p:ext uri="{386F3935-93C4-4BCD-93E2-E3B085C9AB24}">
+                <p16:designElem xmlns:p16="http://schemas.microsoft.com/office/powerpoint/2015/main" val="1"/>
+              </p:ext>
+            </p:extLst>
+          </p:nvPr>
+        </p:nvSpPr>
+        <p:spPr>
+          <a:xfrm>
+            <a:off x="0" y="5367908"/>
+            <a:ext cx="9161029" cy="1490093"/>
+          </a:xfrm>
+          <a:custGeom>
+            <a:avLst/>
+            <a:gdLst>
+              <a:gd name="connsiteX0" fmla="*/ 0 w 9161029"/>
+              <a:gd name="connsiteY0" fmla="*/ 0 h 1490093"/>
+              <a:gd name="connsiteX1" fmla="*/ 2046494 w 9161029"/>
+              <a:gd name="connsiteY1" fmla="*/ 0 h 1490093"/>
+              <a:gd name="connsiteX2" fmla="*/ 2496613 w 9161029"/>
+              <a:gd name="connsiteY2" fmla="*/ 0 h 1490093"/>
+              <a:gd name="connsiteX3" fmla="*/ 3235839 w 9161029"/>
+              <a:gd name="connsiteY3" fmla="*/ 0 h 1490093"/>
+              <a:gd name="connsiteX4" fmla="*/ 9161029 w 9161029"/>
+              <a:gd name="connsiteY4" fmla="*/ 0 h 1490093"/>
+              <a:gd name="connsiteX5" fmla="*/ 8470921 w 9161029"/>
+              <a:gd name="connsiteY5" fmla="*/ 1490093 h 1490093"/>
+              <a:gd name="connsiteX6" fmla="*/ 0 w 9161029"/>
+              <a:gd name="connsiteY6" fmla="*/ 1490093 h 1490093"/>
+            </a:gdLst>
+            <a:ahLst/>
+            <a:cxnLst>
+              <a:cxn ang="0">
+                <a:pos x="connsiteX0" y="connsiteY0"/>
+              </a:cxn>
+              <a:cxn ang="0">
+                <a:pos x="connsiteX1" y="connsiteY1"/>
+              </a:cxn>
+              <a:cxn ang="0">
+                <a:pos x="connsiteX2" y="connsiteY2"/>
+              </a:cxn>
+              <a:cxn ang="0">
+                <a:pos x="connsiteX3" y="connsiteY3"/>
+              </a:cxn>
+              <a:cxn ang="0">
+                <a:pos x="connsiteX4" y="connsiteY4"/>
+              </a:cxn>
+              <a:cxn ang="0">
+                <a:pos x="connsiteX5" y="connsiteY5"/>
+              </a:cxn>
+              <a:cxn ang="0">
+                <a:pos x="connsiteX6" y="connsiteY6"/>
+              </a:cxn>
+            </a:cxnLst>
+            <a:rect l="l" t="t" r="r" b="b"/>
+            <a:pathLst>
+              <a:path w="9161029" h="1490093">
+                <a:moveTo>
+                  <a:pt x="0" y="0"/>
+                </a:moveTo>
+                <a:lnTo>
+                  <a:pt x="2046494" y="0"/>
+                </a:lnTo>
+                <a:lnTo>
+                  <a:pt x="2496613" y="0"/>
+                </a:lnTo>
+                <a:lnTo>
+                  <a:pt x="3235839" y="0"/>
+                </a:lnTo>
+                <a:lnTo>
+                  <a:pt x="9161029" y="0"/>
+                </a:lnTo>
+                <a:lnTo>
+                  <a:pt x="8470921" y="1490093"/>
+                </a:lnTo>
+                <a:lnTo>
+                  <a:pt x="0" y="1490093"/>
+                </a:lnTo>
+                <a:close/>
+              </a:path>
+            </a:pathLst>
+          </a:custGeom>
+          <a:solidFill>
+            <a:schemeClr val="tx1">
+              <a:lumMod val="50000"/>
+              <a:lumOff val="50000"/>
+              <a:alpha val="40000"/>
+            </a:schemeClr>
+          </a:solidFill>
+          <a:ln>
+            <a:noFill/>
+          </a:ln>
+        </p:spPr>
+        <p:style>
+          <a:lnRef idx="2">
+            <a:schemeClr val="accent1">
+              <a:shade val="50000"/>
+            </a:schemeClr>
+          </a:lnRef>
+          <a:fillRef idx="1">
+            <a:schemeClr val="accent1"/>
+          </a:fillRef>
+          <a:effectRef idx="0">
+            <a:schemeClr val="accent1"/>
+          </a:effectRef>
+          <a:fontRef idx="minor">
+            <a:schemeClr val="lt1"/>
+          </a:fontRef>
+        </p:style>
+        <p:txBody>
+          <a:bodyPr rtlCol="0" anchor="ctr"/>
+          <a:lstStyle/>
+          <a:p>
+            <a:pPr algn="ctr"/>
+            <a:endParaRPr lang="en-US"/>
+          </a:p>
+        </p:txBody>
+      </p:sp>
+      <p:sp>
+        <p:nvSpPr>
+          <p:cNvPr id="14" name="Freeform: Shape 13">
+            <a:extLst>
+              <a:ext uri="{FF2B5EF4-FFF2-40B4-BE49-F238E27FC236}">
+                <a16:creationId xmlns:a16="http://schemas.microsoft.com/office/drawing/2014/main" id="{65C9B8F0-FF66-4C15-BD05-E86B87331846}"/>
+              </a:ext>
+              <a:ext uri="{C183D7F6-B498-43B3-948B-1728B52AA6E4}">
+                <adec:decorative xmlns:adec="http://schemas.microsoft.com/office/drawing/2017/decorative" val="1"/>
+              </a:ext>
+            </a:extLst>
+          </p:cNvPr>
+          <p:cNvSpPr>
+            <a:spLocks noGrp="1" noRot="1" noChangeAspect="1" noMove="1" noResize="1" noEditPoints="1" noAdjustHandles="1" noChangeArrowheads="1" noChangeShapeType="1" noTextEdit="1"/>
+          </p:cNvSpPr>
+          <p:nvPr>
+            <p:extLst>
+              <p:ext uri="{386F3935-93C4-4BCD-93E2-E3B085C9AB24}">
+                <p16:designElem xmlns:p16="http://schemas.microsoft.com/office/powerpoint/2015/main" val="1"/>
+              </p:ext>
+            </p:extLst>
+          </p:nvPr>
+        </p:nvSpPr>
+        <p:spPr>
+          <a:xfrm>
+            <a:off x="8763037" y="5367908"/>
+            <a:ext cx="3428963" cy="1490093"/>
+          </a:xfrm>
+          <a:custGeom>
+            <a:avLst/>
+            <a:gdLst>
+              <a:gd name="connsiteX0" fmla="*/ 690108 w 3428963"/>
+              <a:gd name="connsiteY0" fmla="*/ 0 h 1490093"/>
+              <a:gd name="connsiteX1" fmla="*/ 3428963 w 3428963"/>
+              <a:gd name="connsiteY1" fmla="*/ 0 h 1490093"/>
+              <a:gd name="connsiteX2" fmla="*/ 3428963 w 3428963"/>
+              <a:gd name="connsiteY2" fmla="*/ 1490093 h 1490093"/>
+              <a:gd name="connsiteX3" fmla="*/ 0 w 3428963"/>
+              <a:gd name="connsiteY3" fmla="*/ 1490093 h 1490093"/>
+            </a:gdLst>
+            <a:ahLst/>
+            <a:cxnLst>
+              <a:cxn ang="0">
+                <a:pos x="connsiteX0" y="connsiteY0"/>
+              </a:cxn>
+              <a:cxn ang="0">
+                <a:pos x="connsiteX1" y="connsiteY1"/>
+              </a:cxn>
+              <a:cxn ang="0">
+                <a:pos x="connsiteX2" y="connsiteY2"/>
+              </a:cxn>
+              <a:cxn ang="0">
+                <a:pos x="connsiteX3" y="connsiteY3"/>
+              </a:cxn>
+            </a:cxnLst>
+            <a:rect l="l" t="t" r="r" b="b"/>
+            <a:pathLst>
+              <a:path w="3428963" h="1490093">
+                <a:moveTo>
+                  <a:pt x="690108" y="0"/>
+                </a:moveTo>
+                <a:lnTo>
+                  <a:pt x="3428963" y="0"/>
+                </a:lnTo>
+                <a:lnTo>
+                  <a:pt x="3428963" y="1490093"/>
+                </a:lnTo>
+                <a:lnTo>
+                  <a:pt x="0" y="1490093"/>
+                </a:lnTo>
+                <a:close/>
+              </a:path>
+            </a:pathLst>
+          </a:custGeom>
+          <a:solidFill>
+            <a:schemeClr val="tx1">
+              <a:alpha val="70000"/>
+            </a:schemeClr>
+          </a:solidFill>
+          <a:ln>
+            <a:noFill/>
+          </a:ln>
+        </p:spPr>
+        <p:style>
+          <a:lnRef idx="2">
+            <a:schemeClr val="accent1">
+              <a:shade val="50000"/>
+            </a:schemeClr>
+          </a:lnRef>
+          <a:fillRef idx="1">
+            <a:schemeClr val="accent1"/>
+          </a:fillRef>
+          <a:effectRef idx="0">
+            <a:schemeClr val="accent1"/>
+          </a:effectRef>
+          <a:fontRef idx="minor">
+            <a:schemeClr val="lt1"/>
+          </a:fontRef>
+        </p:style>
+        <p:txBody>
+          <a:bodyPr wrap="square" rtlCol="0" anchor="ctr">
+            <a:noAutofit/>
+          </a:bodyPr>
+          <a:lstStyle/>
+          <a:p>
+            <a:pPr algn="ctr"/>
+            <a:endParaRPr lang="en-US"/>
+          </a:p>
+        </p:txBody>
+      </p:sp>
+      <p:pic>
+        <p:nvPicPr>
+          <p:cNvPr id="7" name="Picture 6">
+            <a:extLst>
+              <a:ext uri="{FF2B5EF4-FFF2-40B4-BE49-F238E27FC236}">
+                <a16:creationId xmlns:a16="http://schemas.microsoft.com/office/drawing/2014/main" id="{4EB7AC9F-BA88-4548-8D69-AB43CF4FD41B}"/>
+              </a:ext>
+            </a:extLst>
+          </p:cNvPr>
+          <p:cNvPicPr>
+            <a:picLocks noChangeAspect="1"/>
+          </p:cNvPicPr>
+          <p:nvPr/>
+        </p:nvPicPr>
+        <p:blipFill>
+          <a:blip r:embed="rId2"/>
+          <a:stretch>
+            <a:fillRect/>
+          </a:stretch>
+        </p:blipFill>
+        <p:spPr>
+          <a:xfrm>
+            <a:off x="838200" y="684213"/>
+            <a:ext cx="8293100" cy="3995738"/>
+          </a:xfrm>
+          <a:prstGeom prst="rect">
+            <a:avLst/>
+          </a:prstGeom>
+        </p:spPr>
+      </p:pic>
+      <p:pic>
+        <p:nvPicPr>
+          <p:cNvPr id="5" name="Picture 4">
+            <a:extLst>
+              <a:ext uri="{FF2B5EF4-FFF2-40B4-BE49-F238E27FC236}">
+                <a16:creationId xmlns:a16="http://schemas.microsoft.com/office/drawing/2014/main" id="{424D834A-C78A-4376-B226-2FBC6CF96F9F}"/>
+              </a:ext>
+            </a:extLst>
+          </p:cNvPr>
+          <p:cNvPicPr>
+            <a:picLocks noChangeAspect="1"/>
+          </p:cNvPicPr>
+          <p:nvPr/>
+        </p:nvPicPr>
+        <p:blipFill>
+          <a:blip r:embed="rId3"/>
+          <a:stretch>
+            <a:fillRect/>
+          </a:stretch>
+        </p:blipFill>
+        <p:spPr>
+          <a:xfrm>
+            <a:off x="9202738" y="684213"/>
+            <a:ext cx="2151063" cy="3995738"/>
+          </a:xfrm>
+          <a:prstGeom prst="rect">
+            <a:avLst/>
+          </a:prstGeom>
+        </p:spPr>
+      </p:pic>
+      <p:sp>
+        <p:nvSpPr>
           <p:cNvPr id="2" name="Title 1">
             <a:extLst>
               <a:ext uri="{FF2B5EF4-FFF2-40B4-BE49-F238E27FC236}">
@@ -4579,12 +10584,18 @@
             <p:ph type="title"/>
           </p:nvPr>
         </p:nvSpPr>
-        <p:spPr/>
-        <p:txBody>
-          <a:bodyPr/>
+        <p:spPr>
+          <a:xfrm>
+            <a:off x="838200" y="5529884"/>
+            <a:ext cx="7719381" cy="1096331"/>
+          </a:xfrm>
+        </p:spPr>
+        <p:txBody>
+          <a:bodyPr>
+            <a:normAutofit/>
+          </a:bodyPr>
           <a:lstStyle/>
           <a:p>
-            <a:pPr algn="ctr"/>
             <a:r>
               <a:rPr lang="ru-RU" dirty="0"/>
               <a:t>Модели и </a:t>
@@ -4593,31 +10604,6 @@
               <a:rPr lang="en-US" dirty="0" err="1"/>
               <a:t>AutoMapper</a:t>
             </a:r>
-            <a:endParaRPr lang="en-US" dirty="0"/>
-          </a:p>
-        </p:txBody>
-      </p:sp>
-      <p:sp>
-        <p:nvSpPr>
-          <p:cNvPr id="3" name="Content Placeholder 2">
-            <a:extLst>
-              <a:ext uri="{FF2B5EF4-FFF2-40B4-BE49-F238E27FC236}">
-                <a16:creationId xmlns:a16="http://schemas.microsoft.com/office/drawing/2014/main" id="{30644F5F-0647-4C97-AE32-D40352E9564C}"/>
-              </a:ext>
-            </a:extLst>
-          </p:cNvPr>
-          <p:cNvSpPr>
-            <a:spLocks noGrp="1"/>
-          </p:cNvSpPr>
-          <p:nvPr>
-            <p:ph idx="1"/>
-          </p:nvPr>
-        </p:nvSpPr>
-        <p:spPr/>
-        <p:txBody>
-          <a:bodyPr/>
-          <a:lstStyle/>
-          <a:p>
             <a:endParaRPr lang="en-US"/>
           </a:p>
         </p:txBody>

--- a/Course work/defense.pptx
+++ b/Course work/defense.pptx
@@ -3400,7 +3400,7 @@
             <a:pPr algn="r"/>
             <a:r>
               <a:rPr lang="ru-RU" dirty="0"/>
-              <a:t>Ст. группы Исит-191</a:t>
+              <a:t>Ст. группы ИСиТ-191</a:t>
             </a:r>
             <a:br>
               <a:rPr lang="ru-RU" dirty="0"/>
@@ -7398,42 +7398,18 @@
             </a:pPr>
             <a:r>
               <a:rPr lang="ru-RU" dirty="0"/>
-              <a:t>В качестве предметной области </a:t>
-            </a:r>
-            <a:r>
-              <a:rPr lang="ru-RU" dirty="0" err="1"/>
-              <a:t>рассматаривается</a:t>
-            </a:r>
-            <a:r>
-              <a:rPr lang="ru-RU" dirty="0"/>
-              <a:t> </a:t>
-            </a:r>
-            <a:r>
-              <a:rPr lang="ru-RU" dirty="0" err="1"/>
-              <a:t>автотрнаспортное</a:t>
-            </a:r>
-            <a:r>
-              <a:rPr lang="ru-RU" dirty="0"/>
-              <a:t> предприятие (гараж), предоставляющее услуги </a:t>
-            </a:r>
-            <a:r>
-              <a:rPr lang="ru-RU" dirty="0" err="1"/>
-              <a:t>автомобильниых</a:t>
-            </a:r>
-            <a:r>
-              <a:rPr lang="ru-RU" dirty="0"/>
-              <a:t> перевозок топлива. База данных должна хранить данные об автомобилях, водителях, марках топлива для заправки автомобилей, данные о перевозках.</a:t>
+              <a:t>В качестве предметной области рассматривается автотранспортное предприятие (гараж), предоставляющее услуги автомобильных перевозок топлива. База данных должна хранить данные об автомобилях, водителях, марках топлива для заправки автомобилей, данные о перевозках.</a:t>
             </a:r>
             <a:br>
               <a:rPr lang="ru-RU" dirty="0"/>
             </a:br>
             <a:r>
               <a:rPr lang="ru-RU" dirty="0"/>
-              <a:t>Водители закреплены за автомобилями, причем за одним автомобилем может быть закреплено несколько водителей но каждый водитель закреплен только за одним </a:t>
-            </a:r>
-            <a:r>
-              <a:rPr lang="ru-RU" dirty="0" err="1"/>
-              <a:t>автомбилем</a:t>
+              <a:t>Водители закреплены за автомобилями, причем за одним автомобилем может быть закреплено несколько водителей но каждый водитель закреплен только за </a:t>
+            </a:r>
+            <a:r>
+              <a:rPr lang="ru-RU"/>
+              <a:t>одним автомобилем</a:t>
             </a:r>
             <a:endParaRPr lang="en-US" dirty="0"/>
           </a:p>

--- a/Course work/defense.pptx
+++ b/Course work/defense.pptx
@@ -273,7 +273,7 @@
           <a:p>
             <a:fld id="{1C139416-5144-4F35-A470-458272D7C95D}" type="datetimeFigureOut">
               <a:rPr lang="en-US" smtClean="0"/>
-              <a:t>12/28/2021</a:t>
+              <a:t>1/10/2022</a:t>
             </a:fld>
             <a:endParaRPr lang="en-US"/>
           </a:p>
@@ -471,7 +471,7 @@
           <a:p>
             <a:fld id="{1C139416-5144-4F35-A470-458272D7C95D}" type="datetimeFigureOut">
               <a:rPr lang="en-US" smtClean="0"/>
-              <a:t>12/28/2021</a:t>
+              <a:t>1/10/2022</a:t>
             </a:fld>
             <a:endParaRPr lang="en-US"/>
           </a:p>
@@ -679,7 +679,7 @@
           <a:p>
             <a:fld id="{1C139416-5144-4F35-A470-458272D7C95D}" type="datetimeFigureOut">
               <a:rPr lang="en-US" smtClean="0"/>
-              <a:t>12/28/2021</a:t>
+              <a:t>1/10/2022</a:t>
             </a:fld>
             <a:endParaRPr lang="en-US"/>
           </a:p>
@@ -877,7 +877,7 @@
           <a:p>
             <a:fld id="{1C139416-5144-4F35-A470-458272D7C95D}" type="datetimeFigureOut">
               <a:rPr lang="en-US" smtClean="0"/>
-              <a:t>12/28/2021</a:t>
+              <a:t>1/10/2022</a:t>
             </a:fld>
             <a:endParaRPr lang="en-US"/>
           </a:p>
@@ -1152,7 +1152,7 @@
           <a:p>
             <a:fld id="{1C139416-5144-4F35-A470-458272D7C95D}" type="datetimeFigureOut">
               <a:rPr lang="en-US" smtClean="0"/>
-              <a:t>12/28/2021</a:t>
+              <a:t>1/10/2022</a:t>
             </a:fld>
             <a:endParaRPr lang="en-US"/>
           </a:p>
@@ -1417,7 +1417,7 @@
           <a:p>
             <a:fld id="{1C139416-5144-4F35-A470-458272D7C95D}" type="datetimeFigureOut">
               <a:rPr lang="en-US" smtClean="0"/>
-              <a:t>12/28/2021</a:t>
+              <a:t>1/10/2022</a:t>
             </a:fld>
             <a:endParaRPr lang="en-US"/>
           </a:p>
@@ -1829,7 +1829,7 @@
           <a:p>
             <a:fld id="{1C139416-5144-4F35-A470-458272D7C95D}" type="datetimeFigureOut">
               <a:rPr lang="en-US" smtClean="0"/>
-              <a:t>12/28/2021</a:t>
+              <a:t>1/10/2022</a:t>
             </a:fld>
             <a:endParaRPr lang="en-US"/>
           </a:p>
@@ -1970,7 +1970,7 @@
           <a:p>
             <a:fld id="{1C139416-5144-4F35-A470-458272D7C95D}" type="datetimeFigureOut">
               <a:rPr lang="en-US" smtClean="0"/>
-              <a:t>12/28/2021</a:t>
+              <a:t>1/10/2022</a:t>
             </a:fld>
             <a:endParaRPr lang="en-US"/>
           </a:p>
@@ -2083,7 +2083,7 @@
           <a:p>
             <a:fld id="{1C139416-5144-4F35-A470-458272D7C95D}" type="datetimeFigureOut">
               <a:rPr lang="en-US" smtClean="0"/>
-              <a:t>12/28/2021</a:t>
+              <a:t>1/10/2022</a:t>
             </a:fld>
             <a:endParaRPr lang="en-US"/>
           </a:p>
@@ -2394,7 +2394,7 @@
           <a:p>
             <a:fld id="{1C139416-5144-4F35-A470-458272D7C95D}" type="datetimeFigureOut">
               <a:rPr lang="en-US" smtClean="0"/>
-              <a:t>12/28/2021</a:t>
+              <a:t>1/10/2022</a:t>
             </a:fld>
             <a:endParaRPr lang="en-US"/>
           </a:p>
@@ -2682,7 +2682,7 @@
           <a:p>
             <a:fld id="{1C139416-5144-4F35-A470-458272D7C95D}" type="datetimeFigureOut">
               <a:rPr lang="en-US" smtClean="0"/>
-              <a:t>12/28/2021</a:t>
+              <a:t>1/10/2022</a:t>
             </a:fld>
             <a:endParaRPr lang="en-US"/>
           </a:p>
@@ -2923,7 +2923,7 @@
           <a:p>
             <a:fld id="{1C139416-5144-4F35-A470-458272D7C95D}" type="datetimeFigureOut">
               <a:rPr lang="en-US" smtClean="0"/>
-              <a:t>12/28/2021</a:t>
+              <a:t>1/10/2022</a:t>
             </a:fld>
             <a:endParaRPr lang="en-US"/>
           </a:p>
@@ -7176,7 +7176,7 @@
         <p:spPr>
           <a:xfrm>
             <a:off x="7557155" y="1914402"/>
-            <a:ext cx="4113229" cy="3603359"/>
+            <a:ext cx="4113229" cy="2895473"/>
           </a:xfrm>
           <a:prstGeom prst="rect">
             <a:avLst/>
@@ -7252,54 +7252,7 @@
                 <a:ea typeface="Times New Roman" panose="02020603050405020304" pitchFamily="18" charset="0"/>
                 <a:cs typeface="Times New Roman" panose="02020603050405020304" pitchFamily="18" charset="0"/>
               </a:rPr>
-              <a:t>#. MS SQL Server ˗ инструмент для визуального проектирования баз данных, также для администрирования и разработки. С#</a:t>
-            </a:r>
-            <a:r>
-              <a:rPr lang="en-US" sz="2000" dirty="0">
-                <a:solidFill>
-                  <a:srgbClr val="000000"/>
-                </a:solidFill>
-                <a:effectLst/>
-                <a:latin typeface="Times New Roman" panose="02020603050405020304" pitchFamily="18" charset="0"/>
-                <a:ea typeface="Times New Roman" panose="02020603050405020304" pitchFamily="18" charset="0"/>
-                <a:cs typeface="Times New Roman" panose="02020603050405020304" pitchFamily="18" charset="0"/>
-              </a:rPr>
-              <a:t> </a:t>
-            </a:r>
-            <a:r>
-              <a:rPr lang="ru-RU" sz="2000" spc="-30" dirty="0">
-                <a:solidFill>
-                  <a:srgbClr val="000000"/>
-                </a:solidFill>
-                <a:effectLst/>
-                <a:latin typeface="Times New Roman" panose="02020603050405020304" pitchFamily="18" charset="0"/>
-                <a:ea typeface="Times New Roman" panose="02020603050405020304" pitchFamily="18" charset="0"/>
-              </a:rPr>
-              <a:t>–</a:t>
-            </a:r>
-            <a:r>
-              <a:rPr lang="en-US" sz="2000" dirty="0">
-                <a:solidFill>
-                  <a:srgbClr val="000000"/>
-                </a:solidFill>
-                <a:effectLst/>
-                <a:latin typeface="Times New Roman" panose="02020603050405020304" pitchFamily="18" charset="0"/>
-                <a:ea typeface="Times New Roman" panose="02020603050405020304" pitchFamily="18" charset="0"/>
-                <a:cs typeface="Times New Roman" panose="02020603050405020304" pitchFamily="18" charset="0"/>
-              </a:rPr>
-              <a:t> </a:t>
-            </a:r>
-            <a:r>
-              <a:rPr lang="ru-RU" sz="2000" dirty="0">
-                <a:solidFill>
-                  <a:srgbClr val="000000"/>
-                </a:solidFill>
-                <a:effectLst/>
-                <a:latin typeface="Times New Roman" panose="02020603050405020304" pitchFamily="18" charset="0"/>
-                <a:ea typeface="Times New Roman" panose="02020603050405020304" pitchFamily="18" charset="0"/>
-                <a:cs typeface="Times New Roman" panose="02020603050405020304" pitchFamily="18" charset="0"/>
-              </a:rPr>
-              <a:t>платформа обладает следующими преимуществами:</a:t>
+              <a:t>#. MS SQL Server ˗ инструмент для визуального проектирования баз данных, также для администрирования и разработки.</a:t>
             </a:r>
             <a:endParaRPr lang="en-US" sz="2000" dirty="0">
               <a:solidFill>
